--- a/powerpoint/07_靜態成員.pptx
+++ b/powerpoint/07_靜態成員.pptx
@@ -211,7 +211,7 @@
           <a:p>
             <a:fld id="{794480B5-17B7-4BB5-B867-ABCAFFAE6E3E}" type="datetimeFigureOut">
               <a:rPr lang="zh-TW" altLang="en-US" smtClean="0"/>
-              <a:t>2024/8/12</a:t>
+              <a:t>2024/8/13</a:t>
             </a:fld>
             <a:endParaRPr lang="zh-TW" altLang="en-US"/>
           </a:p>
@@ -25267,9 +25267,18 @@
           <a:p>
             <a:r>
               <a:rPr lang="zh-TW" altLang="en-US" sz="2400">
+                <a:solidFill>
+                  <a:srgbClr val="00B0F0"/>
+                </a:solidFill>
                 <a:latin typeface="+mj-lt"/>
               </a:rPr>
-              <a:t>方法定義還可以加上</a:t>
+              <a:t>方法</a:t>
+            </a:r>
+            <a:r>
+              <a:rPr lang="zh-TW" altLang="en-US" sz="2400">
+                <a:latin typeface="+mj-lt"/>
+              </a:rPr>
+              <a:t>定義還可以加上</a:t>
             </a:r>
             <a:r>
               <a:rPr lang="zh-TW" altLang="en-US" sz="2400">
@@ -25649,6 +25658,20 @@
                 <a:t>返回值型別 </a:t>
               </a:r>
               <a:r>
+                <a:rPr kumimoji="0" lang="zh-TW" altLang="en-US" sz="1400" b="0" i="0" u="none" strike="noStrike" cap="none" normalizeH="0" baseline="0">
+                  <a:ln>
+                    <a:noFill/>
+                  </a:ln>
+                  <a:solidFill>
+                    <a:srgbClr val="56A8F5"/>
+                  </a:solidFill>
+                  <a:effectLst/>
+                  <a:latin typeface="+mj-lt"/>
+                  <a:ea typeface="微軟正黑體" panose="020B0604030504040204" pitchFamily="34" charset="-120"/>
+                </a:rPr>
+                <a:t>方法</a:t>
+              </a:r>
+              <a:r>
                 <a:rPr kumimoji="0" lang="zh-TW" altLang="zh-TW" sz="1400" b="0" i="0" u="none" strike="noStrike" cap="none" normalizeH="0" baseline="0">
                   <a:ln>
                     <a:noFill/>
@@ -25660,7 +25683,7 @@
                   <a:latin typeface="+mj-lt"/>
                   <a:ea typeface="微軟正黑體" panose="020B0604030504040204" pitchFamily="34" charset="-120"/>
                 </a:rPr>
-                <a:t>函式名稱</a:t>
+                <a:t>名稱</a:t>
               </a:r>
               <a:r>
                 <a:rPr kumimoji="0" lang="zh-TW" altLang="zh-TW" sz="1400" b="0" i="0" u="none" strike="noStrike" cap="none" normalizeH="0" baseline="0">
@@ -26113,6 +26136,16 @@
                 <a:t>返回值型別 </a:t>
               </a:r>
               <a:r>
+                <a:rPr lang="zh-TW" altLang="en-US" sz="1400">
+                  <a:solidFill>
+                    <a:srgbClr val="56A8F5"/>
+                  </a:solidFill>
+                  <a:latin typeface="+mj-lt"/>
+                  <a:ea typeface="微軟正黑體" panose="020B0604030504040204" pitchFamily="34" charset="-120"/>
+                </a:rPr>
+                <a:t>方法</a:t>
+              </a:r>
+              <a:r>
                 <a:rPr kumimoji="0" lang="zh-TW" altLang="zh-TW" sz="1400" b="0" i="0" u="none" strike="noStrike" cap="none" normalizeH="0" baseline="0">
                   <a:ln>
                     <a:noFill/>
@@ -26124,7 +26157,7 @@
                   <a:latin typeface="+mj-lt"/>
                   <a:ea typeface="微軟正黑體" panose="020B0604030504040204" pitchFamily="34" charset="-120"/>
                 </a:rPr>
-                <a:t>函式名稱</a:t>
+                <a:t>名稱</a:t>
               </a:r>
               <a:r>
                 <a:rPr kumimoji="0" lang="zh-TW" altLang="zh-TW" sz="1400" b="0" i="0" u="none" strike="noStrike" cap="none" normalizeH="0" baseline="0">

--- a/powerpoint/07_靜態成員.pptx
+++ b/powerpoint/07_靜態成員.pptx
@@ -211,7 +211,7 @@
           <a:p>
             <a:fld id="{794480B5-17B7-4BB5-B867-ABCAFFAE6E3E}" type="datetimeFigureOut">
               <a:rPr lang="zh-TW" altLang="en-US" smtClean="0"/>
-              <a:t>2024/8/13</a:t>
+              <a:t>2024/8/15</a:t>
             </a:fld>
             <a:endParaRPr lang="zh-TW" altLang="en-US"/>
           </a:p>

--- a/powerpoint/07_靜態成員.pptx
+++ b/powerpoint/07_靜態成員.pptx
@@ -211,7 +211,7 @@
           <a:p>
             <a:fld id="{794480B5-17B7-4BB5-B867-ABCAFFAE6E3E}" type="datetimeFigureOut">
               <a:rPr lang="zh-TW" altLang="en-US" smtClean="0"/>
-              <a:t>2024/8/15</a:t>
+              <a:t>2024/8/18</a:t>
             </a:fld>
             <a:endParaRPr lang="zh-TW" altLang="en-US"/>
           </a:p>
@@ -25343,7 +25343,7 @@
               <a:rPr lang="zh-TW" altLang="en-US" sz="2400">
                 <a:latin typeface="+mj-lt"/>
               </a:rPr>
-              <a:t>有三種可以填，不填表示預設</a:t>
+              <a:t>有四種，其中一種是不填</a:t>
             </a:r>
             <a:endParaRPr lang="en-US" altLang="zh-TW" sz="2400">
               <a:latin typeface="+mj-lt"/>

--- a/powerpoint/07_靜態成員.pptx
+++ b/powerpoint/07_靜態成員.pptx
@@ -211,7 +211,7 @@
           <a:p>
             <a:fld id="{794480B5-17B7-4BB5-B867-ABCAFFAE6E3E}" type="datetimeFigureOut">
               <a:rPr lang="zh-TW" altLang="en-US" smtClean="0"/>
-              <a:t>2024/8/18</a:t>
+              <a:t>2024/8/20</a:t>
             </a:fld>
             <a:endParaRPr lang="zh-TW" altLang="en-US"/>
           </a:p>
@@ -21585,8 +21585,8 @@
         </p:nvSpPr>
         <p:spPr>
           <a:xfrm>
-            <a:off x="520138" y="0"/>
-            <a:ext cx="5171351" cy="1325563"/>
+            <a:off x="520139" y="365125"/>
+            <a:ext cx="4980851" cy="1325563"/>
           </a:xfrm>
         </p:spPr>
         <p:txBody>
@@ -21596,6 +21596,63 @@
             <a:r>
               <a:rPr lang="zh-TW" altLang="en-US"/>
               <a:t>靜態欄位</a:t>
+            </a:r>
+          </a:p>
+        </p:txBody>
+      </p:sp>
+      <p:sp>
+        <p:nvSpPr>
+          <p:cNvPr id="5" name="內容版面配置區 4">
+            <a:extLst>
+              <a:ext uri="{FF2B5EF4-FFF2-40B4-BE49-F238E27FC236}">
+                <a16:creationId xmlns:a16="http://schemas.microsoft.com/office/drawing/2014/main" id="{F4DD33E1-B50B-4C01-8515-54885461CDA4}"/>
+              </a:ext>
+            </a:extLst>
+          </p:cNvPr>
+          <p:cNvSpPr>
+            <a:spLocks noGrp="1"/>
+          </p:cNvSpPr>
+          <p:nvPr>
+            <p:ph idx="1"/>
+          </p:nvPr>
+        </p:nvSpPr>
+        <p:spPr>
+          <a:xfrm>
+            <a:off x="520139" y="2211107"/>
+            <a:ext cx="4980851" cy="514163"/>
+          </a:xfrm>
+        </p:spPr>
+        <p:txBody>
+          <a:bodyPr/>
+          <a:lstStyle/>
+          <a:p>
+            <a:r>
+              <a:rPr lang="zh-TW" altLang="en-US">
+                <a:solidFill>
+                  <a:srgbClr val="FFC000"/>
+                </a:solidFill>
+              </a:rPr>
+              <a:t>存取</a:t>
+            </a:r>
+            <a:r>
+              <a:rPr lang="zh-TW" altLang="en-US">
+                <a:solidFill>
+                  <a:srgbClr val="00B0F0"/>
+                </a:solidFill>
+              </a:rPr>
+              <a:t>欄位</a:t>
+            </a:r>
+            <a:r>
+              <a:rPr lang="zh-TW" altLang="en-US"/>
+              <a:t>只能是</a:t>
+            </a:r>
+            <a:r>
+              <a:rPr lang="zh-TW" altLang="en-US">
+                <a:solidFill>
+                  <a:srgbClr val="00B0F0"/>
+                </a:solidFill>
+              </a:rPr>
+              <a:t>表達式</a:t>
             </a:r>
           </a:p>
         </p:txBody>
@@ -21614,7 +21671,7 @@
         </p:nvGrpSpPr>
         <p:grpSpPr>
           <a:xfrm>
-            <a:off x="520139" y="1997839"/>
+            <a:off x="520139" y="2864224"/>
             <a:ext cx="4980851" cy="2862322"/>
             <a:chOff x="362812" y="1997839"/>
             <a:chExt cx="4980851" cy="2862322"/>
@@ -27336,8 +27393,24 @@
           <a:lstStyle/>
           <a:p>
             <a:r>
+              <a:rPr lang="zh-TW" altLang="en-US">
+                <a:solidFill>
+                  <a:srgbClr val="FFC000"/>
+                </a:solidFill>
+              </a:rPr>
+              <a:t>呼叫</a:t>
+            </a:r>
+            <a:r>
+              <a:rPr lang="zh-TW" altLang="en-US">
+                <a:solidFill>
+                  <a:srgbClr val="00B0F0"/>
+                </a:solidFill>
+              </a:rPr>
+              <a:t>方法</a:t>
+            </a:r>
+            <a:r>
               <a:rPr lang="zh-TW" altLang="en-US"/>
-              <a:t>呼叫方法就是傳入</a:t>
+              <a:t>就是傳入</a:t>
             </a:r>
             <a:r>
               <a:rPr lang="zh-TW" altLang="en-US">
@@ -27357,14 +27430,102 @@
             </a:r>
             <a:r>
               <a:rPr lang="zh-TW" altLang="en-US"/>
-              <a:t>並執行方法中的陳述式</a:t>
-            </a:r>
-            <a:endParaRPr lang="en-US" altLang="zh-TW"/>
+              <a:t>並執行</a:t>
+            </a:r>
+            <a:r>
+              <a:rPr lang="zh-TW" altLang="en-US">
+                <a:solidFill>
+                  <a:srgbClr val="00B0F0"/>
+                </a:solidFill>
+              </a:rPr>
+              <a:t>方法</a:t>
+            </a:r>
+            <a:r>
+              <a:rPr lang="zh-TW" altLang="en-US"/>
+              <a:t>中的</a:t>
+            </a:r>
+            <a:r>
+              <a:rPr lang="zh-TW" altLang="en-US">
+                <a:solidFill>
+                  <a:srgbClr val="00B0F0"/>
+                </a:solidFill>
+              </a:rPr>
+              <a:t>陳述式</a:t>
+            </a:r>
+            <a:endParaRPr lang="en-US" altLang="zh-TW">
+              <a:solidFill>
+                <a:srgbClr val="00B0F0"/>
+              </a:solidFill>
+            </a:endParaRPr>
           </a:p>
           <a:p>
             <a:r>
               <a:rPr lang="zh-TW" altLang="en-US"/>
-              <a:t>然後方法會回傳結果</a:t>
+              <a:t>然後</a:t>
+            </a:r>
+            <a:r>
+              <a:rPr lang="zh-TW" altLang="en-US">
+                <a:solidFill>
+                  <a:srgbClr val="00B0F0"/>
+                </a:solidFill>
+              </a:rPr>
+              <a:t>方法</a:t>
+            </a:r>
+            <a:r>
+              <a:rPr lang="zh-TW" altLang="en-US"/>
+              <a:t>會</a:t>
+            </a:r>
+            <a:r>
+              <a:rPr lang="zh-TW" altLang="en-US">
+                <a:solidFill>
+                  <a:srgbClr val="FFC000"/>
+                </a:solidFill>
+              </a:rPr>
+              <a:t>回傳</a:t>
+            </a:r>
+            <a:r>
+              <a:rPr lang="zh-TW" altLang="en-US"/>
+              <a:t>結果，</a:t>
+            </a:r>
+            <a:r>
+              <a:rPr lang="zh-TW" altLang="en-US">
+                <a:solidFill>
+                  <a:srgbClr val="FFC000"/>
+                </a:solidFill>
+              </a:rPr>
+              <a:t>呼叫</a:t>
+            </a:r>
+            <a:r>
+              <a:rPr lang="zh-TW" altLang="en-US">
+                <a:solidFill>
+                  <a:srgbClr val="00B0F0"/>
+                </a:solidFill>
+              </a:rPr>
+              <a:t>方法</a:t>
+            </a:r>
+            <a:r>
+              <a:rPr lang="zh-TW" altLang="en-US"/>
+              <a:t>皆可為</a:t>
+            </a:r>
+            <a:r>
+              <a:rPr lang="zh-TW" altLang="en-US">
+                <a:solidFill>
+                  <a:srgbClr val="00B0F0"/>
+                </a:solidFill>
+              </a:rPr>
+              <a:t>表達式</a:t>
+            </a:r>
+            <a:r>
+              <a:rPr lang="zh-TW" altLang="en-US"/>
+              <a:t>或</a:t>
+            </a:r>
+            <a:r>
+              <a:rPr lang="zh-TW" altLang="en-US">
+                <a:solidFill>
+                  <a:srgbClr val="00B0F0"/>
+                </a:solidFill>
+              </a:rPr>
+              <a:t>表達陳述式</a:t>
             </a:r>
           </a:p>
         </p:txBody>
@@ -29569,8 +29730,16 @@
           </a:lstStyle>
           <a:p>
             <a:r>
+              <a:rPr lang="zh-TW" altLang="en-US">
+                <a:solidFill>
+                  <a:srgbClr val="00B0F0"/>
+                </a:solidFill>
+              </a:rPr>
+              <a:t>方法</a:t>
+            </a:r>
+            <a:r>
               <a:rPr lang="zh-TW" altLang="en-US"/>
-              <a:t>方法的</a:t>
+              <a:t>的</a:t>
             </a:r>
             <a:r>
               <a:rPr lang="zh-TW" altLang="en-US">
@@ -29630,28 +29799,72 @@
             </a:r>
             <a:r>
               <a:rPr lang="zh-TW" altLang="en-US"/>
-              <a:t>就是個變數</a:t>
+              <a:t>就是個</a:t>
+            </a:r>
+            <a:r>
+              <a:rPr lang="zh-TW" altLang="en-US">
+                <a:solidFill>
+                  <a:srgbClr val="00B0F0"/>
+                </a:solidFill>
+              </a:rPr>
+              <a:t>變數</a:t>
+            </a:r>
+            <a:endParaRPr lang="en-US" altLang="zh-TW">
+              <a:solidFill>
+                <a:srgbClr val="00B0F0"/>
+              </a:solidFill>
+            </a:endParaRPr>
+          </a:p>
+          <a:p>
+            <a:r>
+              <a:rPr lang="zh-TW" altLang="en-US"/>
+              <a:t>可以對其做任何</a:t>
             </a:r>
             <a:endParaRPr lang="en-US" altLang="zh-TW"/>
           </a:p>
           <a:p>
             <a:r>
+              <a:rPr lang="zh-TW" altLang="en-US">
+                <a:solidFill>
+                  <a:srgbClr val="00B0F0"/>
+                </a:solidFill>
+              </a:rPr>
+              <a:t>變數</a:t>
+            </a:r>
+            <a:r>
               <a:rPr lang="zh-TW" altLang="en-US"/>
-              <a:t>可以對其做任何</a:t>
+              <a:t>能做的事</a:t>
             </a:r>
             <a:endParaRPr lang="en-US" altLang="zh-TW"/>
           </a:p>
           <a:p>
             <a:r>
               <a:rPr lang="zh-TW" altLang="en-US"/>
-              <a:t>變數能做的事</a:t>
-            </a:r>
-            <a:endParaRPr lang="en-US" altLang="zh-TW"/>
-          </a:p>
-          <a:p>
+              <a:t>且其</a:t>
+            </a:r>
+            <a:r>
+              <a:rPr lang="zh-TW" altLang="en-US">
+                <a:solidFill>
+                  <a:srgbClr val="00B0F0"/>
+                </a:solidFill>
+              </a:rPr>
+              <a:t>作用域</a:t>
+            </a:r>
             <a:r>
               <a:rPr lang="zh-TW" altLang="en-US"/>
-              <a:t>且其作用域為該方法內</a:t>
+              <a:t>為該</a:t>
+            </a:r>
+            <a:r>
+              <a:rPr lang="zh-TW" altLang="en-US">
+                <a:solidFill>
+                  <a:srgbClr val="00B0F0"/>
+                </a:solidFill>
+              </a:rPr>
+              <a:t>方法</a:t>
+            </a:r>
+            <a:r>
+              <a:rPr lang="zh-TW" altLang="en-US"/>
+              <a:t>內</a:t>
             </a:r>
             <a:endParaRPr lang="en-US" altLang="zh-TW"/>
           </a:p>

--- a/powerpoint/07_靜態成員.pptx
+++ b/powerpoint/07_靜態成員.pptx
@@ -2,7 +2,7 @@
 <file path=ppt/presentation.xml><?xml version="1.0" encoding="utf-8"?>
 <p:presentation xmlns:a="http://schemas.openxmlformats.org/drawingml/2006/main" xmlns:r="http://schemas.openxmlformats.org/officeDocument/2006/relationships" xmlns:p="http://schemas.openxmlformats.org/presentationml/2006/main" saveSubsetFonts="1">
   <p:sldMasterIdLst>
-    <p:sldMasterId id="2147483660" r:id="rId1"/>
+    <p:sldMasterId id="2147483673" r:id="rId1"/>
   </p:sldMasterIdLst>
   <p:notesMasterIdLst>
     <p:notesMasterId r:id="rId17"/>
@@ -211,7 +211,7 @@
           <a:p>
             <a:fld id="{794480B5-17B7-4BB5-B867-ABCAFFAE6E3E}" type="datetimeFigureOut">
               <a:rPr lang="zh-TW" altLang="en-US" smtClean="0"/>
-              <a:t>2024/8/20</a:t>
+              <a:t>2024/8/28</a:t>
             </a:fld>
             <a:endParaRPr lang="zh-TW" altLang="en-US"/>
           </a:p>
@@ -857,1457 +857,7 @@
     </p:spTree>
     <p:extLst>
       <p:ext uri="{BB962C8B-B14F-4D97-AF65-F5344CB8AC3E}">
-        <p14:creationId xmlns:p14="http://schemas.microsoft.com/office/powerpoint/2010/main" val="2666406032"/>
-      </p:ext>
-    </p:extLst>
-  </p:cSld>
-  <p:clrMapOvr>
-    <a:masterClrMapping/>
-  </p:clrMapOvr>
-  <p:transition spd="slow">
-    <p:push dir="u"/>
-  </p:transition>
-</p:sldLayout>
-</file>
-
-<file path=ppt/slideLayouts/slideLayout10.xml><?xml version="1.0" encoding="utf-8"?>
-<p:sldLayout xmlns:a="http://schemas.openxmlformats.org/drawingml/2006/main" xmlns:r="http://schemas.openxmlformats.org/officeDocument/2006/relationships" xmlns:p="http://schemas.openxmlformats.org/presentationml/2006/main" type="vertTx" preserve="1">
-  <p:cSld name="標題及直排文字">
-    <p:spTree>
-      <p:nvGrpSpPr>
-        <p:cNvPr id="1" name=""/>
-        <p:cNvGrpSpPr/>
-        <p:nvPr/>
-      </p:nvGrpSpPr>
-      <p:grpSpPr>
-        <a:xfrm>
-          <a:off x="0" y="0"/>
-          <a:ext cx="0" cy="0"/>
-          <a:chOff x="0" y="0"/>
-          <a:chExt cx="0" cy="0"/>
-        </a:xfrm>
-      </p:grpSpPr>
-      <p:sp>
-        <p:nvSpPr>
-          <p:cNvPr id="2" name="標題 1">
-            <a:extLst>
-              <a:ext uri="{FF2B5EF4-FFF2-40B4-BE49-F238E27FC236}">
-                <a16:creationId xmlns:a16="http://schemas.microsoft.com/office/drawing/2014/main" id="{0FDDC07F-519C-49CA-AA44-B985B88C2335}"/>
-              </a:ext>
-            </a:extLst>
-          </p:cNvPr>
-          <p:cNvSpPr>
-            <a:spLocks noGrp="1"/>
-          </p:cNvSpPr>
-          <p:nvPr>
-            <p:ph type="title"/>
-          </p:nvPr>
-        </p:nvSpPr>
-        <p:spPr/>
-        <p:txBody>
-          <a:bodyPr/>
-          <a:lstStyle/>
-          <a:p>
-            <a:r>
-              <a:rPr lang="zh-TW" altLang="en-US"/>
-              <a:t>按一下以編輯母片標題樣式</a:t>
-            </a:r>
-          </a:p>
-        </p:txBody>
-      </p:sp>
-      <p:sp>
-        <p:nvSpPr>
-          <p:cNvPr id="3" name="直排文字版面配置區 2">
-            <a:extLst>
-              <a:ext uri="{FF2B5EF4-FFF2-40B4-BE49-F238E27FC236}">
-                <a16:creationId xmlns:a16="http://schemas.microsoft.com/office/drawing/2014/main" id="{EA4FAF03-5463-4183-9F65-A1E11FD43A75}"/>
-              </a:ext>
-            </a:extLst>
-          </p:cNvPr>
-          <p:cNvSpPr>
-            <a:spLocks noGrp="1"/>
-          </p:cNvSpPr>
-          <p:nvPr>
-            <p:ph type="body" orient="vert" idx="1"/>
-          </p:nvPr>
-        </p:nvSpPr>
-        <p:spPr/>
-        <p:txBody>
-          <a:bodyPr vert="eaVert"/>
-          <a:lstStyle/>
-          <a:p>
-            <a:pPr lvl="0"/>
-            <a:r>
-              <a:rPr lang="zh-TW" altLang="en-US"/>
-              <a:t>按一下以編輯母片文字樣式</a:t>
-            </a:r>
-          </a:p>
-          <a:p>
-            <a:pPr lvl="1"/>
-            <a:r>
-              <a:rPr lang="zh-TW" altLang="en-US"/>
-              <a:t>第二層</a:t>
-            </a:r>
-          </a:p>
-          <a:p>
-            <a:pPr lvl="2"/>
-            <a:r>
-              <a:rPr lang="zh-TW" altLang="en-US"/>
-              <a:t>第三層</a:t>
-            </a:r>
-          </a:p>
-          <a:p>
-            <a:pPr lvl="3"/>
-            <a:r>
-              <a:rPr lang="zh-TW" altLang="en-US"/>
-              <a:t>第四層</a:t>
-            </a:r>
-          </a:p>
-          <a:p>
-            <a:pPr lvl="4"/>
-            <a:r>
-              <a:rPr lang="zh-TW" altLang="en-US"/>
-              <a:t>第五層</a:t>
-            </a:r>
-          </a:p>
-        </p:txBody>
-      </p:sp>
-      <p:sp>
-        <p:nvSpPr>
-          <p:cNvPr id="7" name="頁尾版面配置區 4">
-            <a:extLst>
-              <a:ext uri="{FF2B5EF4-FFF2-40B4-BE49-F238E27FC236}">
-                <a16:creationId xmlns:a16="http://schemas.microsoft.com/office/drawing/2014/main" id="{673CEE49-E682-4987-B5C6-44AC5441606B}"/>
-              </a:ext>
-            </a:extLst>
-          </p:cNvPr>
-          <p:cNvSpPr txBox="1">
-            <a:spLocks/>
-          </p:cNvSpPr>
-          <p:nvPr/>
-        </p:nvSpPr>
-        <p:spPr>
-          <a:xfrm>
-            <a:off x="0" y="6492875"/>
-            <a:ext cx="2743200" cy="365125"/>
-          </a:xfrm>
-          <a:prstGeom prst="rect">
-            <a:avLst/>
-          </a:prstGeom>
-        </p:spPr>
-        <p:txBody>
-          <a:bodyPr vert="horz" lIns="91440" tIns="45720" rIns="91440" bIns="45720" rtlCol="0" anchor="ctr"/>
-          <a:lstStyle>
-            <a:defPPr>
-              <a:defRPr lang="zh-TW"/>
-            </a:defPPr>
-            <a:lvl1pPr marL="0" algn="l" defTabSz="914400" rtl="0" eaLnBrk="1" latinLnBrk="0" hangingPunct="1">
-              <a:defRPr sz="1200" kern="1200">
-                <a:solidFill>
-                  <a:schemeClr val="tx1">
-                    <a:tint val="75000"/>
-                  </a:schemeClr>
-                </a:solidFill>
-                <a:latin typeface="+mn-lt"/>
-                <a:ea typeface="+mn-ea"/>
-                <a:cs typeface="+mn-cs"/>
-              </a:defRPr>
-            </a:lvl1pPr>
-            <a:lvl2pPr marL="457200" algn="l" defTabSz="914400" rtl="0" eaLnBrk="1" latinLnBrk="0" hangingPunct="1">
-              <a:defRPr sz="1800" kern="1200">
-                <a:solidFill>
-                  <a:schemeClr val="tx1"/>
-                </a:solidFill>
-                <a:latin typeface="+mn-lt"/>
-                <a:ea typeface="+mn-ea"/>
-                <a:cs typeface="+mn-cs"/>
-              </a:defRPr>
-            </a:lvl2pPr>
-            <a:lvl3pPr marL="914400" algn="l" defTabSz="914400" rtl="0" eaLnBrk="1" latinLnBrk="0" hangingPunct="1">
-              <a:defRPr sz="1800" kern="1200">
-                <a:solidFill>
-                  <a:schemeClr val="tx1"/>
-                </a:solidFill>
-                <a:latin typeface="+mn-lt"/>
-                <a:ea typeface="+mn-ea"/>
-                <a:cs typeface="+mn-cs"/>
-              </a:defRPr>
-            </a:lvl3pPr>
-            <a:lvl4pPr marL="1371600" algn="l" defTabSz="914400" rtl="0" eaLnBrk="1" latinLnBrk="0" hangingPunct="1">
-              <a:defRPr sz="1800" kern="1200">
-                <a:solidFill>
-                  <a:schemeClr val="tx1"/>
-                </a:solidFill>
-                <a:latin typeface="+mn-lt"/>
-                <a:ea typeface="+mn-ea"/>
-                <a:cs typeface="+mn-cs"/>
-              </a:defRPr>
-            </a:lvl4pPr>
-            <a:lvl5pPr marL="1828800" algn="l" defTabSz="914400" rtl="0" eaLnBrk="1" latinLnBrk="0" hangingPunct="1">
-              <a:defRPr sz="1800" kern="1200">
-                <a:solidFill>
-                  <a:schemeClr val="tx1"/>
-                </a:solidFill>
-                <a:latin typeface="+mn-lt"/>
-                <a:ea typeface="+mn-ea"/>
-                <a:cs typeface="+mn-cs"/>
-              </a:defRPr>
-            </a:lvl5pPr>
-            <a:lvl6pPr marL="2286000" algn="l" defTabSz="914400" rtl="0" eaLnBrk="1" latinLnBrk="0" hangingPunct="1">
-              <a:defRPr sz="1800" kern="1200">
-                <a:solidFill>
-                  <a:schemeClr val="tx1"/>
-                </a:solidFill>
-                <a:latin typeface="+mn-lt"/>
-                <a:ea typeface="+mn-ea"/>
-                <a:cs typeface="+mn-cs"/>
-              </a:defRPr>
-            </a:lvl6pPr>
-            <a:lvl7pPr marL="2743200" algn="l" defTabSz="914400" rtl="0" eaLnBrk="1" latinLnBrk="0" hangingPunct="1">
-              <a:defRPr sz="1800" kern="1200">
-                <a:solidFill>
-                  <a:schemeClr val="tx1"/>
-                </a:solidFill>
-                <a:latin typeface="+mn-lt"/>
-                <a:ea typeface="+mn-ea"/>
-                <a:cs typeface="+mn-cs"/>
-              </a:defRPr>
-            </a:lvl7pPr>
-            <a:lvl8pPr marL="3200400" algn="l" defTabSz="914400" rtl="0" eaLnBrk="1" latinLnBrk="0" hangingPunct="1">
-              <a:defRPr sz="1800" kern="1200">
-                <a:solidFill>
-                  <a:schemeClr val="tx1"/>
-                </a:solidFill>
-                <a:latin typeface="+mn-lt"/>
-                <a:ea typeface="+mn-ea"/>
-                <a:cs typeface="+mn-cs"/>
-              </a:defRPr>
-            </a:lvl8pPr>
-            <a:lvl9pPr marL="3657600" algn="l" defTabSz="914400" rtl="0" eaLnBrk="1" latinLnBrk="0" hangingPunct="1">
-              <a:defRPr sz="1800" kern="1200">
-                <a:solidFill>
-                  <a:schemeClr val="tx1"/>
-                </a:solidFill>
-                <a:latin typeface="+mn-lt"/>
-                <a:ea typeface="+mn-ea"/>
-                <a:cs typeface="+mn-cs"/>
-              </a:defRPr>
-            </a:lvl9pPr>
-          </a:lstStyle>
-          <a:p>
-            <a:r>
-              <a:rPr lang="en-US" altLang="zh-TW"/>
-              <a:t>TYIC</a:t>
-            </a:r>
-            <a:r>
-              <a:rPr lang="zh-TW" altLang="en-US"/>
-              <a:t>桃高資訊社</a:t>
-            </a:r>
-          </a:p>
-        </p:txBody>
-      </p:sp>
-      <p:sp>
-        <p:nvSpPr>
-          <p:cNvPr id="8" name="投影片編號版面配置區 5">
-            <a:extLst>
-              <a:ext uri="{FF2B5EF4-FFF2-40B4-BE49-F238E27FC236}">
-                <a16:creationId xmlns:a16="http://schemas.microsoft.com/office/drawing/2014/main" id="{30FE2C57-B7B9-4C62-97C3-180398C5D84A}"/>
-              </a:ext>
-            </a:extLst>
-          </p:cNvPr>
-          <p:cNvSpPr txBox="1">
-            <a:spLocks/>
-          </p:cNvSpPr>
-          <p:nvPr/>
-        </p:nvSpPr>
-        <p:spPr>
-          <a:xfrm>
-            <a:off x="9448800" y="6492874"/>
-            <a:ext cx="2743200" cy="365125"/>
-          </a:xfrm>
-          <a:prstGeom prst="rect">
-            <a:avLst/>
-          </a:prstGeom>
-        </p:spPr>
-        <p:txBody>
-          <a:bodyPr vert="horz" lIns="91440" tIns="45720" rIns="91440" bIns="45720" rtlCol="0" anchor="ctr"/>
-          <a:lstStyle>
-            <a:defPPr>
-              <a:defRPr lang="zh-TW"/>
-            </a:defPPr>
-            <a:lvl1pPr marL="0" algn="r" defTabSz="914400" rtl="0" eaLnBrk="1" latinLnBrk="0" hangingPunct="1">
-              <a:defRPr sz="1200" kern="1200">
-                <a:solidFill>
-                  <a:schemeClr val="tx1">
-                    <a:tint val="75000"/>
-                  </a:schemeClr>
-                </a:solidFill>
-                <a:latin typeface="+mn-lt"/>
-                <a:ea typeface="+mn-ea"/>
-                <a:cs typeface="+mn-cs"/>
-              </a:defRPr>
-            </a:lvl1pPr>
-            <a:lvl2pPr marL="457200" algn="l" defTabSz="914400" rtl="0" eaLnBrk="1" latinLnBrk="0" hangingPunct="1">
-              <a:defRPr sz="1800" kern="1200">
-                <a:solidFill>
-                  <a:schemeClr val="tx1"/>
-                </a:solidFill>
-                <a:latin typeface="+mn-lt"/>
-                <a:ea typeface="+mn-ea"/>
-                <a:cs typeface="+mn-cs"/>
-              </a:defRPr>
-            </a:lvl2pPr>
-            <a:lvl3pPr marL="914400" algn="l" defTabSz="914400" rtl="0" eaLnBrk="1" latinLnBrk="0" hangingPunct="1">
-              <a:defRPr sz="1800" kern="1200">
-                <a:solidFill>
-                  <a:schemeClr val="tx1"/>
-                </a:solidFill>
-                <a:latin typeface="+mn-lt"/>
-                <a:ea typeface="+mn-ea"/>
-                <a:cs typeface="+mn-cs"/>
-              </a:defRPr>
-            </a:lvl3pPr>
-            <a:lvl4pPr marL="1371600" algn="l" defTabSz="914400" rtl="0" eaLnBrk="1" latinLnBrk="0" hangingPunct="1">
-              <a:defRPr sz="1800" kern="1200">
-                <a:solidFill>
-                  <a:schemeClr val="tx1"/>
-                </a:solidFill>
-                <a:latin typeface="+mn-lt"/>
-                <a:ea typeface="+mn-ea"/>
-                <a:cs typeface="+mn-cs"/>
-              </a:defRPr>
-            </a:lvl4pPr>
-            <a:lvl5pPr marL="1828800" algn="l" defTabSz="914400" rtl="0" eaLnBrk="1" latinLnBrk="0" hangingPunct="1">
-              <a:defRPr sz="1800" kern="1200">
-                <a:solidFill>
-                  <a:schemeClr val="tx1"/>
-                </a:solidFill>
-                <a:latin typeface="+mn-lt"/>
-                <a:ea typeface="+mn-ea"/>
-                <a:cs typeface="+mn-cs"/>
-              </a:defRPr>
-            </a:lvl5pPr>
-            <a:lvl6pPr marL="2286000" algn="l" defTabSz="914400" rtl="0" eaLnBrk="1" latinLnBrk="0" hangingPunct="1">
-              <a:defRPr sz="1800" kern="1200">
-                <a:solidFill>
-                  <a:schemeClr val="tx1"/>
-                </a:solidFill>
-                <a:latin typeface="+mn-lt"/>
-                <a:ea typeface="+mn-ea"/>
-                <a:cs typeface="+mn-cs"/>
-              </a:defRPr>
-            </a:lvl6pPr>
-            <a:lvl7pPr marL="2743200" algn="l" defTabSz="914400" rtl="0" eaLnBrk="1" latinLnBrk="0" hangingPunct="1">
-              <a:defRPr sz="1800" kern="1200">
-                <a:solidFill>
-                  <a:schemeClr val="tx1"/>
-                </a:solidFill>
-                <a:latin typeface="+mn-lt"/>
-                <a:ea typeface="+mn-ea"/>
-                <a:cs typeface="+mn-cs"/>
-              </a:defRPr>
-            </a:lvl7pPr>
-            <a:lvl8pPr marL="3200400" algn="l" defTabSz="914400" rtl="0" eaLnBrk="1" latinLnBrk="0" hangingPunct="1">
-              <a:defRPr sz="1800" kern="1200">
-                <a:solidFill>
-                  <a:schemeClr val="tx1"/>
-                </a:solidFill>
-                <a:latin typeface="+mn-lt"/>
-                <a:ea typeface="+mn-ea"/>
-                <a:cs typeface="+mn-cs"/>
-              </a:defRPr>
-            </a:lvl8pPr>
-            <a:lvl9pPr marL="3657600" algn="l" defTabSz="914400" rtl="0" eaLnBrk="1" latinLnBrk="0" hangingPunct="1">
-              <a:defRPr sz="1800" kern="1200">
-                <a:solidFill>
-                  <a:schemeClr val="tx1"/>
-                </a:solidFill>
-                <a:latin typeface="+mn-lt"/>
-                <a:ea typeface="+mn-ea"/>
-                <a:cs typeface="+mn-cs"/>
-              </a:defRPr>
-            </a:lvl9pPr>
-          </a:lstStyle>
-          <a:p>
-            <a:fld id="{D4328D90-2A6F-4F23-88A8-C5DCC2B5F307}" type="slidenum">
-              <a:rPr lang="zh-TW" altLang="en-US" smtClean="0"/>
-              <a:pPr/>
-              <a:t>‹#›</a:t>
-            </a:fld>
-            <a:endParaRPr lang="zh-TW" altLang="en-US"/>
-          </a:p>
-        </p:txBody>
-      </p:sp>
-      <p:sp>
-        <p:nvSpPr>
-          <p:cNvPr id="6" name="頁尾版面配置區 4">
-            <a:extLst>
-              <a:ext uri="{FF2B5EF4-FFF2-40B4-BE49-F238E27FC236}">
-                <a16:creationId xmlns:a16="http://schemas.microsoft.com/office/drawing/2014/main" id="{B6D0D332-58F6-44F7-8B06-11E5EF864545}"/>
-              </a:ext>
-            </a:extLst>
-          </p:cNvPr>
-          <p:cNvSpPr txBox="1">
-            <a:spLocks/>
-          </p:cNvSpPr>
-          <p:nvPr/>
-        </p:nvSpPr>
-        <p:spPr>
-          <a:xfrm>
-            <a:off x="0" y="6492875"/>
-            <a:ext cx="2743200" cy="365125"/>
-          </a:xfrm>
-          <a:prstGeom prst="rect">
-            <a:avLst/>
-          </a:prstGeom>
-        </p:spPr>
-        <p:txBody>
-          <a:bodyPr vert="horz" lIns="91440" tIns="45720" rIns="91440" bIns="45720" rtlCol="0" anchor="ctr"/>
-          <a:lstStyle>
-            <a:defPPr>
-              <a:defRPr lang="zh-TW"/>
-            </a:defPPr>
-            <a:lvl1pPr marL="0" algn="l" defTabSz="914400" rtl="0" eaLnBrk="1" latinLnBrk="0" hangingPunct="1">
-              <a:defRPr sz="1200" kern="1200">
-                <a:solidFill>
-                  <a:schemeClr val="tx1">
-                    <a:tint val="75000"/>
-                  </a:schemeClr>
-                </a:solidFill>
-                <a:latin typeface="+mn-lt"/>
-                <a:ea typeface="+mn-ea"/>
-                <a:cs typeface="+mn-cs"/>
-              </a:defRPr>
-            </a:lvl1pPr>
-            <a:lvl2pPr marL="457200" algn="l" defTabSz="914400" rtl="0" eaLnBrk="1" latinLnBrk="0" hangingPunct="1">
-              <a:defRPr sz="1800" kern="1200">
-                <a:solidFill>
-                  <a:schemeClr val="tx1"/>
-                </a:solidFill>
-                <a:latin typeface="+mn-lt"/>
-                <a:ea typeface="+mn-ea"/>
-                <a:cs typeface="+mn-cs"/>
-              </a:defRPr>
-            </a:lvl2pPr>
-            <a:lvl3pPr marL="914400" algn="l" defTabSz="914400" rtl="0" eaLnBrk="1" latinLnBrk="0" hangingPunct="1">
-              <a:defRPr sz="1800" kern="1200">
-                <a:solidFill>
-                  <a:schemeClr val="tx1"/>
-                </a:solidFill>
-                <a:latin typeface="+mn-lt"/>
-                <a:ea typeface="+mn-ea"/>
-                <a:cs typeface="+mn-cs"/>
-              </a:defRPr>
-            </a:lvl3pPr>
-            <a:lvl4pPr marL="1371600" algn="l" defTabSz="914400" rtl="0" eaLnBrk="1" latinLnBrk="0" hangingPunct="1">
-              <a:defRPr sz="1800" kern="1200">
-                <a:solidFill>
-                  <a:schemeClr val="tx1"/>
-                </a:solidFill>
-                <a:latin typeface="+mn-lt"/>
-                <a:ea typeface="+mn-ea"/>
-                <a:cs typeface="+mn-cs"/>
-              </a:defRPr>
-            </a:lvl4pPr>
-            <a:lvl5pPr marL="1828800" algn="l" defTabSz="914400" rtl="0" eaLnBrk="1" latinLnBrk="0" hangingPunct="1">
-              <a:defRPr sz="1800" kern="1200">
-                <a:solidFill>
-                  <a:schemeClr val="tx1"/>
-                </a:solidFill>
-                <a:latin typeface="+mn-lt"/>
-                <a:ea typeface="+mn-ea"/>
-                <a:cs typeface="+mn-cs"/>
-              </a:defRPr>
-            </a:lvl5pPr>
-            <a:lvl6pPr marL="2286000" algn="l" defTabSz="914400" rtl="0" eaLnBrk="1" latinLnBrk="0" hangingPunct="1">
-              <a:defRPr sz="1800" kern="1200">
-                <a:solidFill>
-                  <a:schemeClr val="tx1"/>
-                </a:solidFill>
-                <a:latin typeface="+mn-lt"/>
-                <a:ea typeface="+mn-ea"/>
-                <a:cs typeface="+mn-cs"/>
-              </a:defRPr>
-            </a:lvl6pPr>
-            <a:lvl7pPr marL="2743200" algn="l" defTabSz="914400" rtl="0" eaLnBrk="1" latinLnBrk="0" hangingPunct="1">
-              <a:defRPr sz="1800" kern="1200">
-                <a:solidFill>
-                  <a:schemeClr val="tx1"/>
-                </a:solidFill>
-                <a:latin typeface="+mn-lt"/>
-                <a:ea typeface="+mn-ea"/>
-                <a:cs typeface="+mn-cs"/>
-              </a:defRPr>
-            </a:lvl7pPr>
-            <a:lvl8pPr marL="3200400" algn="l" defTabSz="914400" rtl="0" eaLnBrk="1" latinLnBrk="0" hangingPunct="1">
-              <a:defRPr sz="1800" kern="1200">
-                <a:solidFill>
-                  <a:schemeClr val="tx1"/>
-                </a:solidFill>
-                <a:latin typeface="+mn-lt"/>
-                <a:ea typeface="+mn-ea"/>
-                <a:cs typeface="+mn-cs"/>
-              </a:defRPr>
-            </a:lvl8pPr>
-            <a:lvl9pPr marL="3657600" algn="l" defTabSz="914400" rtl="0" eaLnBrk="1" latinLnBrk="0" hangingPunct="1">
-              <a:defRPr sz="1800" kern="1200">
-                <a:solidFill>
-                  <a:schemeClr val="tx1"/>
-                </a:solidFill>
-                <a:latin typeface="+mn-lt"/>
-                <a:ea typeface="+mn-ea"/>
-                <a:cs typeface="+mn-cs"/>
-              </a:defRPr>
-            </a:lvl9pPr>
-          </a:lstStyle>
-          <a:p>
-            <a:r>
-              <a:rPr lang="en-US" altLang="zh-TW" dirty="0"/>
-              <a:t>TYIC</a:t>
-            </a:r>
-            <a:r>
-              <a:rPr lang="zh-TW" altLang="en-US"/>
-              <a:t>桃高資訊社</a:t>
-            </a:r>
-          </a:p>
-        </p:txBody>
-      </p:sp>
-      <p:sp>
-        <p:nvSpPr>
-          <p:cNvPr id="9" name="投影片編號版面配置區 5">
-            <a:extLst>
-              <a:ext uri="{FF2B5EF4-FFF2-40B4-BE49-F238E27FC236}">
-                <a16:creationId xmlns:a16="http://schemas.microsoft.com/office/drawing/2014/main" id="{7C1B046E-D8B9-4FA8-A126-F87F0D813BB6}"/>
-              </a:ext>
-            </a:extLst>
-          </p:cNvPr>
-          <p:cNvSpPr txBox="1">
-            <a:spLocks/>
-          </p:cNvSpPr>
-          <p:nvPr/>
-        </p:nvSpPr>
-        <p:spPr>
-          <a:xfrm>
-            <a:off x="9448800" y="6492874"/>
-            <a:ext cx="2743200" cy="365125"/>
-          </a:xfrm>
-          <a:prstGeom prst="rect">
-            <a:avLst/>
-          </a:prstGeom>
-        </p:spPr>
-        <p:txBody>
-          <a:bodyPr vert="horz" lIns="91440" tIns="45720" rIns="91440" bIns="45720" rtlCol="0" anchor="ctr"/>
-          <a:lstStyle>
-            <a:defPPr>
-              <a:defRPr lang="zh-TW"/>
-            </a:defPPr>
-            <a:lvl1pPr marL="0" algn="r" defTabSz="914400" rtl="0" eaLnBrk="1" latinLnBrk="0" hangingPunct="1">
-              <a:defRPr sz="1200" kern="1200">
-                <a:solidFill>
-                  <a:schemeClr val="tx1">
-                    <a:tint val="75000"/>
-                  </a:schemeClr>
-                </a:solidFill>
-                <a:latin typeface="+mn-lt"/>
-                <a:ea typeface="+mn-ea"/>
-                <a:cs typeface="+mn-cs"/>
-              </a:defRPr>
-            </a:lvl1pPr>
-            <a:lvl2pPr marL="457200" algn="l" defTabSz="914400" rtl="0" eaLnBrk="1" latinLnBrk="0" hangingPunct="1">
-              <a:defRPr sz="1800" kern="1200">
-                <a:solidFill>
-                  <a:schemeClr val="tx1"/>
-                </a:solidFill>
-                <a:latin typeface="+mn-lt"/>
-                <a:ea typeface="+mn-ea"/>
-                <a:cs typeface="+mn-cs"/>
-              </a:defRPr>
-            </a:lvl2pPr>
-            <a:lvl3pPr marL="914400" algn="l" defTabSz="914400" rtl="0" eaLnBrk="1" latinLnBrk="0" hangingPunct="1">
-              <a:defRPr sz="1800" kern="1200">
-                <a:solidFill>
-                  <a:schemeClr val="tx1"/>
-                </a:solidFill>
-                <a:latin typeface="+mn-lt"/>
-                <a:ea typeface="+mn-ea"/>
-                <a:cs typeface="+mn-cs"/>
-              </a:defRPr>
-            </a:lvl3pPr>
-            <a:lvl4pPr marL="1371600" algn="l" defTabSz="914400" rtl="0" eaLnBrk="1" latinLnBrk="0" hangingPunct="1">
-              <a:defRPr sz="1800" kern="1200">
-                <a:solidFill>
-                  <a:schemeClr val="tx1"/>
-                </a:solidFill>
-                <a:latin typeface="+mn-lt"/>
-                <a:ea typeface="+mn-ea"/>
-                <a:cs typeface="+mn-cs"/>
-              </a:defRPr>
-            </a:lvl4pPr>
-            <a:lvl5pPr marL="1828800" algn="l" defTabSz="914400" rtl="0" eaLnBrk="1" latinLnBrk="0" hangingPunct="1">
-              <a:defRPr sz="1800" kern="1200">
-                <a:solidFill>
-                  <a:schemeClr val="tx1"/>
-                </a:solidFill>
-                <a:latin typeface="+mn-lt"/>
-                <a:ea typeface="+mn-ea"/>
-                <a:cs typeface="+mn-cs"/>
-              </a:defRPr>
-            </a:lvl5pPr>
-            <a:lvl6pPr marL="2286000" algn="l" defTabSz="914400" rtl="0" eaLnBrk="1" latinLnBrk="0" hangingPunct="1">
-              <a:defRPr sz="1800" kern="1200">
-                <a:solidFill>
-                  <a:schemeClr val="tx1"/>
-                </a:solidFill>
-                <a:latin typeface="+mn-lt"/>
-                <a:ea typeface="+mn-ea"/>
-                <a:cs typeface="+mn-cs"/>
-              </a:defRPr>
-            </a:lvl6pPr>
-            <a:lvl7pPr marL="2743200" algn="l" defTabSz="914400" rtl="0" eaLnBrk="1" latinLnBrk="0" hangingPunct="1">
-              <a:defRPr sz="1800" kern="1200">
-                <a:solidFill>
-                  <a:schemeClr val="tx1"/>
-                </a:solidFill>
-                <a:latin typeface="+mn-lt"/>
-                <a:ea typeface="+mn-ea"/>
-                <a:cs typeface="+mn-cs"/>
-              </a:defRPr>
-            </a:lvl7pPr>
-            <a:lvl8pPr marL="3200400" algn="l" defTabSz="914400" rtl="0" eaLnBrk="1" latinLnBrk="0" hangingPunct="1">
-              <a:defRPr sz="1800" kern="1200">
-                <a:solidFill>
-                  <a:schemeClr val="tx1"/>
-                </a:solidFill>
-                <a:latin typeface="+mn-lt"/>
-                <a:ea typeface="+mn-ea"/>
-                <a:cs typeface="+mn-cs"/>
-              </a:defRPr>
-            </a:lvl8pPr>
-            <a:lvl9pPr marL="3657600" algn="l" defTabSz="914400" rtl="0" eaLnBrk="1" latinLnBrk="0" hangingPunct="1">
-              <a:defRPr sz="1800" kern="1200">
-                <a:solidFill>
-                  <a:schemeClr val="tx1"/>
-                </a:solidFill>
-                <a:latin typeface="+mn-lt"/>
-                <a:ea typeface="+mn-ea"/>
-                <a:cs typeface="+mn-cs"/>
-              </a:defRPr>
-            </a:lvl9pPr>
-          </a:lstStyle>
-          <a:p>
-            <a:fld id="{D4328D90-2A6F-4F23-88A8-C5DCC2B5F307}" type="slidenum">
-              <a:rPr lang="zh-TW" altLang="en-US" smtClean="0"/>
-              <a:pPr/>
-              <a:t>‹#›</a:t>
-            </a:fld>
-            <a:endParaRPr lang="zh-TW" altLang="en-US"/>
-          </a:p>
-        </p:txBody>
-      </p:sp>
-    </p:spTree>
-    <p:extLst>
-      <p:ext uri="{BB962C8B-B14F-4D97-AF65-F5344CB8AC3E}">
-        <p14:creationId xmlns:p14="http://schemas.microsoft.com/office/powerpoint/2010/main" val="833084837"/>
-      </p:ext>
-    </p:extLst>
-  </p:cSld>
-  <p:clrMapOvr>
-    <a:masterClrMapping/>
-  </p:clrMapOvr>
-  <p:transition spd="slow">
-    <p:push dir="u"/>
-  </p:transition>
-</p:sldLayout>
-</file>
-
-<file path=ppt/slideLayouts/slideLayout11.xml><?xml version="1.0" encoding="utf-8"?>
-<p:sldLayout xmlns:a="http://schemas.openxmlformats.org/drawingml/2006/main" xmlns:r="http://schemas.openxmlformats.org/officeDocument/2006/relationships" xmlns:p="http://schemas.openxmlformats.org/presentationml/2006/main" type="vertTitleAndTx" preserve="1">
-  <p:cSld name="直排標題及文字">
-    <p:spTree>
-      <p:nvGrpSpPr>
-        <p:cNvPr id="1" name=""/>
-        <p:cNvGrpSpPr/>
-        <p:nvPr/>
-      </p:nvGrpSpPr>
-      <p:grpSpPr>
-        <a:xfrm>
-          <a:off x="0" y="0"/>
-          <a:ext cx="0" cy="0"/>
-          <a:chOff x="0" y="0"/>
-          <a:chExt cx="0" cy="0"/>
-        </a:xfrm>
-      </p:grpSpPr>
-      <p:sp>
-        <p:nvSpPr>
-          <p:cNvPr id="2" name="直排標題 1">
-            <a:extLst>
-              <a:ext uri="{FF2B5EF4-FFF2-40B4-BE49-F238E27FC236}">
-                <a16:creationId xmlns:a16="http://schemas.microsoft.com/office/drawing/2014/main" id="{1BA0FB70-3691-4CFB-B11C-DCA42F242EBA}"/>
-              </a:ext>
-            </a:extLst>
-          </p:cNvPr>
-          <p:cNvSpPr>
-            <a:spLocks noGrp="1"/>
-          </p:cNvSpPr>
-          <p:nvPr>
-            <p:ph type="title" orient="vert"/>
-          </p:nvPr>
-        </p:nvSpPr>
-        <p:spPr>
-          <a:xfrm>
-            <a:off x="8724900" y="365125"/>
-            <a:ext cx="2628900" cy="5811838"/>
-          </a:xfrm>
-        </p:spPr>
-        <p:txBody>
-          <a:bodyPr vert="eaVert"/>
-          <a:lstStyle/>
-          <a:p>
-            <a:r>
-              <a:rPr lang="zh-TW" altLang="en-US"/>
-              <a:t>按一下以編輯母片標題樣式</a:t>
-            </a:r>
-          </a:p>
-        </p:txBody>
-      </p:sp>
-      <p:sp>
-        <p:nvSpPr>
-          <p:cNvPr id="3" name="直排文字版面配置區 2">
-            <a:extLst>
-              <a:ext uri="{FF2B5EF4-FFF2-40B4-BE49-F238E27FC236}">
-                <a16:creationId xmlns:a16="http://schemas.microsoft.com/office/drawing/2014/main" id="{443DC9D4-0B7C-43C6-9ED5-146AB071FB9D}"/>
-              </a:ext>
-            </a:extLst>
-          </p:cNvPr>
-          <p:cNvSpPr>
-            <a:spLocks noGrp="1"/>
-          </p:cNvSpPr>
-          <p:nvPr>
-            <p:ph type="body" orient="vert" idx="1"/>
-          </p:nvPr>
-        </p:nvSpPr>
-        <p:spPr>
-          <a:xfrm>
-            <a:off x="838200" y="365125"/>
-            <a:ext cx="7734300" cy="5811838"/>
-          </a:xfrm>
-        </p:spPr>
-        <p:txBody>
-          <a:bodyPr vert="eaVert"/>
-          <a:lstStyle/>
-          <a:p>
-            <a:pPr lvl="0"/>
-            <a:r>
-              <a:rPr lang="zh-TW" altLang="en-US"/>
-              <a:t>按一下以編輯母片文字樣式</a:t>
-            </a:r>
-          </a:p>
-          <a:p>
-            <a:pPr lvl="1"/>
-            <a:r>
-              <a:rPr lang="zh-TW" altLang="en-US"/>
-              <a:t>第二層</a:t>
-            </a:r>
-          </a:p>
-          <a:p>
-            <a:pPr lvl="2"/>
-            <a:r>
-              <a:rPr lang="zh-TW" altLang="en-US"/>
-              <a:t>第三層</a:t>
-            </a:r>
-          </a:p>
-          <a:p>
-            <a:pPr lvl="3"/>
-            <a:r>
-              <a:rPr lang="zh-TW" altLang="en-US"/>
-              <a:t>第四層</a:t>
-            </a:r>
-          </a:p>
-          <a:p>
-            <a:pPr lvl="4"/>
-            <a:r>
-              <a:rPr lang="zh-TW" altLang="en-US"/>
-              <a:t>第五層</a:t>
-            </a:r>
-          </a:p>
-        </p:txBody>
-      </p:sp>
-      <p:sp>
-        <p:nvSpPr>
-          <p:cNvPr id="7" name="頁尾版面配置區 4">
-            <a:extLst>
-              <a:ext uri="{FF2B5EF4-FFF2-40B4-BE49-F238E27FC236}">
-                <a16:creationId xmlns:a16="http://schemas.microsoft.com/office/drawing/2014/main" id="{C07E68E1-74E8-4B75-8BF6-3AD8D3EC35C4}"/>
-              </a:ext>
-            </a:extLst>
-          </p:cNvPr>
-          <p:cNvSpPr txBox="1">
-            <a:spLocks/>
-          </p:cNvSpPr>
-          <p:nvPr/>
-        </p:nvSpPr>
-        <p:spPr>
-          <a:xfrm>
-            <a:off x="0" y="6492875"/>
-            <a:ext cx="2743200" cy="365125"/>
-          </a:xfrm>
-          <a:prstGeom prst="rect">
-            <a:avLst/>
-          </a:prstGeom>
-        </p:spPr>
-        <p:txBody>
-          <a:bodyPr vert="horz" lIns="91440" tIns="45720" rIns="91440" bIns="45720" rtlCol="0" anchor="ctr"/>
-          <a:lstStyle>
-            <a:defPPr>
-              <a:defRPr lang="zh-TW"/>
-            </a:defPPr>
-            <a:lvl1pPr marL="0" algn="l" defTabSz="914400" rtl="0" eaLnBrk="1" latinLnBrk="0" hangingPunct="1">
-              <a:defRPr sz="1200" kern="1200">
-                <a:solidFill>
-                  <a:schemeClr val="tx1">
-                    <a:tint val="75000"/>
-                  </a:schemeClr>
-                </a:solidFill>
-                <a:latin typeface="+mn-lt"/>
-                <a:ea typeface="+mn-ea"/>
-                <a:cs typeface="+mn-cs"/>
-              </a:defRPr>
-            </a:lvl1pPr>
-            <a:lvl2pPr marL="457200" algn="l" defTabSz="914400" rtl="0" eaLnBrk="1" latinLnBrk="0" hangingPunct="1">
-              <a:defRPr sz="1800" kern="1200">
-                <a:solidFill>
-                  <a:schemeClr val="tx1"/>
-                </a:solidFill>
-                <a:latin typeface="+mn-lt"/>
-                <a:ea typeface="+mn-ea"/>
-                <a:cs typeface="+mn-cs"/>
-              </a:defRPr>
-            </a:lvl2pPr>
-            <a:lvl3pPr marL="914400" algn="l" defTabSz="914400" rtl="0" eaLnBrk="1" latinLnBrk="0" hangingPunct="1">
-              <a:defRPr sz="1800" kern="1200">
-                <a:solidFill>
-                  <a:schemeClr val="tx1"/>
-                </a:solidFill>
-                <a:latin typeface="+mn-lt"/>
-                <a:ea typeface="+mn-ea"/>
-                <a:cs typeface="+mn-cs"/>
-              </a:defRPr>
-            </a:lvl3pPr>
-            <a:lvl4pPr marL="1371600" algn="l" defTabSz="914400" rtl="0" eaLnBrk="1" latinLnBrk="0" hangingPunct="1">
-              <a:defRPr sz="1800" kern="1200">
-                <a:solidFill>
-                  <a:schemeClr val="tx1"/>
-                </a:solidFill>
-                <a:latin typeface="+mn-lt"/>
-                <a:ea typeface="+mn-ea"/>
-                <a:cs typeface="+mn-cs"/>
-              </a:defRPr>
-            </a:lvl4pPr>
-            <a:lvl5pPr marL="1828800" algn="l" defTabSz="914400" rtl="0" eaLnBrk="1" latinLnBrk="0" hangingPunct="1">
-              <a:defRPr sz="1800" kern="1200">
-                <a:solidFill>
-                  <a:schemeClr val="tx1"/>
-                </a:solidFill>
-                <a:latin typeface="+mn-lt"/>
-                <a:ea typeface="+mn-ea"/>
-                <a:cs typeface="+mn-cs"/>
-              </a:defRPr>
-            </a:lvl5pPr>
-            <a:lvl6pPr marL="2286000" algn="l" defTabSz="914400" rtl="0" eaLnBrk="1" latinLnBrk="0" hangingPunct="1">
-              <a:defRPr sz="1800" kern="1200">
-                <a:solidFill>
-                  <a:schemeClr val="tx1"/>
-                </a:solidFill>
-                <a:latin typeface="+mn-lt"/>
-                <a:ea typeface="+mn-ea"/>
-                <a:cs typeface="+mn-cs"/>
-              </a:defRPr>
-            </a:lvl6pPr>
-            <a:lvl7pPr marL="2743200" algn="l" defTabSz="914400" rtl="0" eaLnBrk="1" latinLnBrk="0" hangingPunct="1">
-              <a:defRPr sz="1800" kern="1200">
-                <a:solidFill>
-                  <a:schemeClr val="tx1"/>
-                </a:solidFill>
-                <a:latin typeface="+mn-lt"/>
-                <a:ea typeface="+mn-ea"/>
-                <a:cs typeface="+mn-cs"/>
-              </a:defRPr>
-            </a:lvl7pPr>
-            <a:lvl8pPr marL="3200400" algn="l" defTabSz="914400" rtl="0" eaLnBrk="1" latinLnBrk="0" hangingPunct="1">
-              <a:defRPr sz="1800" kern="1200">
-                <a:solidFill>
-                  <a:schemeClr val="tx1"/>
-                </a:solidFill>
-                <a:latin typeface="+mn-lt"/>
-                <a:ea typeface="+mn-ea"/>
-                <a:cs typeface="+mn-cs"/>
-              </a:defRPr>
-            </a:lvl8pPr>
-            <a:lvl9pPr marL="3657600" algn="l" defTabSz="914400" rtl="0" eaLnBrk="1" latinLnBrk="0" hangingPunct="1">
-              <a:defRPr sz="1800" kern="1200">
-                <a:solidFill>
-                  <a:schemeClr val="tx1"/>
-                </a:solidFill>
-                <a:latin typeface="+mn-lt"/>
-                <a:ea typeface="+mn-ea"/>
-                <a:cs typeface="+mn-cs"/>
-              </a:defRPr>
-            </a:lvl9pPr>
-          </a:lstStyle>
-          <a:p>
-            <a:r>
-              <a:rPr lang="en-US" altLang="zh-TW"/>
-              <a:t>TYIC</a:t>
-            </a:r>
-            <a:r>
-              <a:rPr lang="zh-TW" altLang="en-US"/>
-              <a:t>桃高資訊社</a:t>
-            </a:r>
-          </a:p>
-        </p:txBody>
-      </p:sp>
-      <p:sp>
-        <p:nvSpPr>
-          <p:cNvPr id="8" name="投影片編號版面配置區 5">
-            <a:extLst>
-              <a:ext uri="{FF2B5EF4-FFF2-40B4-BE49-F238E27FC236}">
-                <a16:creationId xmlns:a16="http://schemas.microsoft.com/office/drawing/2014/main" id="{0A141965-84F2-41A3-BCDC-079B065A2E38}"/>
-              </a:ext>
-            </a:extLst>
-          </p:cNvPr>
-          <p:cNvSpPr txBox="1">
-            <a:spLocks/>
-          </p:cNvSpPr>
-          <p:nvPr/>
-        </p:nvSpPr>
-        <p:spPr>
-          <a:xfrm>
-            <a:off x="9448800" y="6492874"/>
-            <a:ext cx="2743200" cy="365125"/>
-          </a:xfrm>
-          <a:prstGeom prst="rect">
-            <a:avLst/>
-          </a:prstGeom>
-        </p:spPr>
-        <p:txBody>
-          <a:bodyPr vert="horz" lIns="91440" tIns="45720" rIns="91440" bIns="45720" rtlCol="0" anchor="ctr"/>
-          <a:lstStyle>
-            <a:defPPr>
-              <a:defRPr lang="zh-TW"/>
-            </a:defPPr>
-            <a:lvl1pPr marL="0" algn="r" defTabSz="914400" rtl="0" eaLnBrk="1" latinLnBrk="0" hangingPunct="1">
-              <a:defRPr sz="1200" kern="1200">
-                <a:solidFill>
-                  <a:schemeClr val="tx1">
-                    <a:tint val="75000"/>
-                  </a:schemeClr>
-                </a:solidFill>
-                <a:latin typeface="+mn-lt"/>
-                <a:ea typeface="+mn-ea"/>
-                <a:cs typeface="+mn-cs"/>
-              </a:defRPr>
-            </a:lvl1pPr>
-            <a:lvl2pPr marL="457200" algn="l" defTabSz="914400" rtl="0" eaLnBrk="1" latinLnBrk="0" hangingPunct="1">
-              <a:defRPr sz="1800" kern="1200">
-                <a:solidFill>
-                  <a:schemeClr val="tx1"/>
-                </a:solidFill>
-                <a:latin typeface="+mn-lt"/>
-                <a:ea typeface="+mn-ea"/>
-                <a:cs typeface="+mn-cs"/>
-              </a:defRPr>
-            </a:lvl2pPr>
-            <a:lvl3pPr marL="914400" algn="l" defTabSz="914400" rtl="0" eaLnBrk="1" latinLnBrk="0" hangingPunct="1">
-              <a:defRPr sz="1800" kern="1200">
-                <a:solidFill>
-                  <a:schemeClr val="tx1"/>
-                </a:solidFill>
-                <a:latin typeface="+mn-lt"/>
-                <a:ea typeface="+mn-ea"/>
-                <a:cs typeface="+mn-cs"/>
-              </a:defRPr>
-            </a:lvl3pPr>
-            <a:lvl4pPr marL="1371600" algn="l" defTabSz="914400" rtl="0" eaLnBrk="1" latinLnBrk="0" hangingPunct="1">
-              <a:defRPr sz="1800" kern="1200">
-                <a:solidFill>
-                  <a:schemeClr val="tx1"/>
-                </a:solidFill>
-                <a:latin typeface="+mn-lt"/>
-                <a:ea typeface="+mn-ea"/>
-                <a:cs typeface="+mn-cs"/>
-              </a:defRPr>
-            </a:lvl4pPr>
-            <a:lvl5pPr marL="1828800" algn="l" defTabSz="914400" rtl="0" eaLnBrk="1" latinLnBrk="0" hangingPunct="1">
-              <a:defRPr sz="1800" kern="1200">
-                <a:solidFill>
-                  <a:schemeClr val="tx1"/>
-                </a:solidFill>
-                <a:latin typeface="+mn-lt"/>
-                <a:ea typeface="+mn-ea"/>
-                <a:cs typeface="+mn-cs"/>
-              </a:defRPr>
-            </a:lvl5pPr>
-            <a:lvl6pPr marL="2286000" algn="l" defTabSz="914400" rtl="0" eaLnBrk="1" latinLnBrk="0" hangingPunct="1">
-              <a:defRPr sz="1800" kern="1200">
-                <a:solidFill>
-                  <a:schemeClr val="tx1"/>
-                </a:solidFill>
-                <a:latin typeface="+mn-lt"/>
-                <a:ea typeface="+mn-ea"/>
-                <a:cs typeface="+mn-cs"/>
-              </a:defRPr>
-            </a:lvl6pPr>
-            <a:lvl7pPr marL="2743200" algn="l" defTabSz="914400" rtl="0" eaLnBrk="1" latinLnBrk="0" hangingPunct="1">
-              <a:defRPr sz="1800" kern="1200">
-                <a:solidFill>
-                  <a:schemeClr val="tx1"/>
-                </a:solidFill>
-                <a:latin typeface="+mn-lt"/>
-                <a:ea typeface="+mn-ea"/>
-                <a:cs typeface="+mn-cs"/>
-              </a:defRPr>
-            </a:lvl7pPr>
-            <a:lvl8pPr marL="3200400" algn="l" defTabSz="914400" rtl="0" eaLnBrk="1" latinLnBrk="0" hangingPunct="1">
-              <a:defRPr sz="1800" kern="1200">
-                <a:solidFill>
-                  <a:schemeClr val="tx1"/>
-                </a:solidFill>
-                <a:latin typeface="+mn-lt"/>
-                <a:ea typeface="+mn-ea"/>
-                <a:cs typeface="+mn-cs"/>
-              </a:defRPr>
-            </a:lvl8pPr>
-            <a:lvl9pPr marL="3657600" algn="l" defTabSz="914400" rtl="0" eaLnBrk="1" latinLnBrk="0" hangingPunct="1">
-              <a:defRPr sz="1800" kern="1200">
-                <a:solidFill>
-                  <a:schemeClr val="tx1"/>
-                </a:solidFill>
-                <a:latin typeface="+mn-lt"/>
-                <a:ea typeface="+mn-ea"/>
-                <a:cs typeface="+mn-cs"/>
-              </a:defRPr>
-            </a:lvl9pPr>
-          </a:lstStyle>
-          <a:p>
-            <a:fld id="{D4328D90-2A6F-4F23-88A8-C5DCC2B5F307}" type="slidenum">
-              <a:rPr lang="zh-TW" altLang="en-US" smtClean="0"/>
-              <a:pPr/>
-              <a:t>‹#›</a:t>
-            </a:fld>
-            <a:endParaRPr lang="zh-TW" altLang="en-US"/>
-          </a:p>
-        </p:txBody>
-      </p:sp>
-      <p:sp>
-        <p:nvSpPr>
-          <p:cNvPr id="6" name="頁尾版面配置區 4">
-            <a:extLst>
-              <a:ext uri="{FF2B5EF4-FFF2-40B4-BE49-F238E27FC236}">
-                <a16:creationId xmlns:a16="http://schemas.microsoft.com/office/drawing/2014/main" id="{34401409-FF0A-4514-8915-53F19DD13094}"/>
-              </a:ext>
-            </a:extLst>
-          </p:cNvPr>
-          <p:cNvSpPr txBox="1">
-            <a:spLocks/>
-          </p:cNvSpPr>
-          <p:nvPr/>
-        </p:nvSpPr>
-        <p:spPr>
-          <a:xfrm>
-            <a:off x="0" y="6492875"/>
-            <a:ext cx="2743200" cy="365125"/>
-          </a:xfrm>
-          <a:prstGeom prst="rect">
-            <a:avLst/>
-          </a:prstGeom>
-        </p:spPr>
-        <p:txBody>
-          <a:bodyPr vert="horz" lIns="91440" tIns="45720" rIns="91440" bIns="45720" rtlCol="0" anchor="ctr"/>
-          <a:lstStyle>
-            <a:defPPr>
-              <a:defRPr lang="zh-TW"/>
-            </a:defPPr>
-            <a:lvl1pPr marL="0" algn="l" defTabSz="914400" rtl="0" eaLnBrk="1" latinLnBrk="0" hangingPunct="1">
-              <a:defRPr sz="1200" kern="1200">
-                <a:solidFill>
-                  <a:schemeClr val="tx1">
-                    <a:tint val="75000"/>
-                  </a:schemeClr>
-                </a:solidFill>
-                <a:latin typeface="+mn-lt"/>
-                <a:ea typeface="+mn-ea"/>
-                <a:cs typeface="+mn-cs"/>
-              </a:defRPr>
-            </a:lvl1pPr>
-            <a:lvl2pPr marL="457200" algn="l" defTabSz="914400" rtl="0" eaLnBrk="1" latinLnBrk="0" hangingPunct="1">
-              <a:defRPr sz="1800" kern="1200">
-                <a:solidFill>
-                  <a:schemeClr val="tx1"/>
-                </a:solidFill>
-                <a:latin typeface="+mn-lt"/>
-                <a:ea typeface="+mn-ea"/>
-                <a:cs typeface="+mn-cs"/>
-              </a:defRPr>
-            </a:lvl2pPr>
-            <a:lvl3pPr marL="914400" algn="l" defTabSz="914400" rtl="0" eaLnBrk="1" latinLnBrk="0" hangingPunct="1">
-              <a:defRPr sz="1800" kern="1200">
-                <a:solidFill>
-                  <a:schemeClr val="tx1"/>
-                </a:solidFill>
-                <a:latin typeface="+mn-lt"/>
-                <a:ea typeface="+mn-ea"/>
-                <a:cs typeface="+mn-cs"/>
-              </a:defRPr>
-            </a:lvl3pPr>
-            <a:lvl4pPr marL="1371600" algn="l" defTabSz="914400" rtl="0" eaLnBrk="1" latinLnBrk="0" hangingPunct="1">
-              <a:defRPr sz="1800" kern="1200">
-                <a:solidFill>
-                  <a:schemeClr val="tx1"/>
-                </a:solidFill>
-                <a:latin typeface="+mn-lt"/>
-                <a:ea typeface="+mn-ea"/>
-                <a:cs typeface="+mn-cs"/>
-              </a:defRPr>
-            </a:lvl4pPr>
-            <a:lvl5pPr marL="1828800" algn="l" defTabSz="914400" rtl="0" eaLnBrk="1" latinLnBrk="0" hangingPunct="1">
-              <a:defRPr sz="1800" kern="1200">
-                <a:solidFill>
-                  <a:schemeClr val="tx1"/>
-                </a:solidFill>
-                <a:latin typeface="+mn-lt"/>
-                <a:ea typeface="+mn-ea"/>
-                <a:cs typeface="+mn-cs"/>
-              </a:defRPr>
-            </a:lvl5pPr>
-            <a:lvl6pPr marL="2286000" algn="l" defTabSz="914400" rtl="0" eaLnBrk="1" latinLnBrk="0" hangingPunct="1">
-              <a:defRPr sz="1800" kern="1200">
-                <a:solidFill>
-                  <a:schemeClr val="tx1"/>
-                </a:solidFill>
-                <a:latin typeface="+mn-lt"/>
-                <a:ea typeface="+mn-ea"/>
-                <a:cs typeface="+mn-cs"/>
-              </a:defRPr>
-            </a:lvl6pPr>
-            <a:lvl7pPr marL="2743200" algn="l" defTabSz="914400" rtl="0" eaLnBrk="1" latinLnBrk="0" hangingPunct="1">
-              <a:defRPr sz="1800" kern="1200">
-                <a:solidFill>
-                  <a:schemeClr val="tx1"/>
-                </a:solidFill>
-                <a:latin typeface="+mn-lt"/>
-                <a:ea typeface="+mn-ea"/>
-                <a:cs typeface="+mn-cs"/>
-              </a:defRPr>
-            </a:lvl7pPr>
-            <a:lvl8pPr marL="3200400" algn="l" defTabSz="914400" rtl="0" eaLnBrk="1" latinLnBrk="0" hangingPunct="1">
-              <a:defRPr sz="1800" kern="1200">
-                <a:solidFill>
-                  <a:schemeClr val="tx1"/>
-                </a:solidFill>
-                <a:latin typeface="+mn-lt"/>
-                <a:ea typeface="+mn-ea"/>
-                <a:cs typeface="+mn-cs"/>
-              </a:defRPr>
-            </a:lvl8pPr>
-            <a:lvl9pPr marL="3657600" algn="l" defTabSz="914400" rtl="0" eaLnBrk="1" latinLnBrk="0" hangingPunct="1">
-              <a:defRPr sz="1800" kern="1200">
-                <a:solidFill>
-                  <a:schemeClr val="tx1"/>
-                </a:solidFill>
-                <a:latin typeface="+mn-lt"/>
-                <a:ea typeface="+mn-ea"/>
-                <a:cs typeface="+mn-cs"/>
-              </a:defRPr>
-            </a:lvl9pPr>
-          </a:lstStyle>
-          <a:p>
-            <a:r>
-              <a:rPr lang="en-US" altLang="zh-TW" dirty="0"/>
-              <a:t>TYIC</a:t>
-            </a:r>
-            <a:r>
-              <a:rPr lang="zh-TW" altLang="en-US"/>
-              <a:t>桃高資訊社</a:t>
-            </a:r>
-          </a:p>
-        </p:txBody>
-      </p:sp>
-      <p:sp>
-        <p:nvSpPr>
-          <p:cNvPr id="9" name="投影片編號版面配置區 5">
-            <a:extLst>
-              <a:ext uri="{FF2B5EF4-FFF2-40B4-BE49-F238E27FC236}">
-                <a16:creationId xmlns:a16="http://schemas.microsoft.com/office/drawing/2014/main" id="{FB25D919-C7D1-4A41-8D37-72F630F4A97B}"/>
-              </a:ext>
-            </a:extLst>
-          </p:cNvPr>
-          <p:cNvSpPr txBox="1">
-            <a:spLocks/>
-          </p:cNvSpPr>
-          <p:nvPr/>
-        </p:nvSpPr>
-        <p:spPr>
-          <a:xfrm>
-            <a:off x="9448800" y="6492874"/>
-            <a:ext cx="2743200" cy="365125"/>
-          </a:xfrm>
-          <a:prstGeom prst="rect">
-            <a:avLst/>
-          </a:prstGeom>
-        </p:spPr>
-        <p:txBody>
-          <a:bodyPr vert="horz" lIns="91440" tIns="45720" rIns="91440" bIns="45720" rtlCol="0" anchor="ctr"/>
-          <a:lstStyle>
-            <a:defPPr>
-              <a:defRPr lang="zh-TW"/>
-            </a:defPPr>
-            <a:lvl1pPr marL="0" algn="r" defTabSz="914400" rtl="0" eaLnBrk="1" latinLnBrk="0" hangingPunct="1">
-              <a:defRPr sz="1200" kern="1200">
-                <a:solidFill>
-                  <a:schemeClr val="tx1">
-                    <a:tint val="75000"/>
-                  </a:schemeClr>
-                </a:solidFill>
-                <a:latin typeface="+mn-lt"/>
-                <a:ea typeface="+mn-ea"/>
-                <a:cs typeface="+mn-cs"/>
-              </a:defRPr>
-            </a:lvl1pPr>
-            <a:lvl2pPr marL="457200" algn="l" defTabSz="914400" rtl="0" eaLnBrk="1" latinLnBrk="0" hangingPunct="1">
-              <a:defRPr sz="1800" kern="1200">
-                <a:solidFill>
-                  <a:schemeClr val="tx1"/>
-                </a:solidFill>
-                <a:latin typeface="+mn-lt"/>
-                <a:ea typeface="+mn-ea"/>
-                <a:cs typeface="+mn-cs"/>
-              </a:defRPr>
-            </a:lvl2pPr>
-            <a:lvl3pPr marL="914400" algn="l" defTabSz="914400" rtl="0" eaLnBrk="1" latinLnBrk="0" hangingPunct="1">
-              <a:defRPr sz="1800" kern="1200">
-                <a:solidFill>
-                  <a:schemeClr val="tx1"/>
-                </a:solidFill>
-                <a:latin typeface="+mn-lt"/>
-                <a:ea typeface="+mn-ea"/>
-                <a:cs typeface="+mn-cs"/>
-              </a:defRPr>
-            </a:lvl3pPr>
-            <a:lvl4pPr marL="1371600" algn="l" defTabSz="914400" rtl="0" eaLnBrk="1" latinLnBrk="0" hangingPunct="1">
-              <a:defRPr sz="1800" kern="1200">
-                <a:solidFill>
-                  <a:schemeClr val="tx1"/>
-                </a:solidFill>
-                <a:latin typeface="+mn-lt"/>
-                <a:ea typeface="+mn-ea"/>
-                <a:cs typeface="+mn-cs"/>
-              </a:defRPr>
-            </a:lvl4pPr>
-            <a:lvl5pPr marL="1828800" algn="l" defTabSz="914400" rtl="0" eaLnBrk="1" latinLnBrk="0" hangingPunct="1">
-              <a:defRPr sz="1800" kern="1200">
-                <a:solidFill>
-                  <a:schemeClr val="tx1"/>
-                </a:solidFill>
-                <a:latin typeface="+mn-lt"/>
-                <a:ea typeface="+mn-ea"/>
-                <a:cs typeface="+mn-cs"/>
-              </a:defRPr>
-            </a:lvl5pPr>
-            <a:lvl6pPr marL="2286000" algn="l" defTabSz="914400" rtl="0" eaLnBrk="1" latinLnBrk="0" hangingPunct="1">
-              <a:defRPr sz="1800" kern="1200">
-                <a:solidFill>
-                  <a:schemeClr val="tx1"/>
-                </a:solidFill>
-                <a:latin typeface="+mn-lt"/>
-                <a:ea typeface="+mn-ea"/>
-                <a:cs typeface="+mn-cs"/>
-              </a:defRPr>
-            </a:lvl6pPr>
-            <a:lvl7pPr marL="2743200" algn="l" defTabSz="914400" rtl="0" eaLnBrk="1" latinLnBrk="0" hangingPunct="1">
-              <a:defRPr sz="1800" kern="1200">
-                <a:solidFill>
-                  <a:schemeClr val="tx1"/>
-                </a:solidFill>
-                <a:latin typeface="+mn-lt"/>
-                <a:ea typeface="+mn-ea"/>
-                <a:cs typeface="+mn-cs"/>
-              </a:defRPr>
-            </a:lvl7pPr>
-            <a:lvl8pPr marL="3200400" algn="l" defTabSz="914400" rtl="0" eaLnBrk="1" latinLnBrk="0" hangingPunct="1">
-              <a:defRPr sz="1800" kern="1200">
-                <a:solidFill>
-                  <a:schemeClr val="tx1"/>
-                </a:solidFill>
-                <a:latin typeface="+mn-lt"/>
-                <a:ea typeface="+mn-ea"/>
-                <a:cs typeface="+mn-cs"/>
-              </a:defRPr>
-            </a:lvl8pPr>
-            <a:lvl9pPr marL="3657600" algn="l" defTabSz="914400" rtl="0" eaLnBrk="1" latinLnBrk="0" hangingPunct="1">
-              <a:defRPr sz="1800" kern="1200">
-                <a:solidFill>
-                  <a:schemeClr val="tx1"/>
-                </a:solidFill>
-                <a:latin typeface="+mn-lt"/>
-                <a:ea typeface="+mn-ea"/>
-                <a:cs typeface="+mn-cs"/>
-              </a:defRPr>
-            </a:lvl9pPr>
-          </a:lstStyle>
-          <a:p>
-            <a:fld id="{D4328D90-2A6F-4F23-88A8-C5DCC2B5F307}" type="slidenum">
-              <a:rPr lang="zh-TW" altLang="en-US" smtClean="0"/>
-              <a:pPr/>
-              <a:t>‹#›</a:t>
-            </a:fld>
-            <a:endParaRPr lang="zh-TW" altLang="en-US"/>
-          </a:p>
-        </p:txBody>
-      </p:sp>
-    </p:spTree>
-    <p:extLst>
-      <p:ext uri="{BB962C8B-B14F-4D97-AF65-F5344CB8AC3E}">
-        <p14:creationId xmlns:p14="http://schemas.microsoft.com/office/powerpoint/2010/main" val="3565614297"/>
-      </p:ext>
-    </p:extLst>
-  </p:cSld>
-  <p:clrMapOvr>
-    <a:masterClrMapping/>
-  </p:clrMapOvr>
-  <p:transition spd="slow">
-    <p:push dir="u"/>
-  </p:transition>
-</p:sldLayout>
-</file>
-
-<file path=ppt/slideLayouts/slideLayout12.xml><?xml version="1.0" encoding="utf-8"?>
-<p:sldLayout xmlns:a="http://schemas.openxmlformats.org/drawingml/2006/main" xmlns:r="http://schemas.openxmlformats.org/officeDocument/2006/relationships" xmlns:p="http://schemas.openxmlformats.org/presentationml/2006/main" preserve="1">
-  <p:cSld name="1_標題投影片">
-    <p:spTree>
-      <p:nvGrpSpPr>
-        <p:cNvPr id="1" name=""/>
-        <p:cNvGrpSpPr/>
-        <p:nvPr/>
-      </p:nvGrpSpPr>
-      <p:grpSpPr>
-        <a:xfrm>
-          <a:off x="0" y="0"/>
-          <a:ext cx="0" cy="0"/>
-          <a:chOff x="0" y="0"/>
-          <a:chExt cx="0" cy="0"/>
-        </a:xfrm>
-      </p:grpSpPr>
-      <p:sp>
-        <p:nvSpPr>
-          <p:cNvPr id="2" name="標題 1">
-            <a:extLst>
-              <a:ext uri="{FF2B5EF4-FFF2-40B4-BE49-F238E27FC236}">
-                <a16:creationId xmlns:a16="http://schemas.microsoft.com/office/drawing/2014/main" id="{2EB502BE-089D-4633-B90E-46A3D4FB7D4E}"/>
-              </a:ext>
-            </a:extLst>
-          </p:cNvPr>
-          <p:cNvSpPr>
-            <a:spLocks noGrp="1"/>
-          </p:cNvSpPr>
-          <p:nvPr>
-            <p:ph type="ctrTitle"/>
-          </p:nvPr>
-        </p:nvSpPr>
-        <p:spPr>
-          <a:xfrm>
-            <a:off x="1524000" y="1122363"/>
-            <a:ext cx="9144000" cy="2387600"/>
-          </a:xfrm>
-        </p:spPr>
-        <p:txBody>
-          <a:bodyPr anchor="b"/>
-          <a:lstStyle>
-            <a:lvl1pPr algn="ctr">
-              <a:defRPr sz="6000"/>
-            </a:lvl1pPr>
-          </a:lstStyle>
-          <a:p>
-            <a:r>
-              <a:rPr lang="zh-TW" altLang="en-US"/>
-              <a:t>按一下以編輯母片標題樣式</a:t>
-            </a:r>
-          </a:p>
-        </p:txBody>
-      </p:sp>
-      <p:sp>
-        <p:nvSpPr>
-          <p:cNvPr id="3" name="副標題 2">
-            <a:extLst>
-              <a:ext uri="{FF2B5EF4-FFF2-40B4-BE49-F238E27FC236}">
-                <a16:creationId xmlns:a16="http://schemas.microsoft.com/office/drawing/2014/main" id="{471674D0-0840-4D4C-93FB-3ABDEB2CAD45}"/>
-              </a:ext>
-            </a:extLst>
-          </p:cNvPr>
-          <p:cNvSpPr>
-            <a:spLocks noGrp="1"/>
-          </p:cNvSpPr>
-          <p:nvPr>
-            <p:ph type="subTitle" idx="1"/>
-          </p:nvPr>
-        </p:nvSpPr>
-        <p:spPr>
-          <a:xfrm>
-            <a:off x="1524000" y="3602038"/>
-            <a:ext cx="9144000" cy="1655762"/>
-          </a:xfrm>
-        </p:spPr>
-        <p:txBody>
-          <a:bodyPr/>
-          <a:lstStyle>
-            <a:lvl1pPr marL="0" indent="0" algn="ctr">
-              <a:buNone/>
-              <a:defRPr sz="2400"/>
-            </a:lvl1pPr>
-            <a:lvl2pPr marL="457200" indent="0" algn="ctr">
-              <a:buNone/>
-              <a:defRPr sz="2000"/>
-            </a:lvl2pPr>
-            <a:lvl3pPr marL="914400" indent="0" algn="ctr">
-              <a:buNone/>
-              <a:defRPr sz="1800"/>
-            </a:lvl3pPr>
-            <a:lvl4pPr marL="1371600" indent="0" algn="ctr">
-              <a:buNone/>
-              <a:defRPr sz="1600"/>
-            </a:lvl4pPr>
-            <a:lvl5pPr marL="1828800" indent="0" algn="ctr">
-              <a:buNone/>
-              <a:defRPr sz="1600"/>
-            </a:lvl5pPr>
-            <a:lvl6pPr marL="2286000" indent="0" algn="ctr">
-              <a:buNone/>
-              <a:defRPr sz="1600"/>
-            </a:lvl6pPr>
-            <a:lvl7pPr marL="2743200" indent="0" algn="ctr">
-              <a:buNone/>
-              <a:defRPr sz="1600"/>
-            </a:lvl7pPr>
-            <a:lvl8pPr marL="3200400" indent="0" algn="ctr">
-              <a:buNone/>
-              <a:defRPr sz="1600"/>
-            </a:lvl8pPr>
-            <a:lvl9pPr marL="3657600" indent="0" algn="ctr">
-              <a:buNone/>
-              <a:defRPr sz="1600"/>
-            </a:lvl9pPr>
-          </a:lstStyle>
-          <a:p>
-            <a:r>
-              <a:rPr lang="zh-TW" altLang="en-US"/>
-              <a:t>按一下以編輯母片子標題樣式</a:t>
-            </a:r>
-          </a:p>
-        </p:txBody>
-      </p:sp>
-    </p:spTree>
-    <p:extLst>
-      <p:ext uri="{BB962C8B-B14F-4D97-AF65-F5344CB8AC3E}">
-        <p14:creationId xmlns:p14="http://schemas.microsoft.com/office/powerpoint/2010/main" val="2441487618"/>
+        <p14:creationId xmlns:p14="http://schemas.microsoft.com/office/powerpoint/2010/main" val="1657759815"/>
       </p:ext>
     </p:extLst>
   </p:cSld>
@@ -2551,7 +1101,7 @@
             </a:r>
             <a:r>
               <a:rPr lang="zh-TW" altLang="en-US"/>
-              <a:t>桃高資訊社</a:t>
+              <a:t> 桃高資訊社</a:t>
             </a:r>
           </a:p>
         </p:txBody>
@@ -2688,276 +1238,10 @@
           </a:p>
         </p:txBody>
       </p:sp>
-      <p:sp>
-        <p:nvSpPr>
-          <p:cNvPr id="6" name="頁尾版面配置區 4">
-            <a:extLst>
-              <a:ext uri="{FF2B5EF4-FFF2-40B4-BE49-F238E27FC236}">
-                <a16:creationId xmlns:a16="http://schemas.microsoft.com/office/drawing/2014/main" id="{4EFEB44B-B18F-472F-97B4-61D1CE94D3C7}"/>
-              </a:ext>
-            </a:extLst>
-          </p:cNvPr>
-          <p:cNvSpPr txBox="1">
-            <a:spLocks/>
-          </p:cNvSpPr>
-          <p:nvPr/>
-        </p:nvSpPr>
-        <p:spPr>
-          <a:xfrm>
-            <a:off x="0" y="6492875"/>
-            <a:ext cx="2743200" cy="365125"/>
-          </a:xfrm>
-          <a:prstGeom prst="rect">
-            <a:avLst/>
-          </a:prstGeom>
-        </p:spPr>
-        <p:txBody>
-          <a:bodyPr vert="horz" lIns="91440" tIns="45720" rIns="91440" bIns="45720" rtlCol="0" anchor="ctr"/>
-          <a:lstStyle>
-            <a:defPPr>
-              <a:defRPr lang="zh-TW"/>
-            </a:defPPr>
-            <a:lvl1pPr marL="0" algn="l" defTabSz="914400" rtl="0" eaLnBrk="1" latinLnBrk="0" hangingPunct="1">
-              <a:defRPr sz="1200" kern="1200">
-                <a:solidFill>
-                  <a:schemeClr val="tx1">
-                    <a:tint val="75000"/>
-                  </a:schemeClr>
-                </a:solidFill>
-                <a:latin typeface="+mn-lt"/>
-                <a:ea typeface="+mn-ea"/>
-                <a:cs typeface="+mn-cs"/>
-              </a:defRPr>
-            </a:lvl1pPr>
-            <a:lvl2pPr marL="457200" algn="l" defTabSz="914400" rtl="0" eaLnBrk="1" latinLnBrk="0" hangingPunct="1">
-              <a:defRPr sz="1800" kern="1200">
-                <a:solidFill>
-                  <a:schemeClr val="tx1"/>
-                </a:solidFill>
-                <a:latin typeface="+mn-lt"/>
-                <a:ea typeface="+mn-ea"/>
-                <a:cs typeface="+mn-cs"/>
-              </a:defRPr>
-            </a:lvl2pPr>
-            <a:lvl3pPr marL="914400" algn="l" defTabSz="914400" rtl="0" eaLnBrk="1" latinLnBrk="0" hangingPunct="1">
-              <a:defRPr sz="1800" kern="1200">
-                <a:solidFill>
-                  <a:schemeClr val="tx1"/>
-                </a:solidFill>
-                <a:latin typeface="+mn-lt"/>
-                <a:ea typeface="+mn-ea"/>
-                <a:cs typeface="+mn-cs"/>
-              </a:defRPr>
-            </a:lvl3pPr>
-            <a:lvl4pPr marL="1371600" algn="l" defTabSz="914400" rtl="0" eaLnBrk="1" latinLnBrk="0" hangingPunct="1">
-              <a:defRPr sz="1800" kern="1200">
-                <a:solidFill>
-                  <a:schemeClr val="tx1"/>
-                </a:solidFill>
-                <a:latin typeface="+mn-lt"/>
-                <a:ea typeface="+mn-ea"/>
-                <a:cs typeface="+mn-cs"/>
-              </a:defRPr>
-            </a:lvl4pPr>
-            <a:lvl5pPr marL="1828800" algn="l" defTabSz="914400" rtl="0" eaLnBrk="1" latinLnBrk="0" hangingPunct="1">
-              <a:defRPr sz="1800" kern="1200">
-                <a:solidFill>
-                  <a:schemeClr val="tx1"/>
-                </a:solidFill>
-                <a:latin typeface="+mn-lt"/>
-                <a:ea typeface="+mn-ea"/>
-                <a:cs typeface="+mn-cs"/>
-              </a:defRPr>
-            </a:lvl5pPr>
-            <a:lvl6pPr marL="2286000" algn="l" defTabSz="914400" rtl="0" eaLnBrk="1" latinLnBrk="0" hangingPunct="1">
-              <a:defRPr sz="1800" kern="1200">
-                <a:solidFill>
-                  <a:schemeClr val="tx1"/>
-                </a:solidFill>
-                <a:latin typeface="+mn-lt"/>
-                <a:ea typeface="+mn-ea"/>
-                <a:cs typeface="+mn-cs"/>
-              </a:defRPr>
-            </a:lvl6pPr>
-            <a:lvl7pPr marL="2743200" algn="l" defTabSz="914400" rtl="0" eaLnBrk="1" latinLnBrk="0" hangingPunct="1">
-              <a:defRPr sz="1800" kern="1200">
-                <a:solidFill>
-                  <a:schemeClr val="tx1"/>
-                </a:solidFill>
-                <a:latin typeface="+mn-lt"/>
-                <a:ea typeface="+mn-ea"/>
-                <a:cs typeface="+mn-cs"/>
-              </a:defRPr>
-            </a:lvl7pPr>
-            <a:lvl8pPr marL="3200400" algn="l" defTabSz="914400" rtl="0" eaLnBrk="1" latinLnBrk="0" hangingPunct="1">
-              <a:defRPr sz="1800" kern="1200">
-                <a:solidFill>
-                  <a:schemeClr val="tx1"/>
-                </a:solidFill>
-                <a:latin typeface="+mn-lt"/>
-                <a:ea typeface="+mn-ea"/>
-                <a:cs typeface="+mn-cs"/>
-              </a:defRPr>
-            </a:lvl8pPr>
-            <a:lvl9pPr marL="3657600" algn="l" defTabSz="914400" rtl="0" eaLnBrk="1" latinLnBrk="0" hangingPunct="1">
-              <a:defRPr sz="1800" kern="1200">
-                <a:solidFill>
-                  <a:schemeClr val="tx1"/>
-                </a:solidFill>
-                <a:latin typeface="+mn-lt"/>
-                <a:ea typeface="+mn-ea"/>
-                <a:cs typeface="+mn-cs"/>
-              </a:defRPr>
-            </a:lvl9pPr>
-          </a:lstStyle>
-          <a:p>
-            <a:r>
-              <a:rPr lang="en-US" altLang="zh-TW" dirty="0"/>
-              <a:t>TYIC</a:t>
-            </a:r>
-            <a:r>
-              <a:rPr lang="zh-TW" altLang="en-US"/>
-              <a:t>桃高資訊社</a:t>
-            </a:r>
-          </a:p>
-        </p:txBody>
-      </p:sp>
-      <p:sp>
-        <p:nvSpPr>
-          <p:cNvPr id="9" name="投影片編號版面配置區 5">
-            <a:extLst>
-              <a:ext uri="{FF2B5EF4-FFF2-40B4-BE49-F238E27FC236}">
-                <a16:creationId xmlns:a16="http://schemas.microsoft.com/office/drawing/2014/main" id="{402E92B5-4BB1-4E6F-A32C-6E1A69B65B9E}"/>
-              </a:ext>
-            </a:extLst>
-          </p:cNvPr>
-          <p:cNvSpPr txBox="1">
-            <a:spLocks/>
-          </p:cNvSpPr>
-          <p:nvPr/>
-        </p:nvSpPr>
-        <p:spPr>
-          <a:xfrm>
-            <a:off x="9448800" y="6492874"/>
-            <a:ext cx="2743200" cy="365125"/>
-          </a:xfrm>
-          <a:prstGeom prst="rect">
-            <a:avLst/>
-          </a:prstGeom>
-        </p:spPr>
-        <p:txBody>
-          <a:bodyPr vert="horz" lIns="91440" tIns="45720" rIns="91440" bIns="45720" rtlCol="0" anchor="ctr"/>
-          <a:lstStyle>
-            <a:defPPr>
-              <a:defRPr lang="zh-TW"/>
-            </a:defPPr>
-            <a:lvl1pPr marL="0" algn="r" defTabSz="914400" rtl="0" eaLnBrk="1" latinLnBrk="0" hangingPunct="1">
-              <a:defRPr sz="1200" kern="1200">
-                <a:solidFill>
-                  <a:schemeClr val="tx1">
-                    <a:tint val="75000"/>
-                  </a:schemeClr>
-                </a:solidFill>
-                <a:latin typeface="+mn-lt"/>
-                <a:ea typeface="+mn-ea"/>
-                <a:cs typeface="+mn-cs"/>
-              </a:defRPr>
-            </a:lvl1pPr>
-            <a:lvl2pPr marL="457200" algn="l" defTabSz="914400" rtl="0" eaLnBrk="1" latinLnBrk="0" hangingPunct="1">
-              <a:defRPr sz="1800" kern="1200">
-                <a:solidFill>
-                  <a:schemeClr val="tx1"/>
-                </a:solidFill>
-                <a:latin typeface="+mn-lt"/>
-                <a:ea typeface="+mn-ea"/>
-                <a:cs typeface="+mn-cs"/>
-              </a:defRPr>
-            </a:lvl2pPr>
-            <a:lvl3pPr marL="914400" algn="l" defTabSz="914400" rtl="0" eaLnBrk="1" latinLnBrk="0" hangingPunct="1">
-              <a:defRPr sz="1800" kern="1200">
-                <a:solidFill>
-                  <a:schemeClr val="tx1"/>
-                </a:solidFill>
-                <a:latin typeface="+mn-lt"/>
-                <a:ea typeface="+mn-ea"/>
-                <a:cs typeface="+mn-cs"/>
-              </a:defRPr>
-            </a:lvl3pPr>
-            <a:lvl4pPr marL="1371600" algn="l" defTabSz="914400" rtl="0" eaLnBrk="1" latinLnBrk="0" hangingPunct="1">
-              <a:defRPr sz="1800" kern="1200">
-                <a:solidFill>
-                  <a:schemeClr val="tx1"/>
-                </a:solidFill>
-                <a:latin typeface="+mn-lt"/>
-                <a:ea typeface="+mn-ea"/>
-                <a:cs typeface="+mn-cs"/>
-              </a:defRPr>
-            </a:lvl4pPr>
-            <a:lvl5pPr marL="1828800" algn="l" defTabSz="914400" rtl="0" eaLnBrk="1" latinLnBrk="0" hangingPunct="1">
-              <a:defRPr sz="1800" kern="1200">
-                <a:solidFill>
-                  <a:schemeClr val="tx1"/>
-                </a:solidFill>
-                <a:latin typeface="+mn-lt"/>
-                <a:ea typeface="+mn-ea"/>
-                <a:cs typeface="+mn-cs"/>
-              </a:defRPr>
-            </a:lvl5pPr>
-            <a:lvl6pPr marL="2286000" algn="l" defTabSz="914400" rtl="0" eaLnBrk="1" latinLnBrk="0" hangingPunct="1">
-              <a:defRPr sz="1800" kern="1200">
-                <a:solidFill>
-                  <a:schemeClr val="tx1"/>
-                </a:solidFill>
-                <a:latin typeface="+mn-lt"/>
-                <a:ea typeface="+mn-ea"/>
-                <a:cs typeface="+mn-cs"/>
-              </a:defRPr>
-            </a:lvl6pPr>
-            <a:lvl7pPr marL="2743200" algn="l" defTabSz="914400" rtl="0" eaLnBrk="1" latinLnBrk="0" hangingPunct="1">
-              <a:defRPr sz="1800" kern="1200">
-                <a:solidFill>
-                  <a:schemeClr val="tx1"/>
-                </a:solidFill>
-                <a:latin typeface="+mn-lt"/>
-                <a:ea typeface="+mn-ea"/>
-                <a:cs typeface="+mn-cs"/>
-              </a:defRPr>
-            </a:lvl7pPr>
-            <a:lvl8pPr marL="3200400" algn="l" defTabSz="914400" rtl="0" eaLnBrk="1" latinLnBrk="0" hangingPunct="1">
-              <a:defRPr sz="1800" kern="1200">
-                <a:solidFill>
-                  <a:schemeClr val="tx1"/>
-                </a:solidFill>
-                <a:latin typeface="+mn-lt"/>
-                <a:ea typeface="+mn-ea"/>
-                <a:cs typeface="+mn-cs"/>
-              </a:defRPr>
-            </a:lvl8pPr>
-            <a:lvl9pPr marL="3657600" algn="l" defTabSz="914400" rtl="0" eaLnBrk="1" latinLnBrk="0" hangingPunct="1">
-              <a:defRPr sz="1800" kern="1200">
-                <a:solidFill>
-                  <a:schemeClr val="tx1"/>
-                </a:solidFill>
-                <a:latin typeface="+mn-lt"/>
-                <a:ea typeface="+mn-ea"/>
-                <a:cs typeface="+mn-cs"/>
-              </a:defRPr>
-            </a:lvl9pPr>
-          </a:lstStyle>
-          <a:p>
-            <a:fld id="{D4328D90-2A6F-4F23-88A8-C5DCC2B5F307}" type="slidenum">
-              <a:rPr lang="zh-TW" altLang="en-US" smtClean="0"/>
-              <a:pPr/>
-              <a:t>‹#›</a:t>
-            </a:fld>
-            <a:endParaRPr lang="zh-TW" altLang="en-US"/>
-          </a:p>
-        </p:txBody>
-      </p:sp>
     </p:spTree>
     <p:extLst>
       <p:ext uri="{BB962C8B-B14F-4D97-AF65-F5344CB8AC3E}">
-        <p14:creationId xmlns:p14="http://schemas.microsoft.com/office/powerpoint/2010/main" val="2375672299"/>
+        <p14:creationId xmlns:p14="http://schemas.microsoft.com/office/powerpoint/2010/main" val="2655960807"/>
       </p:ext>
     </p:extLst>
   </p:cSld>
@@ -2971,2314 +1255,6 @@
 </file>
 
 <file path=ppt/slideLayouts/slideLayout3.xml><?xml version="1.0" encoding="utf-8"?>
-<p:sldLayout xmlns:a="http://schemas.openxmlformats.org/drawingml/2006/main" xmlns:r="http://schemas.openxmlformats.org/officeDocument/2006/relationships" xmlns:p="http://schemas.openxmlformats.org/presentationml/2006/main" type="secHead" preserve="1">
-  <p:cSld name="章節標題">
-    <p:spTree>
-      <p:nvGrpSpPr>
-        <p:cNvPr id="1" name=""/>
-        <p:cNvGrpSpPr/>
-        <p:nvPr/>
-      </p:nvGrpSpPr>
-      <p:grpSpPr>
-        <a:xfrm>
-          <a:off x="0" y="0"/>
-          <a:ext cx="0" cy="0"/>
-          <a:chOff x="0" y="0"/>
-          <a:chExt cx="0" cy="0"/>
-        </a:xfrm>
-      </p:grpSpPr>
-      <p:sp>
-        <p:nvSpPr>
-          <p:cNvPr id="2" name="標題 1">
-            <a:extLst>
-              <a:ext uri="{FF2B5EF4-FFF2-40B4-BE49-F238E27FC236}">
-                <a16:creationId xmlns:a16="http://schemas.microsoft.com/office/drawing/2014/main" id="{CE768223-9832-40C6-9F3C-AE20E7AB8621}"/>
-              </a:ext>
-            </a:extLst>
-          </p:cNvPr>
-          <p:cNvSpPr>
-            <a:spLocks noGrp="1"/>
-          </p:cNvSpPr>
-          <p:nvPr>
-            <p:ph type="title"/>
-          </p:nvPr>
-        </p:nvSpPr>
-        <p:spPr>
-          <a:xfrm>
-            <a:off x="831850" y="1709738"/>
-            <a:ext cx="10515600" cy="2852737"/>
-          </a:xfrm>
-        </p:spPr>
-        <p:txBody>
-          <a:bodyPr anchor="b"/>
-          <a:lstStyle>
-            <a:lvl1pPr>
-              <a:defRPr sz="6000"/>
-            </a:lvl1pPr>
-          </a:lstStyle>
-          <a:p>
-            <a:r>
-              <a:rPr lang="zh-TW" altLang="en-US"/>
-              <a:t>按一下以編輯母片標題樣式</a:t>
-            </a:r>
-          </a:p>
-        </p:txBody>
-      </p:sp>
-      <p:sp>
-        <p:nvSpPr>
-          <p:cNvPr id="3" name="文字版面配置區 2">
-            <a:extLst>
-              <a:ext uri="{FF2B5EF4-FFF2-40B4-BE49-F238E27FC236}">
-                <a16:creationId xmlns:a16="http://schemas.microsoft.com/office/drawing/2014/main" id="{0DA52283-8089-4430-AD3E-3D1C2559F3A0}"/>
-              </a:ext>
-            </a:extLst>
-          </p:cNvPr>
-          <p:cNvSpPr>
-            <a:spLocks noGrp="1"/>
-          </p:cNvSpPr>
-          <p:nvPr>
-            <p:ph type="body" idx="1"/>
-          </p:nvPr>
-        </p:nvSpPr>
-        <p:spPr>
-          <a:xfrm>
-            <a:off x="831850" y="4589463"/>
-            <a:ext cx="10515600" cy="1500187"/>
-          </a:xfrm>
-        </p:spPr>
-        <p:txBody>
-          <a:bodyPr/>
-          <a:lstStyle>
-            <a:lvl1pPr marL="0" indent="0">
-              <a:buNone/>
-              <a:defRPr sz="2400">
-                <a:solidFill>
-                  <a:schemeClr val="tx1">
-                    <a:tint val="75000"/>
-                  </a:schemeClr>
-                </a:solidFill>
-              </a:defRPr>
-            </a:lvl1pPr>
-            <a:lvl2pPr marL="457200" indent="0">
-              <a:buNone/>
-              <a:defRPr sz="2000">
-                <a:solidFill>
-                  <a:schemeClr val="tx1">
-                    <a:tint val="75000"/>
-                  </a:schemeClr>
-                </a:solidFill>
-              </a:defRPr>
-            </a:lvl2pPr>
-            <a:lvl3pPr marL="914400" indent="0">
-              <a:buNone/>
-              <a:defRPr sz="1800">
-                <a:solidFill>
-                  <a:schemeClr val="tx1">
-                    <a:tint val="75000"/>
-                  </a:schemeClr>
-                </a:solidFill>
-              </a:defRPr>
-            </a:lvl3pPr>
-            <a:lvl4pPr marL="1371600" indent="0">
-              <a:buNone/>
-              <a:defRPr sz="1600">
-                <a:solidFill>
-                  <a:schemeClr val="tx1">
-                    <a:tint val="75000"/>
-                  </a:schemeClr>
-                </a:solidFill>
-              </a:defRPr>
-            </a:lvl4pPr>
-            <a:lvl5pPr marL="1828800" indent="0">
-              <a:buNone/>
-              <a:defRPr sz="1600">
-                <a:solidFill>
-                  <a:schemeClr val="tx1">
-                    <a:tint val="75000"/>
-                  </a:schemeClr>
-                </a:solidFill>
-              </a:defRPr>
-            </a:lvl5pPr>
-            <a:lvl6pPr marL="2286000" indent="0">
-              <a:buNone/>
-              <a:defRPr sz="1600">
-                <a:solidFill>
-                  <a:schemeClr val="tx1">
-                    <a:tint val="75000"/>
-                  </a:schemeClr>
-                </a:solidFill>
-              </a:defRPr>
-            </a:lvl6pPr>
-            <a:lvl7pPr marL="2743200" indent="0">
-              <a:buNone/>
-              <a:defRPr sz="1600">
-                <a:solidFill>
-                  <a:schemeClr val="tx1">
-                    <a:tint val="75000"/>
-                  </a:schemeClr>
-                </a:solidFill>
-              </a:defRPr>
-            </a:lvl7pPr>
-            <a:lvl8pPr marL="3200400" indent="0">
-              <a:buNone/>
-              <a:defRPr sz="1600">
-                <a:solidFill>
-                  <a:schemeClr val="tx1">
-                    <a:tint val="75000"/>
-                  </a:schemeClr>
-                </a:solidFill>
-              </a:defRPr>
-            </a:lvl8pPr>
-            <a:lvl9pPr marL="3657600" indent="0">
-              <a:buNone/>
-              <a:defRPr sz="1600">
-                <a:solidFill>
-                  <a:schemeClr val="tx1">
-                    <a:tint val="75000"/>
-                  </a:schemeClr>
-                </a:solidFill>
-              </a:defRPr>
-            </a:lvl9pPr>
-          </a:lstStyle>
-          <a:p>
-            <a:pPr lvl="0"/>
-            <a:r>
-              <a:rPr lang="zh-TW" altLang="en-US"/>
-              <a:t>按一下以編輯母片文字樣式</a:t>
-            </a:r>
-          </a:p>
-        </p:txBody>
-      </p:sp>
-      <p:sp>
-        <p:nvSpPr>
-          <p:cNvPr id="7" name="頁尾版面配置區 4">
-            <a:extLst>
-              <a:ext uri="{FF2B5EF4-FFF2-40B4-BE49-F238E27FC236}">
-                <a16:creationId xmlns:a16="http://schemas.microsoft.com/office/drawing/2014/main" id="{FD7123E0-421B-4835-AD6B-2FDC040BCC53}"/>
-              </a:ext>
-            </a:extLst>
-          </p:cNvPr>
-          <p:cNvSpPr txBox="1">
-            <a:spLocks/>
-          </p:cNvSpPr>
-          <p:nvPr/>
-        </p:nvSpPr>
-        <p:spPr>
-          <a:xfrm>
-            <a:off x="0" y="6492875"/>
-            <a:ext cx="2743200" cy="365125"/>
-          </a:xfrm>
-          <a:prstGeom prst="rect">
-            <a:avLst/>
-          </a:prstGeom>
-        </p:spPr>
-        <p:txBody>
-          <a:bodyPr vert="horz" lIns="91440" tIns="45720" rIns="91440" bIns="45720" rtlCol="0" anchor="ctr"/>
-          <a:lstStyle>
-            <a:defPPr>
-              <a:defRPr lang="zh-TW"/>
-            </a:defPPr>
-            <a:lvl1pPr marL="0" algn="l" defTabSz="914400" rtl="0" eaLnBrk="1" latinLnBrk="0" hangingPunct="1">
-              <a:defRPr sz="1200" kern="1200">
-                <a:solidFill>
-                  <a:schemeClr val="tx1">
-                    <a:tint val="75000"/>
-                  </a:schemeClr>
-                </a:solidFill>
-                <a:latin typeface="+mn-lt"/>
-                <a:ea typeface="+mn-ea"/>
-                <a:cs typeface="+mn-cs"/>
-              </a:defRPr>
-            </a:lvl1pPr>
-            <a:lvl2pPr marL="457200" algn="l" defTabSz="914400" rtl="0" eaLnBrk="1" latinLnBrk="0" hangingPunct="1">
-              <a:defRPr sz="1800" kern="1200">
-                <a:solidFill>
-                  <a:schemeClr val="tx1"/>
-                </a:solidFill>
-                <a:latin typeface="+mn-lt"/>
-                <a:ea typeface="+mn-ea"/>
-                <a:cs typeface="+mn-cs"/>
-              </a:defRPr>
-            </a:lvl2pPr>
-            <a:lvl3pPr marL="914400" algn="l" defTabSz="914400" rtl="0" eaLnBrk="1" latinLnBrk="0" hangingPunct="1">
-              <a:defRPr sz="1800" kern="1200">
-                <a:solidFill>
-                  <a:schemeClr val="tx1"/>
-                </a:solidFill>
-                <a:latin typeface="+mn-lt"/>
-                <a:ea typeface="+mn-ea"/>
-                <a:cs typeface="+mn-cs"/>
-              </a:defRPr>
-            </a:lvl3pPr>
-            <a:lvl4pPr marL="1371600" algn="l" defTabSz="914400" rtl="0" eaLnBrk="1" latinLnBrk="0" hangingPunct="1">
-              <a:defRPr sz="1800" kern="1200">
-                <a:solidFill>
-                  <a:schemeClr val="tx1"/>
-                </a:solidFill>
-                <a:latin typeface="+mn-lt"/>
-                <a:ea typeface="+mn-ea"/>
-                <a:cs typeface="+mn-cs"/>
-              </a:defRPr>
-            </a:lvl4pPr>
-            <a:lvl5pPr marL="1828800" algn="l" defTabSz="914400" rtl="0" eaLnBrk="1" latinLnBrk="0" hangingPunct="1">
-              <a:defRPr sz="1800" kern="1200">
-                <a:solidFill>
-                  <a:schemeClr val="tx1"/>
-                </a:solidFill>
-                <a:latin typeface="+mn-lt"/>
-                <a:ea typeface="+mn-ea"/>
-                <a:cs typeface="+mn-cs"/>
-              </a:defRPr>
-            </a:lvl5pPr>
-            <a:lvl6pPr marL="2286000" algn="l" defTabSz="914400" rtl="0" eaLnBrk="1" latinLnBrk="0" hangingPunct="1">
-              <a:defRPr sz="1800" kern="1200">
-                <a:solidFill>
-                  <a:schemeClr val="tx1"/>
-                </a:solidFill>
-                <a:latin typeface="+mn-lt"/>
-                <a:ea typeface="+mn-ea"/>
-                <a:cs typeface="+mn-cs"/>
-              </a:defRPr>
-            </a:lvl6pPr>
-            <a:lvl7pPr marL="2743200" algn="l" defTabSz="914400" rtl="0" eaLnBrk="1" latinLnBrk="0" hangingPunct="1">
-              <a:defRPr sz="1800" kern="1200">
-                <a:solidFill>
-                  <a:schemeClr val="tx1"/>
-                </a:solidFill>
-                <a:latin typeface="+mn-lt"/>
-                <a:ea typeface="+mn-ea"/>
-                <a:cs typeface="+mn-cs"/>
-              </a:defRPr>
-            </a:lvl7pPr>
-            <a:lvl8pPr marL="3200400" algn="l" defTabSz="914400" rtl="0" eaLnBrk="1" latinLnBrk="0" hangingPunct="1">
-              <a:defRPr sz="1800" kern="1200">
-                <a:solidFill>
-                  <a:schemeClr val="tx1"/>
-                </a:solidFill>
-                <a:latin typeface="+mn-lt"/>
-                <a:ea typeface="+mn-ea"/>
-                <a:cs typeface="+mn-cs"/>
-              </a:defRPr>
-            </a:lvl8pPr>
-            <a:lvl9pPr marL="3657600" algn="l" defTabSz="914400" rtl="0" eaLnBrk="1" latinLnBrk="0" hangingPunct="1">
-              <a:defRPr sz="1800" kern="1200">
-                <a:solidFill>
-                  <a:schemeClr val="tx1"/>
-                </a:solidFill>
-                <a:latin typeface="+mn-lt"/>
-                <a:ea typeface="+mn-ea"/>
-                <a:cs typeface="+mn-cs"/>
-              </a:defRPr>
-            </a:lvl9pPr>
-          </a:lstStyle>
-          <a:p>
-            <a:r>
-              <a:rPr lang="en-US" altLang="zh-TW"/>
-              <a:t>TYIC</a:t>
-            </a:r>
-            <a:r>
-              <a:rPr lang="zh-TW" altLang="en-US"/>
-              <a:t>桃高資訊社</a:t>
-            </a:r>
-          </a:p>
-        </p:txBody>
-      </p:sp>
-      <p:sp>
-        <p:nvSpPr>
-          <p:cNvPr id="8" name="投影片編號版面配置區 5">
-            <a:extLst>
-              <a:ext uri="{FF2B5EF4-FFF2-40B4-BE49-F238E27FC236}">
-                <a16:creationId xmlns:a16="http://schemas.microsoft.com/office/drawing/2014/main" id="{013C5E04-2F03-430B-BA13-D3137E372625}"/>
-              </a:ext>
-            </a:extLst>
-          </p:cNvPr>
-          <p:cNvSpPr txBox="1">
-            <a:spLocks/>
-          </p:cNvSpPr>
-          <p:nvPr/>
-        </p:nvSpPr>
-        <p:spPr>
-          <a:xfrm>
-            <a:off x="9448800" y="6492874"/>
-            <a:ext cx="2743200" cy="365125"/>
-          </a:xfrm>
-          <a:prstGeom prst="rect">
-            <a:avLst/>
-          </a:prstGeom>
-        </p:spPr>
-        <p:txBody>
-          <a:bodyPr vert="horz" lIns="91440" tIns="45720" rIns="91440" bIns="45720" rtlCol="0" anchor="ctr"/>
-          <a:lstStyle>
-            <a:defPPr>
-              <a:defRPr lang="zh-TW"/>
-            </a:defPPr>
-            <a:lvl1pPr marL="0" algn="r" defTabSz="914400" rtl="0" eaLnBrk="1" latinLnBrk="0" hangingPunct="1">
-              <a:defRPr sz="1200" kern="1200">
-                <a:solidFill>
-                  <a:schemeClr val="tx1">
-                    <a:tint val="75000"/>
-                  </a:schemeClr>
-                </a:solidFill>
-                <a:latin typeface="+mn-lt"/>
-                <a:ea typeface="+mn-ea"/>
-                <a:cs typeface="+mn-cs"/>
-              </a:defRPr>
-            </a:lvl1pPr>
-            <a:lvl2pPr marL="457200" algn="l" defTabSz="914400" rtl="0" eaLnBrk="1" latinLnBrk="0" hangingPunct="1">
-              <a:defRPr sz="1800" kern="1200">
-                <a:solidFill>
-                  <a:schemeClr val="tx1"/>
-                </a:solidFill>
-                <a:latin typeface="+mn-lt"/>
-                <a:ea typeface="+mn-ea"/>
-                <a:cs typeface="+mn-cs"/>
-              </a:defRPr>
-            </a:lvl2pPr>
-            <a:lvl3pPr marL="914400" algn="l" defTabSz="914400" rtl="0" eaLnBrk="1" latinLnBrk="0" hangingPunct="1">
-              <a:defRPr sz="1800" kern="1200">
-                <a:solidFill>
-                  <a:schemeClr val="tx1"/>
-                </a:solidFill>
-                <a:latin typeface="+mn-lt"/>
-                <a:ea typeface="+mn-ea"/>
-                <a:cs typeface="+mn-cs"/>
-              </a:defRPr>
-            </a:lvl3pPr>
-            <a:lvl4pPr marL="1371600" algn="l" defTabSz="914400" rtl="0" eaLnBrk="1" latinLnBrk="0" hangingPunct="1">
-              <a:defRPr sz="1800" kern="1200">
-                <a:solidFill>
-                  <a:schemeClr val="tx1"/>
-                </a:solidFill>
-                <a:latin typeface="+mn-lt"/>
-                <a:ea typeface="+mn-ea"/>
-                <a:cs typeface="+mn-cs"/>
-              </a:defRPr>
-            </a:lvl4pPr>
-            <a:lvl5pPr marL="1828800" algn="l" defTabSz="914400" rtl="0" eaLnBrk="1" latinLnBrk="0" hangingPunct="1">
-              <a:defRPr sz="1800" kern="1200">
-                <a:solidFill>
-                  <a:schemeClr val="tx1"/>
-                </a:solidFill>
-                <a:latin typeface="+mn-lt"/>
-                <a:ea typeface="+mn-ea"/>
-                <a:cs typeface="+mn-cs"/>
-              </a:defRPr>
-            </a:lvl5pPr>
-            <a:lvl6pPr marL="2286000" algn="l" defTabSz="914400" rtl="0" eaLnBrk="1" latinLnBrk="0" hangingPunct="1">
-              <a:defRPr sz="1800" kern="1200">
-                <a:solidFill>
-                  <a:schemeClr val="tx1"/>
-                </a:solidFill>
-                <a:latin typeface="+mn-lt"/>
-                <a:ea typeface="+mn-ea"/>
-                <a:cs typeface="+mn-cs"/>
-              </a:defRPr>
-            </a:lvl6pPr>
-            <a:lvl7pPr marL="2743200" algn="l" defTabSz="914400" rtl="0" eaLnBrk="1" latinLnBrk="0" hangingPunct="1">
-              <a:defRPr sz="1800" kern="1200">
-                <a:solidFill>
-                  <a:schemeClr val="tx1"/>
-                </a:solidFill>
-                <a:latin typeface="+mn-lt"/>
-                <a:ea typeface="+mn-ea"/>
-                <a:cs typeface="+mn-cs"/>
-              </a:defRPr>
-            </a:lvl7pPr>
-            <a:lvl8pPr marL="3200400" algn="l" defTabSz="914400" rtl="0" eaLnBrk="1" latinLnBrk="0" hangingPunct="1">
-              <a:defRPr sz="1800" kern="1200">
-                <a:solidFill>
-                  <a:schemeClr val="tx1"/>
-                </a:solidFill>
-                <a:latin typeface="+mn-lt"/>
-                <a:ea typeface="+mn-ea"/>
-                <a:cs typeface="+mn-cs"/>
-              </a:defRPr>
-            </a:lvl8pPr>
-            <a:lvl9pPr marL="3657600" algn="l" defTabSz="914400" rtl="0" eaLnBrk="1" latinLnBrk="0" hangingPunct="1">
-              <a:defRPr sz="1800" kern="1200">
-                <a:solidFill>
-                  <a:schemeClr val="tx1"/>
-                </a:solidFill>
-                <a:latin typeface="+mn-lt"/>
-                <a:ea typeface="+mn-ea"/>
-                <a:cs typeface="+mn-cs"/>
-              </a:defRPr>
-            </a:lvl9pPr>
-          </a:lstStyle>
-          <a:p>
-            <a:fld id="{D4328D90-2A6F-4F23-88A8-C5DCC2B5F307}" type="slidenum">
-              <a:rPr lang="zh-TW" altLang="en-US" smtClean="0"/>
-              <a:pPr/>
-              <a:t>‹#›</a:t>
-            </a:fld>
-            <a:endParaRPr lang="zh-TW" altLang="en-US"/>
-          </a:p>
-        </p:txBody>
-      </p:sp>
-      <p:sp>
-        <p:nvSpPr>
-          <p:cNvPr id="6" name="頁尾版面配置區 4">
-            <a:extLst>
-              <a:ext uri="{FF2B5EF4-FFF2-40B4-BE49-F238E27FC236}">
-                <a16:creationId xmlns:a16="http://schemas.microsoft.com/office/drawing/2014/main" id="{C4CC887B-C0A8-4A82-9A58-FE8B0FAD3FD6}"/>
-              </a:ext>
-            </a:extLst>
-          </p:cNvPr>
-          <p:cNvSpPr txBox="1">
-            <a:spLocks/>
-          </p:cNvSpPr>
-          <p:nvPr/>
-        </p:nvSpPr>
-        <p:spPr>
-          <a:xfrm>
-            <a:off x="0" y="6492875"/>
-            <a:ext cx="2743200" cy="365125"/>
-          </a:xfrm>
-          <a:prstGeom prst="rect">
-            <a:avLst/>
-          </a:prstGeom>
-        </p:spPr>
-        <p:txBody>
-          <a:bodyPr vert="horz" lIns="91440" tIns="45720" rIns="91440" bIns="45720" rtlCol="0" anchor="ctr"/>
-          <a:lstStyle>
-            <a:defPPr>
-              <a:defRPr lang="zh-TW"/>
-            </a:defPPr>
-            <a:lvl1pPr marL="0" algn="l" defTabSz="914400" rtl="0" eaLnBrk="1" latinLnBrk="0" hangingPunct="1">
-              <a:defRPr sz="1200" kern="1200">
-                <a:solidFill>
-                  <a:schemeClr val="tx1">
-                    <a:tint val="75000"/>
-                  </a:schemeClr>
-                </a:solidFill>
-                <a:latin typeface="+mn-lt"/>
-                <a:ea typeface="+mn-ea"/>
-                <a:cs typeface="+mn-cs"/>
-              </a:defRPr>
-            </a:lvl1pPr>
-            <a:lvl2pPr marL="457200" algn="l" defTabSz="914400" rtl="0" eaLnBrk="1" latinLnBrk="0" hangingPunct="1">
-              <a:defRPr sz="1800" kern="1200">
-                <a:solidFill>
-                  <a:schemeClr val="tx1"/>
-                </a:solidFill>
-                <a:latin typeface="+mn-lt"/>
-                <a:ea typeface="+mn-ea"/>
-                <a:cs typeface="+mn-cs"/>
-              </a:defRPr>
-            </a:lvl2pPr>
-            <a:lvl3pPr marL="914400" algn="l" defTabSz="914400" rtl="0" eaLnBrk="1" latinLnBrk="0" hangingPunct="1">
-              <a:defRPr sz="1800" kern="1200">
-                <a:solidFill>
-                  <a:schemeClr val="tx1"/>
-                </a:solidFill>
-                <a:latin typeface="+mn-lt"/>
-                <a:ea typeface="+mn-ea"/>
-                <a:cs typeface="+mn-cs"/>
-              </a:defRPr>
-            </a:lvl3pPr>
-            <a:lvl4pPr marL="1371600" algn="l" defTabSz="914400" rtl="0" eaLnBrk="1" latinLnBrk="0" hangingPunct="1">
-              <a:defRPr sz="1800" kern="1200">
-                <a:solidFill>
-                  <a:schemeClr val="tx1"/>
-                </a:solidFill>
-                <a:latin typeface="+mn-lt"/>
-                <a:ea typeface="+mn-ea"/>
-                <a:cs typeface="+mn-cs"/>
-              </a:defRPr>
-            </a:lvl4pPr>
-            <a:lvl5pPr marL="1828800" algn="l" defTabSz="914400" rtl="0" eaLnBrk="1" latinLnBrk="0" hangingPunct="1">
-              <a:defRPr sz="1800" kern="1200">
-                <a:solidFill>
-                  <a:schemeClr val="tx1"/>
-                </a:solidFill>
-                <a:latin typeface="+mn-lt"/>
-                <a:ea typeface="+mn-ea"/>
-                <a:cs typeface="+mn-cs"/>
-              </a:defRPr>
-            </a:lvl5pPr>
-            <a:lvl6pPr marL="2286000" algn="l" defTabSz="914400" rtl="0" eaLnBrk="1" latinLnBrk="0" hangingPunct="1">
-              <a:defRPr sz="1800" kern="1200">
-                <a:solidFill>
-                  <a:schemeClr val="tx1"/>
-                </a:solidFill>
-                <a:latin typeface="+mn-lt"/>
-                <a:ea typeface="+mn-ea"/>
-                <a:cs typeface="+mn-cs"/>
-              </a:defRPr>
-            </a:lvl6pPr>
-            <a:lvl7pPr marL="2743200" algn="l" defTabSz="914400" rtl="0" eaLnBrk="1" latinLnBrk="0" hangingPunct="1">
-              <a:defRPr sz="1800" kern="1200">
-                <a:solidFill>
-                  <a:schemeClr val="tx1"/>
-                </a:solidFill>
-                <a:latin typeface="+mn-lt"/>
-                <a:ea typeface="+mn-ea"/>
-                <a:cs typeface="+mn-cs"/>
-              </a:defRPr>
-            </a:lvl7pPr>
-            <a:lvl8pPr marL="3200400" algn="l" defTabSz="914400" rtl="0" eaLnBrk="1" latinLnBrk="0" hangingPunct="1">
-              <a:defRPr sz="1800" kern="1200">
-                <a:solidFill>
-                  <a:schemeClr val="tx1"/>
-                </a:solidFill>
-                <a:latin typeface="+mn-lt"/>
-                <a:ea typeface="+mn-ea"/>
-                <a:cs typeface="+mn-cs"/>
-              </a:defRPr>
-            </a:lvl8pPr>
-            <a:lvl9pPr marL="3657600" algn="l" defTabSz="914400" rtl="0" eaLnBrk="1" latinLnBrk="0" hangingPunct="1">
-              <a:defRPr sz="1800" kern="1200">
-                <a:solidFill>
-                  <a:schemeClr val="tx1"/>
-                </a:solidFill>
-                <a:latin typeface="+mn-lt"/>
-                <a:ea typeface="+mn-ea"/>
-                <a:cs typeface="+mn-cs"/>
-              </a:defRPr>
-            </a:lvl9pPr>
-          </a:lstStyle>
-          <a:p>
-            <a:r>
-              <a:rPr lang="en-US" altLang="zh-TW" dirty="0"/>
-              <a:t>TYIC</a:t>
-            </a:r>
-            <a:r>
-              <a:rPr lang="zh-TW" altLang="en-US"/>
-              <a:t>桃高資訊社</a:t>
-            </a:r>
-          </a:p>
-        </p:txBody>
-      </p:sp>
-      <p:sp>
-        <p:nvSpPr>
-          <p:cNvPr id="9" name="投影片編號版面配置區 5">
-            <a:extLst>
-              <a:ext uri="{FF2B5EF4-FFF2-40B4-BE49-F238E27FC236}">
-                <a16:creationId xmlns:a16="http://schemas.microsoft.com/office/drawing/2014/main" id="{6B740742-BB51-4CCB-AA18-2F0900F32D31}"/>
-              </a:ext>
-            </a:extLst>
-          </p:cNvPr>
-          <p:cNvSpPr txBox="1">
-            <a:spLocks/>
-          </p:cNvSpPr>
-          <p:nvPr/>
-        </p:nvSpPr>
-        <p:spPr>
-          <a:xfrm>
-            <a:off x="9448800" y="6492874"/>
-            <a:ext cx="2743200" cy="365125"/>
-          </a:xfrm>
-          <a:prstGeom prst="rect">
-            <a:avLst/>
-          </a:prstGeom>
-        </p:spPr>
-        <p:txBody>
-          <a:bodyPr vert="horz" lIns="91440" tIns="45720" rIns="91440" bIns="45720" rtlCol="0" anchor="ctr"/>
-          <a:lstStyle>
-            <a:defPPr>
-              <a:defRPr lang="zh-TW"/>
-            </a:defPPr>
-            <a:lvl1pPr marL="0" algn="r" defTabSz="914400" rtl="0" eaLnBrk="1" latinLnBrk="0" hangingPunct="1">
-              <a:defRPr sz="1200" kern="1200">
-                <a:solidFill>
-                  <a:schemeClr val="tx1">
-                    <a:tint val="75000"/>
-                  </a:schemeClr>
-                </a:solidFill>
-                <a:latin typeface="+mn-lt"/>
-                <a:ea typeface="+mn-ea"/>
-                <a:cs typeface="+mn-cs"/>
-              </a:defRPr>
-            </a:lvl1pPr>
-            <a:lvl2pPr marL="457200" algn="l" defTabSz="914400" rtl="0" eaLnBrk="1" latinLnBrk="0" hangingPunct="1">
-              <a:defRPr sz="1800" kern="1200">
-                <a:solidFill>
-                  <a:schemeClr val="tx1"/>
-                </a:solidFill>
-                <a:latin typeface="+mn-lt"/>
-                <a:ea typeface="+mn-ea"/>
-                <a:cs typeface="+mn-cs"/>
-              </a:defRPr>
-            </a:lvl2pPr>
-            <a:lvl3pPr marL="914400" algn="l" defTabSz="914400" rtl="0" eaLnBrk="1" latinLnBrk="0" hangingPunct="1">
-              <a:defRPr sz="1800" kern="1200">
-                <a:solidFill>
-                  <a:schemeClr val="tx1"/>
-                </a:solidFill>
-                <a:latin typeface="+mn-lt"/>
-                <a:ea typeface="+mn-ea"/>
-                <a:cs typeface="+mn-cs"/>
-              </a:defRPr>
-            </a:lvl3pPr>
-            <a:lvl4pPr marL="1371600" algn="l" defTabSz="914400" rtl="0" eaLnBrk="1" latinLnBrk="0" hangingPunct="1">
-              <a:defRPr sz="1800" kern="1200">
-                <a:solidFill>
-                  <a:schemeClr val="tx1"/>
-                </a:solidFill>
-                <a:latin typeface="+mn-lt"/>
-                <a:ea typeface="+mn-ea"/>
-                <a:cs typeface="+mn-cs"/>
-              </a:defRPr>
-            </a:lvl4pPr>
-            <a:lvl5pPr marL="1828800" algn="l" defTabSz="914400" rtl="0" eaLnBrk="1" latinLnBrk="0" hangingPunct="1">
-              <a:defRPr sz="1800" kern="1200">
-                <a:solidFill>
-                  <a:schemeClr val="tx1"/>
-                </a:solidFill>
-                <a:latin typeface="+mn-lt"/>
-                <a:ea typeface="+mn-ea"/>
-                <a:cs typeface="+mn-cs"/>
-              </a:defRPr>
-            </a:lvl5pPr>
-            <a:lvl6pPr marL="2286000" algn="l" defTabSz="914400" rtl="0" eaLnBrk="1" latinLnBrk="0" hangingPunct="1">
-              <a:defRPr sz="1800" kern="1200">
-                <a:solidFill>
-                  <a:schemeClr val="tx1"/>
-                </a:solidFill>
-                <a:latin typeface="+mn-lt"/>
-                <a:ea typeface="+mn-ea"/>
-                <a:cs typeface="+mn-cs"/>
-              </a:defRPr>
-            </a:lvl6pPr>
-            <a:lvl7pPr marL="2743200" algn="l" defTabSz="914400" rtl="0" eaLnBrk="1" latinLnBrk="0" hangingPunct="1">
-              <a:defRPr sz="1800" kern="1200">
-                <a:solidFill>
-                  <a:schemeClr val="tx1"/>
-                </a:solidFill>
-                <a:latin typeface="+mn-lt"/>
-                <a:ea typeface="+mn-ea"/>
-                <a:cs typeface="+mn-cs"/>
-              </a:defRPr>
-            </a:lvl7pPr>
-            <a:lvl8pPr marL="3200400" algn="l" defTabSz="914400" rtl="0" eaLnBrk="1" latinLnBrk="0" hangingPunct="1">
-              <a:defRPr sz="1800" kern="1200">
-                <a:solidFill>
-                  <a:schemeClr val="tx1"/>
-                </a:solidFill>
-                <a:latin typeface="+mn-lt"/>
-                <a:ea typeface="+mn-ea"/>
-                <a:cs typeface="+mn-cs"/>
-              </a:defRPr>
-            </a:lvl8pPr>
-            <a:lvl9pPr marL="3657600" algn="l" defTabSz="914400" rtl="0" eaLnBrk="1" latinLnBrk="0" hangingPunct="1">
-              <a:defRPr sz="1800" kern="1200">
-                <a:solidFill>
-                  <a:schemeClr val="tx1"/>
-                </a:solidFill>
-                <a:latin typeface="+mn-lt"/>
-                <a:ea typeface="+mn-ea"/>
-                <a:cs typeface="+mn-cs"/>
-              </a:defRPr>
-            </a:lvl9pPr>
-          </a:lstStyle>
-          <a:p>
-            <a:fld id="{D4328D90-2A6F-4F23-88A8-C5DCC2B5F307}" type="slidenum">
-              <a:rPr lang="zh-TW" altLang="en-US" smtClean="0"/>
-              <a:pPr/>
-              <a:t>‹#›</a:t>
-            </a:fld>
-            <a:endParaRPr lang="zh-TW" altLang="en-US"/>
-          </a:p>
-        </p:txBody>
-      </p:sp>
-    </p:spTree>
-    <p:extLst>
-      <p:ext uri="{BB962C8B-B14F-4D97-AF65-F5344CB8AC3E}">
-        <p14:creationId xmlns:p14="http://schemas.microsoft.com/office/powerpoint/2010/main" val="227802577"/>
-      </p:ext>
-    </p:extLst>
-  </p:cSld>
-  <p:clrMapOvr>
-    <a:masterClrMapping/>
-  </p:clrMapOvr>
-  <p:transition spd="slow">
-    <p:push dir="u"/>
-  </p:transition>
-</p:sldLayout>
-</file>
-
-<file path=ppt/slideLayouts/slideLayout4.xml><?xml version="1.0" encoding="utf-8"?>
-<p:sldLayout xmlns:a="http://schemas.openxmlformats.org/drawingml/2006/main" xmlns:r="http://schemas.openxmlformats.org/officeDocument/2006/relationships" xmlns:p="http://schemas.openxmlformats.org/presentationml/2006/main" type="twoObj" preserve="1">
-  <p:cSld name="兩個內容">
-    <p:spTree>
-      <p:nvGrpSpPr>
-        <p:cNvPr id="1" name=""/>
-        <p:cNvGrpSpPr/>
-        <p:nvPr/>
-      </p:nvGrpSpPr>
-      <p:grpSpPr>
-        <a:xfrm>
-          <a:off x="0" y="0"/>
-          <a:ext cx="0" cy="0"/>
-          <a:chOff x="0" y="0"/>
-          <a:chExt cx="0" cy="0"/>
-        </a:xfrm>
-      </p:grpSpPr>
-      <p:sp>
-        <p:nvSpPr>
-          <p:cNvPr id="2" name="標題 1">
-            <a:extLst>
-              <a:ext uri="{FF2B5EF4-FFF2-40B4-BE49-F238E27FC236}">
-                <a16:creationId xmlns:a16="http://schemas.microsoft.com/office/drawing/2014/main" id="{98909132-6CD8-4DB4-8922-349AAC7CBF28}"/>
-              </a:ext>
-            </a:extLst>
-          </p:cNvPr>
-          <p:cNvSpPr>
-            <a:spLocks noGrp="1"/>
-          </p:cNvSpPr>
-          <p:nvPr>
-            <p:ph type="title"/>
-          </p:nvPr>
-        </p:nvSpPr>
-        <p:spPr/>
-        <p:txBody>
-          <a:bodyPr/>
-          <a:lstStyle/>
-          <a:p>
-            <a:r>
-              <a:rPr lang="zh-TW" altLang="en-US"/>
-              <a:t>按一下以編輯母片標題樣式</a:t>
-            </a:r>
-          </a:p>
-        </p:txBody>
-      </p:sp>
-      <p:sp>
-        <p:nvSpPr>
-          <p:cNvPr id="3" name="內容版面配置區 2">
-            <a:extLst>
-              <a:ext uri="{FF2B5EF4-FFF2-40B4-BE49-F238E27FC236}">
-                <a16:creationId xmlns:a16="http://schemas.microsoft.com/office/drawing/2014/main" id="{EB255D59-E76E-4ADA-A943-4A398DF946C0}"/>
-              </a:ext>
-            </a:extLst>
-          </p:cNvPr>
-          <p:cNvSpPr>
-            <a:spLocks noGrp="1"/>
-          </p:cNvSpPr>
-          <p:nvPr>
-            <p:ph sz="half" idx="1"/>
-          </p:nvPr>
-        </p:nvSpPr>
-        <p:spPr>
-          <a:xfrm>
-            <a:off x="838200" y="1825625"/>
-            <a:ext cx="5181600" cy="4351338"/>
-          </a:xfrm>
-        </p:spPr>
-        <p:txBody>
-          <a:bodyPr/>
-          <a:lstStyle/>
-          <a:p>
-            <a:pPr lvl="0"/>
-            <a:r>
-              <a:rPr lang="zh-TW" altLang="en-US"/>
-              <a:t>按一下以編輯母片文字樣式</a:t>
-            </a:r>
-          </a:p>
-          <a:p>
-            <a:pPr lvl="1"/>
-            <a:r>
-              <a:rPr lang="zh-TW" altLang="en-US"/>
-              <a:t>第二層</a:t>
-            </a:r>
-          </a:p>
-          <a:p>
-            <a:pPr lvl="2"/>
-            <a:r>
-              <a:rPr lang="zh-TW" altLang="en-US"/>
-              <a:t>第三層</a:t>
-            </a:r>
-          </a:p>
-          <a:p>
-            <a:pPr lvl="3"/>
-            <a:r>
-              <a:rPr lang="zh-TW" altLang="en-US"/>
-              <a:t>第四層</a:t>
-            </a:r>
-          </a:p>
-          <a:p>
-            <a:pPr lvl="4"/>
-            <a:r>
-              <a:rPr lang="zh-TW" altLang="en-US"/>
-              <a:t>第五層</a:t>
-            </a:r>
-          </a:p>
-        </p:txBody>
-      </p:sp>
-      <p:sp>
-        <p:nvSpPr>
-          <p:cNvPr id="4" name="內容版面配置區 3">
-            <a:extLst>
-              <a:ext uri="{FF2B5EF4-FFF2-40B4-BE49-F238E27FC236}">
-                <a16:creationId xmlns:a16="http://schemas.microsoft.com/office/drawing/2014/main" id="{28909BA4-D9F5-4D3A-8AF7-74A53147863D}"/>
-              </a:ext>
-            </a:extLst>
-          </p:cNvPr>
-          <p:cNvSpPr>
-            <a:spLocks noGrp="1"/>
-          </p:cNvSpPr>
-          <p:nvPr>
-            <p:ph sz="half" idx="2"/>
-          </p:nvPr>
-        </p:nvSpPr>
-        <p:spPr>
-          <a:xfrm>
-            <a:off x="6172200" y="1825625"/>
-            <a:ext cx="5181600" cy="4351338"/>
-          </a:xfrm>
-        </p:spPr>
-        <p:txBody>
-          <a:bodyPr/>
-          <a:lstStyle/>
-          <a:p>
-            <a:pPr lvl="0"/>
-            <a:r>
-              <a:rPr lang="zh-TW" altLang="en-US"/>
-              <a:t>按一下以編輯母片文字樣式</a:t>
-            </a:r>
-          </a:p>
-          <a:p>
-            <a:pPr lvl="1"/>
-            <a:r>
-              <a:rPr lang="zh-TW" altLang="en-US"/>
-              <a:t>第二層</a:t>
-            </a:r>
-          </a:p>
-          <a:p>
-            <a:pPr lvl="2"/>
-            <a:r>
-              <a:rPr lang="zh-TW" altLang="en-US"/>
-              <a:t>第三層</a:t>
-            </a:r>
-          </a:p>
-          <a:p>
-            <a:pPr lvl="3"/>
-            <a:r>
-              <a:rPr lang="zh-TW" altLang="en-US"/>
-              <a:t>第四層</a:t>
-            </a:r>
-          </a:p>
-          <a:p>
-            <a:pPr lvl="4"/>
-            <a:r>
-              <a:rPr lang="zh-TW" altLang="en-US"/>
-              <a:t>第五層</a:t>
-            </a:r>
-          </a:p>
-        </p:txBody>
-      </p:sp>
-      <p:sp>
-        <p:nvSpPr>
-          <p:cNvPr id="8" name="頁尾版面配置區 4">
-            <a:extLst>
-              <a:ext uri="{FF2B5EF4-FFF2-40B4-BE49-F238E27FC236}">
-                <a16:creationId xmlns:a16="http://schemas.microsoft.com/office/drawing/2014/main" id="{260865D4-10BE-42AB-942E-8A6A7231E073}"/>
-              </a:ext>
-            </a:extLst>
-          </p:cNvPr>
-          <p:cNvSpPr txBox="1">
-            <a:spLocks/>
-          </p:cNvSpPr>
-          <p:nvPr/>
-        </p:nvSpPr>
-        <p:spPr>
-          <a:xfrm>
-            <a:off x="0" y="6492875"/>
-            <a:ext cx="2743200" cy="365125"/>
-          </a:xfrm>
-          <a:prstGeom prst="rect">
-            <a:avLst/>
-          </a:prstGeom>
-        </p:spPr>
-        <p:txBody>
-          <a:bodyPr vert="horz" lIns="91440" tIns="45720" rIns="91440" bIns="45720" rtlCol="0" anchor="ctr"/>
-          <a:lstStyle>
-            <a:defPPr>
-              <a:defRPr lang="zh-TW"/>
-            </a:defPPr>
-            <a:lvl1pPr marL="0" algn="l" defTabSz="914400" rtl="0" eaLnBrk="1" latinLnBrk="0" hangingPunct="1">
-              <a:defRPr sz="1200" kern="1200">
-                <a:solidFill>
-                  <a:schemeClr val="tx1">
-                    <a:tint val="75000"/>
-                  </a:schemeClr>
-                </a:solidFill>
-                <a:latin typeface="+mn-lt"/>
-                <a:ea typeface="+mn-ea"/>
-                <a:cs typeface="+mn-cs"/>
-              </a:defRPr>
-            </a:lvl1pPr>
-            <a:lvl2pPr marL="457200" algn="l" defTabSz="914400" rtl="0" eaLnBrk="1" latinLnBrk="0" hangingPunct="1">
-              <a:defRPr sz="1800" kern="1200">
-                <a:solidFill>
-                  <a:schemeClr val="tx1"/>
-                </a:solidFill>
-                <a:latin typeface="+mn-lt"/>
-                <a:ea typeface="+mn-ea"/>
-                <a:cs typeface="+mn-cs"/>
-              </a:defRPr>
-            </a:lvl2pPr>
-            <a:lvl3pPr marL="914400" algn="l" defTabSz="914400" rtl="0" eaLnBrk="1" latinLnBrk="0" hangingPunct="1">
-              <a:defRPr sz="1800" kern="1200">
-                <a:solidFill>
-                  <a:schemeClr val="tx1"/>
-                </a:solidFill>
-                <a:latin typeface="+mn-lt"/>
-                <a:ea typeface="+mn-ea"/>
-                <a:cs typeface="+mn-cs"/>
-              </a:defRPr>
-            </a:lvl3pPr>
-            <a:lvl4pPr marL="1371600" algn="l" defTabSz="914400" rtl="0" eaLnBrk="1" latinLnBrk="0" hangingPunct="1">
-              <a:defRPr sz="1800" kern="1200">
-                <a:solidFill>
-                  <a:schemeClr val="tx1"/>
-                </a:solidFill>
-                <a:latin typeface="+mn-lt"/>
-                <a:ea typeface="+mn-ea"/>
-                <a:cs typeface="+mn-cs"/>
-              </a:defRPr>
-            </a:lvl4pPr>
-            <a:lvl5pPr marL="1828800" algn="l" defTabSz="914400" rtl="0" eaLnBrk="1" latinLnBrk="0" hangingPunct="1">
-              <a:defRPr sz="1800" kern="1200">
-                <a:solidFill>
-                  <a:schemeClr val="tx1"/>
-                </a:solidFill>
-                <a:latin typeface="+mn-lt"/>
-                <a:ea typeface="+mn-ea"/>
-                <a:cs typeface="+mn-cs"/>
-              </a:defRPr>
-            </a:lvl5pPr>
-            <a:lvl6pPr marL="2286000" algn="l" defTabSz="914400" rtl="0" eaLnBrk="1" latinLnBrk="0" hangingPunct="1">
-              <a:defRPr sz="1800" kern="1200">
-                <a:solidFill>
-                  <a:schemeClr val="tx1"/>
-                </a:solidFill>
-                <a:latin typeface="+mn-lt"/>
-                <a:ea typeface="+mn-ea"/>
-                <a:cs typeface="+mn-cs"/>
-              </a:defRPr>
-            </a:lvl6pPr>
-            <a:lvl7pPr marL="2743200" algn="l" defTabSz="914400" rtl="0" eaLnBrk="1" latinLnBrk="0" hangingPunct="1">
-              <a:defRPr sz="1800" kern="1200">
-                <a:solidFill>
-                  <a:schemeClr val="tx1"/>
-                </a:solidFill>
-                <a:latin typeface="+mn-lt"/>
-                <a:ea typeface="+mn-ea"/>
-                <a:cs typeface="+mn-cs"/>
-              </a:defRPr>
-            </a:lvl7pPr>
-            <a:lvl8pPr marL="3200400" algn="l" defTabSz="914400" rtl="0" eaLnBrk="1" latinLnBrk="0" hangingPunct="1">
-              <a:defRPr sz="1800" kern="1200">
-                <a:solidFill>
-                  <a:schemeClr val="tx1"/>
-                </a:solidFill>
-                <a:latin typeface="+mn-lt"/>
-                <a:ea typeface="+mn-ea"/>
-                <a:cs typeface="+mn-cs"/>
-              </a:defRPr>
-            </a:lvl8pPr>
-            <a:lvl9pPr marL="3657600" algn="l" defTabSz="914400" rtl="0" eaLnBrk="1" latinLnBrk="0" hangingPunct="1">
-              <a:defRPr sz="1800" kern="1200">
-                <a:solidFill>
-                  <a:schemeClr val="tx1"/>
-                </a:solidFill>
-                <a:latin typeface="+mn-lt"/>
-                <a:ea typeface="+mn-ea"/>
-                <a:cs typeface="+mn-cs"/>
-              </a:defRPr>
-            </a:lvl9pPr>
-          </a:lstStyle>
-          <a:p>
-            <a:r>
-              <a:rPr lang="en-US" altLang="zh-TW"/>
-              <a:t>TYIC</a:t>
-            </a:r>
-            <a:r>
-              <a:rPr lang="zh-TW" altLang="en-US"/>
-              <a:t>桃高資訊社</a:t>
-            </a:r>
-          </a:p>
-        </p:txBody>
-      </p:sp>
-      <p:sp>
-        <p:nvSpPr>
-          <p:cNvPr id="9" name="投影片編號版面配置區 5">
-            <a:extLst>
-              <a:ext uri="{FF2B5EF4-FFF2-40B4-BE49-F238E27FC236}">
-                <a16:creationId xmlns:a16="http://schemas.microsoft.com/office/drawing/2014/main" id="{086F29C3-C792-4CB1-A6F8-A95D8E6D4CBA}"/>
-              </a:ext>
-            </a:extLst>
-          </p:cNvPr>
-          <p:cNvSpPr txBox="1">
-            <a:spLocks/>
-          </p:cNvSpPr>
-          <p:nvPr/>
-        </p:nvSpPr>
-        <p:spPr>
-          <a:xfrm>
-            <a:off x="9448800" y="6492874"/>
-            <a:ext cx="2743200" cy="365125"/>
-          </a:xfrm>
-          <a:prstGeom prst="rect">
-            <a:avLst/>
-          </a:prstGeom>
-        </p:spPr>
-        <p:txBody>
-          <a:bodyPr vert="horz" lIns="91440" tIns="45720" rIns="91440" bIns="45720" rtlCol="0" anchor="ctr"/>
-          <a:lstStyle>
-            <a:defPPr>
-              <a:defRPr lang="zh-TW"/>
-            </a:defPPr>
-            <a:lvl1pPr marL="0" algn="r" defTabSz="914400" rtl="0" eaLnBrk="1" latinLnBrk="0" hangingPunct="1">
-              <a:defRPr sz="1200" kern="1200">
-                <a:solidFill>
-                  <a:schemeClr val="tx1">
-                    <a:tint val="75000"/>
-                  </a:schemeClr>
-                </a:solidFill>
-                <a:latin typeface="+mn-lt"/>
-                <a:ea typeface="+mn-ea"/>
-                <a:cs typeface="+mn-cs"/>
-              </a:defRPr>
-            </a:lvl1pPr>
-            <a:lvl2pPr marL="457200" algn="l" defTabSz="914400" rtl="0" eaLnBrk="1" latinLnBrk="0" hangingPunct="1">
-              <a:defRPr sz="1800" kern="1200">
-                <a:solidFill>
-                  <a:schemeClr val="tx1"/>
-                </a:solidFill>
-                <a:latin typeface="+mn-lt"/>
-                <a:ea typeface="+mn-ea"/>
-                <a:cs typeface="+mn-cs"/>
-              </a:defRPr>
-            </a:lvl2pPr>
-            <a:lvl3pPr marL="914400" algn="l" defTabSz="914400" rtl="0" eaLnBrk="1" latinLnBrk="0" hangingPunct="1">
-              <a:defRPr sz="1800" kern="1200">
-                <a:solidFill>
-                  <a:schemeClr val="tx1"/>
-                </a:solidFill>
-                <a:latin typeface="+mn-lt"/>
-                <a:ea typeface="+mn-ea"/>
-                <a:cs typeface="+mn-cs"/>
-              </a:defRPr>
-            </a:lvl3pPr>
-            <a:lvl4pPr marL="1371600" algn="l" defTabSz="914400" rtl="0" eaLnBrk="1" latinLnBrk="0" hangingPunct="1">
-              <a:defRPr sz="1800" kern="1200">
-                <a:solidFill>
-                  <a:schemeClr val="tx1"/>
-                </a:solidFill>
-                <a:latin typeface="+mn-lt"/>
-                <a:ea typeface="+mn-ea"/>
-                <a:cs typeface="+mn-cs"/>
-              </a:defRPr>
-            </a:lvl4pPr>
-            <a:lvl5pPr marL="1828800" algn="l" defTabSz="914400" rtl="0" eaLnBrk="1" latinLnBrk="0" hangingPunct="1">
-              <a:defRPr sz="1800" kern="1200">
-                <a:solidFill>
-                  <a:schemeClr val="tx1"/>
-                </a:solidFill>
-                <a:latin typeface="+mn-lt"/>
-                <a:ea typeface="+mn-ea"/>
-                <a:cs typeface="+mn-cs"/>
-              </a:defRPr>
-            </a:lvl5pPr>
-            <a:lvl6pPr marL="2286000" algn="l" defTabSz="914400" rtl="0" eaLnBrk="1" latinLnBrk="0" hangingPunct="1">
-              <a:defRPr sz="1800" kern="1200">
-                <a:solidFill>
-                  <a:schemeClr val="tx1"/>
-                </a:solidFill>
-                <a:latin typeface="+mn-lt"/>
-                <a:ea typeface="+mn-ea"/>
-                <a:cs typeface="+mn-cs"/>
-              </a:defRPr>
-            </a:lvl6pPr>
-            <a:lvl7pPr marL="2743200" algn="l" defTabSz="914400" rtl="0" eaLnBrk="1" latinLnBrk="0" hangingPunct="1">
-              <a:defRPr sz="1800" kern="1200">
-                <a:solidFill>
-                  <a:schemeClr val="tx1"/>
-                </a:solidFill>
-                <a:latin typeface="+mn-lt"/>
-                <a:ea typeface="+mn-ea"/>
-                <a:cs typeface="+mn-cs"/>
-              </a:defRPr>
-            </a:lvl7pPr>
-            <a:lvl8pPr marL="3200400" algn="l" defTabSz="914400" rtl="0" eaLnBrk="1" latinLnBrk="0" hangingPunct="1">
-              <a:defRPr sz="1800" kern="1200">
-                <a:solidFill>
-                  <a:schemeClr val="tx1"/>
-                </a:solidFill>
-                <a:latin typeface="+mn-lt"/>
-                <a:ea typeface="+mn-ea"/>
-                <a:cs typeface="+mn-cs"/>
-              </a:defRPr>
-            </a:lvl8pPr>
-            <a:lvl9pPr marL="3657600" algn="l" defTabSz="914400" rtl="0" eaLnBrk="1" latinLnBrk="0" hangingPunct="1">
-              <a:defRPr sz="1800" kern="1200">
-                <a:solidFill>
-                  <a:schemeClr val="tx1"/>
-                </a:solidFill>
-                <a:latin typeface="+mn-lt"/>
-                <a:ea typeface="+mn-ea"/>
-                <a:cs typeface="+mn-cs"/>
-              </a:defRPr>
-            </a:lvl9pPr>
-          </a:lstStyle>
-          <a:p>
-            <a:fld id="{D4328D90-2A6F-4F23-88A8-C5DCC2B5F307}" type="slidenum">
-              <a:rPr lang="zh-TW" altLang="en-US" smtClean="0"/>
-              <a:pPr/>
-              <a:t>‹#›</a:t>
-            </a:fld>
-            <a:endParaRPr lang="zh-TW" altLang="en-US"/>
-          </a:p>
-        </p:txBody>
-      </p:sp>
-      <p:sp>
-        <p:nvSpPr>
-          <p:cNvPr id="7" name="頁尾版面配置區 4">
-            <a:extLst>
-              <a:ext uri="{FF2B5EF4-FFF2-40B4-BE49-F238E27FC236}">
-                <a16:creationId xmlns:a16="http://schemas.microsoft.com/office/drawing/2014/main" id="{EF7FE82B-39CB-4D43-85C1-1888CFE5720D}"/>
-              </a:ext>
-            </a:extLst>
-          </p:cNvPr>
-          <p:cNvSpPr txBox="1">
-            <a:spLocks/>
-          </p:cNvSpPr>
-          <p:nvPr/>
-        </p:nvSpPr>
-        <p:spPr>
-          <a:xfrm>
-            <a:off x="0" y="6492875"/>
-            <a:ext cx="2743200" cy="365125"/>
-          </a:xfrm>
-          <a:prstGeom prst="rect">
-            <a:avLst/>
-          </a:prstGeom>
-        </p:spPr>
-        <p:txBody>
-          <a:bodyPr vert="horz" lIns="91440" tIns="45720" rIns="91440" bIns="45720" rtlCol="0" anchor="ctr"/>
-          <a:lstStyle>
-            <a:defPPr>
-              <a:defRPr lang="zh-TW"/>
-            </a:defPPr>
-            <a:lvl1pPr marL="0" algn="l" defTabSz="914400" rtl="0" eaLnBrk="1" latinLnBrk="0" hangingPunct="1">
-              <a:defRPr sz="1200" kern="1200">
-                <a:solidFill>
-                  <a:schemeClr val="tx1">
-                    <a:tint val="75000"/>
-                  </a:schemeClr>
-                </a:solidFill>
-                <a:latin typeface="+mn-lt"/>
-                <a:ea typeface="+mn-ea"/>
-                <a:cs typeface="+mn-cs"/>
-              </a:defRPr>
-            </a:lvl1pPr>
-            <a:lvl2pPr marL="457200" algn="l" defTabSz="914400" rtl="0" eaLnBrk="1" latinLnBrk="0" hangingPunct="1">
-              <a:defRPr sz="1800" kern="1200">
-                <a:solidFill>
-                  <a:schemeClr val="tx1"/>
-                </a:solidFill>
-                <a:latin typeface="+mn-lt"/>
-                <a:ea typeface="+mn-ea"/>
-                <a:cs typeface="+mn-cs"/>
-              </a:defRPr>
-            </a:lvl2pPr>
-            <a:lvl3pPr marL="914400" algn="l" defTabSz="914400" rtl="0" eaLnBrk="1" latinLnBrk="0" hangingPunct="1">
-              <a:defRPr sz="1800" kern="1200">
-                <a:solidFill>
-                  <a:schemeClr val="tx1"/>
-                </a:solidFill>
-                <a:latin typeface="+mn-lt"/>
-                <a:ea typeface="+mn-ea"/>
-                <a:cs typeface="+mn-cs"/>
-              </a:defRPr>
-            </a:lvl3pPr>
-            <a:lvl4pPr marL="1371600" algn="l" defTabSz="914400" rtl="0" eaLnBrk="1" latinLnBrk="0" hangingPunct="1">
-              <a:defRPr sz="1800" kern="1200">
-                <a:solidFill>
-                  <a:schemeClr val="tx1"/>
-                </a:solidFill>
-                <a:latin typeface="+mn-lt"/>
-                <a:ea typeface="+mn-ea"/>
-                <a:cs typeface="+mn-cs"/>
-              </a:defRPr>
-            </a:lvl4pPr>
-            <a:lvl5pPr marL="1828800" algn="l" defTabSz="914400" rtl="0" eaLnBrk="1" latinLnBrk="0" hangingPunct="1">
-              <a:defRPr sz="1800" kern="1200">
-                <a:solidFill>
-                  <a:schemeClr val="tx1"/>
-                </a:solidFill>
-                <a:latin typeface="+mn-lt"/>
-                <a:ea typeface="+mn-ea"/>
-                <a:cs typeface="+mn-cs"/>
-              </a:defRPr>
-            </a:lvl5pPr>
-            <a:lvl6pPr marL="2286000" algn="l" defTabSz="914400" rtl="0" eaLnBrk="1" latinLnBrk="0" hangingPunct="1">
-              <a:defRPr sz="1800" kern="1200">
-                <a:solidFill>
-                  <a:schemeClr val="tx1"/>
-                </a:solidFill>
-                <a:latin typeface="+mn-lt"/>
-                <a:ea typeface="+mn-ea"/>
-                <a:cs typeface="+mn-cs"/>
-              </a:defRPr>
-            </a:lvl6pPr>
-            <a:lvl7pPr marL="2743200" algn="l" defTabSz="914400" rtl="0" eaLnBrk="1" latinLnBrk="0" hangingPunct="1">
-              <a:defRPr sz="1800" kern="1200">
-                <a:solidFill>
-                  <a:schemeClr val="tx1"/>
-                </a:solidFill>
-                <a:latin typeface="+mn-lt"/>
-                <a:ea typeface="+mn-ea"/>
-                <a:cs typeface="+mn-cs"/>
-              </a:defRPr>
-            </a:lvl7pPr>
-            <a:lvl8pPr marL="3200400" algn="l" defTabSz="914400" rtl="0" eaLnBrk="1" latinLnBrk="0" hangingPunct="1">
-              <a:defRPr sz="1800" kern="1200">
-                <a:solidFill>
-                  <a:schemeClr val="tx1"/>
-                </a:solidFill>
-                <a:latin typeface="+mn-lt"/>
-                <a:ea typeface="+mn-ea"/>
-                <a:cs typeface="+mn-cs"/>
-              </a:defRPr>
-            </a:lvl8pPr>
-            <a:lvl9pPr marL="3657600" algn="l" defTabSz="914400" rtl="0" eaLnBrk="1" latinLnBrk="0" hangingPunct="1">
-              <a:defRPr sz="1800" kern="1200">
-                <a:solidFill>
-                  <a:schemeClr val="tx1"/>
-                </a:solidFill>
-                <a:latin typeface="+mn-lt"/>
-                <a:ea typeface="+mn-ea"/>
-                <a:cs typeface="+mn-cs"/>
-              </a:defRPr>
-            </a:lvl9pPr>
-          </a:lstStyle>
-          <a:p>
-            <a:r>
-              <a:rPr lang="en-US" altLang="zh-TW" dirty="0"/>
-              <a:t>TYIC</a:t>
-            </a:r>
-            <a:r>
-              <a:rPr lang="zh-TW" altLang="en-US"/>
-              <a:t>桃高資訊社</a:t>
-            </a:r>
-          </a:p>
-        </p:txBody>
-      </p:sp>
-      <p:sp>
-        <p:nvSpPr>
-          <p:cNvPr id="10" name="投影片編號版面配置區 5">
-            <a:extLst>
-              <a:ext uri="{FF2B5EF4-FFF2-40B4-BE49-F238E27FC236}">
-                <a16:creationId xmlns:a16="http://schemas.microsoft.com/office/drawing/2014/main" id="{C49BA910-B89D-480D-839D-27EA45309D92}"/>
-              </a:ext>
-            </a:extLst>
-          </p:cNvPr>
-          <p:cNvSpPr txBox="1">
-            <a:spLocks/>
-          </p:cNvSpPr>
-          <p:nvPr/>
-        </p:nvSpPr>
-        <p:spPr>
-          <a:xfrm>
-            <a:off x="9448800" y="6492874"/>
-            <a:ext cx="2743200" cy="365125"/>
-          </a:xfrm>
-          <a:prstGeom prst="rect">
-            <a:avLst/>
-          </a:prstGeom>
-        </p:spPr>
-        <p:txBody>
-          <a:bodyPr vert="horz" lIns="91440" tIns="45720" rIns="91440" bIns="45720" rtlCol="0" anchor="ctr"/>
-          <a:lstStyle>
-            <a:defPPr>
-              <a:defRPr lang="zh-TW"/>
-            </a:defPPr>
-            <a:lvl1pPr marL="0" algn="r" defTabSz="914400" rtl="0" eaLnBrk="1" latinLnBrk="0" hangingPunct="1">
-              <a:defRPr sz="1200" kern="1200">
-                <a:solidFill>
-                  <a:schemeClr val="tx1">
-                    <a:tint val="75000"/>
-                  </a:schemeClr>
-                </a:solidFill>
-                <a:latin typeface="+mn-lt"/>
-                <a:ea typeface="+mn-ea"/>
-                <a:cs typeface="+mn-cs"/>
-              </a:defRPr>
-            </a:lvl1pPr>
-            <a:lvl2pPr marL="457200" algn="l" defTabSz="914400" rtl="0" eaLnBrk="1" latinLnBrk="0" hangingPunct="1">
-              <a:defRPr sz="1800" kern="1200">
-                <a:solidFill>
-                  <a:schemeClr val="tx1"/>
-                </a:solidFill>
-                <a:latin typeface="+mn-lt"/>
-                <a:ea typeface="+mn-ea"/>
-                <a:cs typeface="+mn-cs"/>
-              </a:defRPr>
-            </a:lvl2pPr>
-            <a:lvl3pPr marL="914400" algn="l" defTabSz="914400" rtl="0" eaLnBrk="1" latinLnBrk="0" hangingPunct="1">
-              <a:defRPr sz="1800" kern="1200">
-                <a:solidFill>
-                  <a:schemeClr val="tx1"/>
-                </a:solidFill>
-                <a:latin typeface="+mn-lt"/>
-                <a:ea typeface="+mn-ea"/>
-                <a:cs typeface="+mn-cs"/>
-              </a:defRPr>
-            </a:lvl3pPr>
-            <a:lvl4pPr marL="1371600" algn="l" defTabSz="914400" rtl="0" eaLnBrk="1" latinLnBrk="0" hangingPunct="1">
-              <a:defRPr sz="1800" kern="1200">
-                <a:solidFill>
-                  <a:schemeClr val="tx1"/>
-                </a:solidFill>
-                <a:latin typeface="+mn-lt"/>
-                <a:ea typeface="+mn-ea"/>
-                <a:cs typeface="+mn-cs"/>
-              </a:defRPr>
-            </a:lvl4pPr>
-            <a:lvl5pPr marL="1828800" algn="l" defTabSz="914400" rtl="0" eaLnBrk="1" latinLnBrk="0" hangingPunct="1">
-              <a:defRPr sz="1800" kern="1200">
-                <a:solidFill>
-                  <a:schemeClr val="tx1"/>
-                </a:solidFill>
-                <a:latin typeface="+mn-lt"/>
-                <a:ea typeface="+mn-ea"/>
-                <a:cs typeface="+mn-cs"/>
-              </a:defRPr>
-            </a:lvl5pPr>
-            <a:lvl6pPr marL="2286000" algn="l" defTabSz="914400" rtl="0" eaLnBrk="1" latinLnBrk="0" hangingPunct="1">
-              <a:defRPr sz="1800" kern="1200">
-                <a:solidFill>
-                  <a:schemeClr val="tx1"/>
-                </a:solidFill>
-                <a:latin typeface="+mn-lt"/>
-                <a:ea typeface="+mn-ea"/>
-                <a:cs typeface="+mn-cs"/>
-              </a:defRPr>
-            </a:lvl6pPr>
-            <a:lvl7pPr marL="2743200" algn="l" defTabSz="914400" rtl="0" eaLnBrk="1" latinLnBrk="0" hangingPunct="1">
-              <a:defRPr sz="1800" kern="1200">
-                <a:solidFill>
-                  <a:schemeClr val="tx1"/>
-                </a:solidFill>
-                <a:latin typeface="+mn-lt"/>
-                <a:ea typeface="+mn-ea"/>
-                <a:cs typeface="+mn-cs"/>
-              </a:defRPr>
-            </a:lvl7pPr>
-            <a:lvl8pPr marL="3200400" algn="l" defTabSz="914400" rtl="0" eaLnBrk="1" latinLnBrk="0" hangingPunct="1">
-              <a:defRPr sz="1800" kern="1200">
-                <a:solidFill>
-                  <a:schemeClr val="tx1"/>
-                </a:solidFill>
-                <a:latin typeface="+mn-lt"/>
-                <a:ea typeface="+mn-ea"/>
-                <a:cs typeface="+mn-cs"/>
-              </a:defRPr>
-            </a:lvl8pPr>
-            <a:lvl9pPr marL="3657600" algn="l" defTabSz="914400" rtl="0" eaLnBrk="1" latinLnBrk="0" hangingPunct="1">
-              <a:defRPr sz="1800" kern="1200">
-                <a:solidFill>
-                  <a:schemeClr val="tx1"/>
-                </a:solidFill>
-                <a:latin typeface="+mn-lt"/>
-                <a:ea typeface="+mn-ea"/>
-                <a:cs typeface="+mn-cs"/>
-              </a:defRPr>
-            </a:lvl9pPr>
-          </a:lstStyle>
-          <a:p>
-            <a:fld id="{D4328D90-2A6F-4F23-88A8-C5DCC2B5F307}" type="slidenum">
-              <a:rPr lang="zh-TW" altLang="en-US" smtClean="0"/>
-              <a:pPr/>
-              <a:t>‹#›</a:t>
-            </a:fld>
-            <a:endParaRPr lang="zh-TW" altLang="en-US"/>
-          </a:p>
-        </p:txBody>
-      </p:sp>
-    </p:spTree>
-    <p:extLst>
-      <p:ext uri="{BB962C8B-B14F-4D97-AF65-F5344CB8AC3E}">
-        <p14:creationId xmlns:p14="http://schemas.microsoft.com/office/powerpoint/2010/main" val="2497620712"/>
-      </p:ext>
-    </p:extLst>
-  </p:cSld>
-  <p:clrMapOvr>
-    <a:masterClrMapping/>
-  </p:clrMapOvr>
-  <p:transition spd="slow">
-    <p:push dir="u"/>
-  </p:transition>
-</p:sldLayout>
-</file>
-
-<file path=ppt/slideLayouts/slideLayout5.xml><?xml version="1.0" encoding="utf-8"?>
-<p:sldLayout xmlns:a="http://schemas.openxmlformats.org/drawingml/2006/main" xmlns:r="http://schemas.openxmlformats.org/officeDocument/2006/relationships" xmlns:p="http://schemas.openxmlformats.org/presentationml/2006/main" type="twoTxTwoObj" preserve="1">
-  <p:cSld name="比較">
-    <p:spTree>
-      <p:nvGrpSpPr>
-        <p:cNvPr id="1" name=""/>
-        <p:cNvGrpSpPr/>
-        <p:nvPr/>
-      </p:nvGrpSpPr>
-      <p:grpSpPr>
-        <a:xfrm>
-          <a:off x="0" y="0"/>
-          <a:ext cx="0" cy="0"/>
-          <a:chOff x="0" y="0"/>
-          <a:chExt cx="0" cy="0"/>
-        </a:xfrm>
-      </p:grpSpPr>
-      <p:sp>
-        <p:nvSpPr>
-          <p:cNvPr id="2" name="標題 1">
-            <a:extLst>
-              <a:ext uri="{FF2B5EF4-FFF2-40B4-BE49-F238E27FC236}">
-                <a16:creationId xmlns:a16="http://schemas.microsoft.com/office/drawing/2014/main" id="{1261A8C4-296D-438B-8D76-3F8B57A7B280}"/>
-              </a:ext>
-            </a:extLst>
-          </p:cNvPr>
-          <p:cNvSpPr>
-            <a:spLocks noGrp="1"/>
-          </p:cNvSpPr>
-          <p:nvPr>
-            <p:ph type="title"/>
-          </p:nvPr>
-        </p:nvSpPr>
-        <p:spPr>
-          <a:xfrm>
-            <a:off x="839788" y="365125"/>
-            <a:ext cx="10515600" cy="1325563"/>
-          </a:xfrm>
-        </p:spPr>
-        <p:txBody>
-          <a:bodyPr/>
-          <a:lstStyle/>
-          <a:p>
-            <a:r>
-              <a:rPr lang="zh-TW" altLang="en-US"/>
-              <a:t>按一下以編輯母片標題樣式</a:t>
-            </a:r>
-          </a:p>
-        </p:txBody>
-      </p:sp>
-      <p:sp>
-        <p:nvSpPr>
-          <p:cNvPr id="3" name="文字版面配置區 2">
-            <a:extLst>
-              <a:ext uri="{FF2B5EF4-FFF2-40B4-BE49-F238E27FC236}">
-                <a16:creationId xmlns:a16="http://schemas.microsoft.com/office/drawing/2014/main" id="{1D56BB08-0AE2-466A-A236-AF0465E555C2}"/>
-              </a:ext>
-            </a:extLst>
-          </p:cNvPr>
-          <p:cNvSpPr>
-            <a:spLocks noGrp="1"/>
-          </p:cNvSpPr>
-          <p:nvPr>
-            <p:ph type="body" idx="1"/>
-          </p:nvPr>
-        </p:nvSpPr>
-        <p:spPr>
-          <a:xfrm>
-            <a:off x="839788" y="1681163"/>
-            <a:ext cx="5157787" cy="823912"/>
-          </a:xfrm>
-        </p:spPr>
-        <p:txBody>
-          <a:bodyPr anchor="b"/>
-          <a:lstStyle>
-            <a:lvl1pPr marL="0" indent="0">
-              <a:buNone/>
-              <a:defRPr sz="2400" b="1"/>
-            </a:lvl1pPr>
-            <a:lvl2pPr marL="457200" indent="0">
-              <a:buNone/>
-              <a:defRPr sz="2000" b="1"/>
-            </a:lvl2pPr>
-            <a:lvl3pPr marL="914400" indent="0">
-              <a:buNone/>
-              <a:defRPr sz="1800" b="1"/>
-            </a:lvl3pPr>
-            <a:lvl4pPr marL="1371600" indent="0">
-              <a:buNone/>
-              <a:defRPr sz="1600" b="1"/>
-            </a:lvl4pPr>
-            <a:lvl5pPr marL="1828800" indent="0">
-              <a:buNone/>
-              <a:defRPr sz="1600" b="1"/>
-            </a:lvl5pPr>
-            <a:lvl6pPr marL="2286000" indent="0">
-              <a:buNone/>
-              <a:defRPr sz="1600" b="1"/>
-            </a:lvl6pPr>
-            <a:lvl7pPr marL="2743200" indent="0">
-              <a:buNone/>
-              <a:defRPr sz="1600" b="1"/>
-            </a:lvl7pPr>
-            <a:lvl8pPr marL="3200400" indent="0">
-              <a:buNone/>
-              <a:defRPr sz="1600" b="1"/>
-            </a:lvl8pPr>
-            <a:lvl9pPr marL="3657600" indent="0">
-              <a:buNone/>
-              <a:defRPr sz="1600" b="1"/>
-            </a:lvl9pPr>
-          </a:lstStyle>
-          <a:p>
-            <a:pPr lvl="0"/>
-            <a:r>
-              <a:rPr lang="zh-TW" altLang="en-US"/>
-              <a:t>按一下以編輯母片文字樣式</a:t>
-            </a:r>
-          </a:p>
-        </p:txBody>
-      </p:sp>
-      <p:sp>
-        <p:nvSpPr>
-          <p:cNvPr id="4" name="內容版面配置區 3">
-            <a:extLst>
-              <a:ext uri="{FF2B5EF4-FFF2-40B4-BE49-F238E27FC236}">
-                <a16:creationId xmlns:a16="http://schemas.microsoft.com/office/drawing/2014/main" id="{DBF7F7E7-C7E3-438A-9287-5ABE84A43B59}"/>
-              </a:ext>
-            </a:extLst>
-          </p:cNvPr>
-          <p:cNvSpPr>
-            <a:spLocks noGrp="1"/>
-          </p:cNvSpPr>
-          <p:nvPr>
-            <p:ph sz="half" idx="2"/>
-          </p:nvPr>
-        </p:nvSpPr>
-        <p:spPr>
-          <a:xfrm>
-            <a:off x="839788" y="2505075"/>
-            <a:ext cx="5157787" cy="3684588"/>
-          </a:xfrm>
-        </p:spPr>
-        <p:txBody>
-          <a:bodyPr/>
-          <a:lstStyle/>
-          <a:p>
-            <a:pPr lvl="0"/>
-            <a:r>
-              <a:rPr lang="zh-TW" altLang="en-US"/>
-              <a:t>按一下以編輯母片文字樣式</a:t>
-            </a:r>
-          </a:p>
-          <a:p>
-            <a:pPr lvl="1"/>
-            <a:r>
-              <a:rPr lang="zh-TW" altLang="en-US"/>
-              <a:t>第二層</a:t>
-            </a:r>
-          </a:p>
-          <a:p>
-            <a:pPr lvl="2"/>
-            <a:r>
-              <a:rPr lang="zh-TW" altLang="en-US"/>
-              <a:t>第三層</a:t>
-            </a:r>
-          </a:p>
-          <a:p>
-            <a:pPr lvl="3"/>
-            <a:r>
-              <a:rPr lang="zh-TW" altLang="en-US"/>
-              <a:t>第四層</a:t>
-            </a:r>
-          </a:p>
-          <a:p>
-            <a:pPr lvl="4"/>
-            <a:r>
-              <a:rPr lang="zh-TW" altLang="en-US"/>
-              <a:t>第五層</a:t>
-            </a:r>
-          </a:p>
-        </p:txBody>
-      </p:sp>
-      <p:sp>
-        <p:nvSpPr>
-          <p:cNvPr id="5" name="文字版面配置區 4">
-            <a:extLst>
-              <a:ext uri="{FF2B5EF4-FFF2-40B4-BE49-F238E27FC236}">
-                <a16:creationId xmlns:a16="http://schemas.microsoft.com/office/drawing/2014/main" id="{9DD36D3E-55E7-4DE3-A367-2D7A37528211}"/>
-              </a:ext>
-            </a:extLst>
-          </p:cNvPr>
-          <p:cNvSpPr>
-            <a:spLocks noGrp="1"/>
-          </p:cNvSpPr>
-          <p:nvPr>
-            <p:ph type="body" sz="quarter" idx="3"/>
-          </p:nvPr>
-        </p:nvSpPr>
-        <p:spPr>
-          <a:xfrm>
-            <a:off x="6172200" y="1681163"/>
-            <a:ext cx="5183188" cy="823912"/>
-          </a:xfrm>
-        </p:spPr>
-        <p:txBody>
-          <a:bodyPr anchor="b"/>
-          <a:lstStyle>
-            <a:lvl1pPr marL="0" indent="0">
-              <a:buNone/>
-              <a:defRPr sz="2400" b="1"/>
-            </a:lvl1pPr>
-            <a:lvl2pPr marL="457200" indent="0">
-              <a:buNone/>
-              <a:defRPr sz="2000" b="1"/>
-            </a:lvl2pPr>
-            <a:lvl3pPr marL="914400" indent="0">
-              <a:buNone/>
-              <a:defRPr sz="1800" b="1"/>
-            </a:lvl3pPr>
-            <a:lvl4pPr marL="1371600" indent="0">
-              <a:buNone/>
-              <a:defRPr sz="1600" b="1"/>
-            </a:lvl4pPr>
-            <a:lvl5pPr marL="1828800" indent="0">
-              <a:buNone/>
-              <a:defRPr sz="1600" b="1"/>
-            </a:lvl5pPr>
-            <a:lvl6pPr marL="2286000" indent="0">
-              <a:buNone/>
-              <a:defRPr sz="1600" b="1"/>
-            </a:lvl6pPr>
-            <a:lvl7pPr marL="2743200" indent="0">
-              <a:buNone/>
-              <a:defRPr sz="1600" b="1"/>
-            </a:lvl7pPr>
-            <a:lvl8pPr marL="3200400" indent="0">
-              <a:buNone/>
-              <a:defRPr sz="1600" b="1"/>
-            </a:lvl8pPr>
-            <a:lvl9pPr marL="3657600" indent="0">
-              <a:buNone/>
-              <a:defRPr sz="1600" b="1"/>
-            </a:lvl9pPr>
-          </a:lstStyle>
-          <a:p>
-            <a:pPr lvl="0"/>
-            <a:r>
-              <a:rPr lang="zh-TW" altLang="en-US"/>
-              <a:t>按一下以編輯母片文字樣式</a:t>
-            </a:r>
-          </a:p>
-        </p:txBody>
-      </p:sp>
-      <p:sp>
-        <p:nvSpPr>
-          <p:cNvPr id="6" name="內容版面配置區 5">
-            <a:extLst>
-              <a:ext uri="{FF2B5EF4-FFF2-40B4-BE49-F238E27FC236}">
-                <a16:creationId xmlns:a16="http://schemas.microsoft.com/office/drawing/2014/main" id="{AC2AB8B4-F49C-4138-953D-5AA69A9F2ED5}"/>
-              </a:ext>
-            </a:extLst>
-          </p:cNvPr>
-          <p:cNvSpPr>
-            <a:spLocks noGrp="1"/>
-          </p:cNvSpPr>
-          <p:nvPr>
-            <p:ph sz="quarter" idx="4"/>
-          </p:nvPr>
-        </p:nvSpPr>
-        <p:spPr>
-          <a:xfrm>
-            <a:off x="6172200" y="2505075"/>
-            <a:ext cx="5183188" cy="3684588"/>
-          </a:xfrm>
-        </p:spPr>
-        <p:txBody>
-          <a:bodyPr/>
-          <a:lstStyle/>
-          <a:p>
-            <a:pPr lvl="0"/>
-            <a:r>
-              <a:rPr lang="zh-TW" altLang="en-US"/>
-              <a:t>按一下以編輯母片文字樣式</a:t>
-            </a:r>
-          </a:p>
-          <a:p>
-            <a:pPr lvl="1"/>
-            <a:r>
-              <a:rPr lang="zh-TW" altLang="en-US"/>
-              <a:t>第二層</a:t>
-            </a:r>
-          </a:p>
-          <a:p>
-            <a:pPr lvl="2"/>
-            <a:r>
-              <a:rPr lang="zh-TW" altLang="en-US"/>
-              <a:t>第三層</a:t>
-            </a:r>
-          </a:p>
-          <a:p>
-            <a:pPr lvl="3"/>
-            <a:r>
-              <a:rPr lang="zh-TW" altLang="en-US"/>
-              <a:t>第四層</a:t>
-            </a:r>
-          </a:p>
-          <a:p>
-            <a:pPr lvl="4"/>
-            <a:r>
-              <a:rPr lang="zh-TW" altLang="en-US"/>
-              <a:t>第五層</a:t>
-            </a:r>
-          </a:p>
-        </p:txBody>
-      </p:sp>
-      <p:sp>
-        <p:nvSpPr>
-          <p:cNvPr id="10" name="頁尾版面配置區 4">
-            <a:extLst>
-              <a:ext uri="{FF2B5EF4-FFF2-40B4-BE49-F238E27FC236}">
-                <a16:creationId xmlns:a16="http://schemas.microsoft.com/office/drawing/2014/main" id="{EE0D0455-DB77-4E86-9A44-7A5FDD1DD418}"/>
-              </a:ext>
-            </a:extLst>
-          </p:cNvPr>
-          <p:cNvSpPr txBox="1">
-            <a:spLocks/>
-          </p:cNvSpPr>
-          <p:nvPr/>
-        </p:nvSpPr>
-        <p:spPr>
-          <a:xfrm>
-            <a:off x="0" y="6492875"/>
-            <a:ext cx="2743200" cy="365125"/>
-          </a:xfrm>
-          <a:prstGeom prst="rect">
-            <a:avLst/>
-          </a:prstGeom>
-        </p:spPr>
-        <p:txBody>
-          <a:bodyPr vert="horz" lIns="91440" tIns="45720" rIns="91440" bIns="45720" rtlCol="0" anchor="ctr"/>
-          <a:lstStyle>
-            <a:defPPr>
-              <a:defRPr lang="zh-TW"/>
-            </a:defPPr>
-            <a:lvl1pPr marL="0" algn="l" defTabSz="914400" rtl="0" eaLnBrk="1" latinLnBrk="0" hangingPunct="1">
-              <a:defRPr sz="1200" kern="1200">
-                <a:solidFill>
-                  <a:schemeClr val="tx1">
-                    <a:tint val="75000"/>
-                  </a:schemeClr>
-                </a:solidFill>
-                <a:latin typeface="+mn-lt"/>
-                <a:ea typeface="+mn-ea"/>
-                <a:cs typeface="+mn-cs"/>
-              </a:defRPr>
-            </a:lvl1pPr>
-            <a:lvl2pPr marL="457200" algn="l" defTabSz="914400" rtl="0" eaLnBrk="1" latinLnBrk="0" hangingPunct="1">
-              <a:defRPr sz="1800" kern="1200">
-                <a:solidFill>
-                  <a:schemeClr val="tx1"/>
-                </a:solidFill>
-                <a:latin typeface="+mn-lt"/>
-                <a:ea typeface="+mn-ea"/>
-                <a:cs typeface="+mn-cs"/>
-              </a:defRPr>
-            </a:lvl2pPr>
-            <a:lvl3pPr marL="914400" algn="l" defTabSz="914400" rtl="0" eaLnBrk="1" latinLnBrk="0" hangingPunct="1">
-              <a:defRPr sz="1800" kern="1200">
-                <a:solidFill>
-                  <a:schemeClr val="tx1"/>
-                </a:solidFill>
-                <a:latin typeface="+mn-lt"/>
-                <a:ea typeface="+mn-ea"/>
-                <a:cs typeface="+mn-cs"/>
-              </a:defRPr>
-            </a:lvl3pPr>
-            <a:lvl4pPr marL="1371600" algn="l" defTabSz="914400" rtl="0" eaLnBrk="1" latinLnBrk="0" hangingPunct="1">
-              <a:defRPr sz="1800" kern="1200">
-                <a:solidFill>
-                  <a:schemeClr val="tx1"/>
-                </a:solidFill>
-                <a:latin typeface="+mn-lt"/>
-                <a:ea typeface="+mn-ea"/>
-                <a:cs typeface="+mn-cs"/>
-              </a:defRPr>
-            </a:lvl4pPr>
-            <a:lvl5pPr marL="1828800" algn="l" defTabSz="914400" rtl="0" eaLnBrk="1" latinLnBrk="0" hangingPunct="1">
-              <a:defRPr sz="1800" kern="1200">
-                <a:solidFill>
-                  <a:schemeClr val="tx1"/>
-                </a:solidFill>
-                <a:latin typeface="+mn-lt"/>
-                <a:ea typeface="+mn-ea"/>
-                <a:cs typeface="+mn-cs"/>
-              </a:defRPr>
-            </a:lvl5pPr>
-            <a:lvl6pPr marL="2286000" algn="l" defTabSz="914400" rtl="0" eaLnBrk="1" latinLnBrk="0" hangingPunct="1">
-              <a:defRPr sz="1800" kern="1200">
-                <a:solidFill>
-                  <a:schemeClr val="tx1"/>
-                </a:solidFill>
-                <a:latin typeface="+mn-lt"/>
-                <a:ea typeface="+mn-ea"/>
-                <a:cs typeface="+mn-cs"/>
-              </a:defRPr>
-            </a:lvl6pPr>
-            <a:lvl7pPr marL="2743200" algn="l" defTabSz="914400" rtl="0" eaLnBrk="1" latinLnBrk="0" hangingPunct="1">
-              <a:defRPr sz="1800" kern="1200">
-                <a:solidFill>
-                  <a:schemeClr val="tx1"/>
-                </a:solidFill>
-                <a:latin typeface="+mn-lt"/>
-                <a:ea typeface="+mn-ea"/>
-                <a:cs typeface="+mn-cs"/>
-              </a:defRPr>
-            </a:lvl7pPr>
-            <a:lvl8pPr marL="3200400" algn="l" defTabSz="914400" rtl="0" eaLnBrk="1" latinLnBrk="0" hangingPunct="1">
-              <a:defRPr sz="1800" kern="1200">
-                <a:solidFill>
-                  <a:schemeClr val="tx1"/>
-                </a:solidFill>
-                <a:latin typeface="+mn-lt"/>
-                <a:ea typeface="+mn-ea"/>
-                <a:cs typeface="+mn-cs"/>
-              </a:defRPr>
-            </a:lvl8pPr>
-            <a:lvl9pPr marL="3657600" algn="l" defTabSz="914400" rtl="0" eaLnBrk="1" latinLnBrk="0" hangingPunct="1">
-              <a:defRPr sz="1800" kern="1200">
-                <a:solidFill>
-                  <a:schemeClr val="tx1"/>
-                </a:solidFill>
-                <a:latin typeface="+mn-lt"/>
-                <a:ea typeface="+mn-ea"/>
-                <a:cs typeface="+mn-cs"/>
-              </a:defRPr>
-            </a:lvl9pPr>
-          </a:lstStyle>
-          <a:p>
-            <a:r>
-              <a:rPr lang="en-US" altLang="zh-TW"/>
-              <a:t>TYIC</a:t>
-            </a:r>
-            <a:r>
-              <a:rPr lang="zh-TW" altLang="en-US"/>
-              <a:t>桃高資訊社</a:t>
-            </a:r>
-          </a:p>
-        </p:txBody>
-      </p:sp>
-      <p:sp>
-        <p:nvSpPr>
-          <p:cNvPr id="11" name="投影片編號版面配置區 5">
-            <a:extLst>
-              <a:ext uri="{FF2B5EF4-FFF2-40B4-BE49-F238E27FC236}">
-                <a16:creationId xmlns:a16="http://schemas.microsoft.com/office/drawing/2014/main" id="{61BEB5C0-CA6F-4D05-A5B1-D9B3326D213A}"/>
-              </a:ext>
-            </a:extLst>
-          </p:cNvPr>
-          <p:cNvSpPr txBox="1">
-            <a:spLocks/>
-          </p:cNvSpPr>
-          <p:nvPr/>
-        </p:nvSpPr>
-        <p:spPr>
-          <a:xfrm>
-            <a:off x="9448800" y="6492874"/>
-            <a:ext cx="2743200" cy="365125"/>
-          </a:xfrm>
-          <a:prstGeom prst="rect">
-            <a:avLst/>
-          </a:prstGeom>
-        </p:spPr>
-        <p:txBody>
-          <a:bodyPr vert="horz" lIns="91440" tIns="45720" rIns="91440" bIns="45720" rtlCol="0" anchor="ctr"/>
-          <a:lstStyle>
-            <a:defPPr>
-              <a:defRPr lang="zh-TW"/>
-            </a:defPPr>
-            <a:lvl1pPr marL="0" algn="r" defTabSz="914400" rtl="0" eaLnBrk="1" latinLnBrk="0" hangingPunct="1">
-              <a:defRPr sz="1200" kern="1200">
-                <a:solidFill>
-                  <a:schemeClr val="tx1">
-                    <a:tint val="75000"/>
-                  </a:schemeClr>
-                </a:solidFill>
-                <a:latin typeface="+mn-lt"/>
-                <a:ea typeface="+mn-ea"/>
-                <a:cs typeface="+mn-cs"/>
-              </a:defRPr>
-            </a:lvl1pPr>
-            <a:lvl2pPr marL="457200" algn="l" defTabSz="914400" rtl="0" eaLnBrk="1" latinLnBrk="0" hangingPunct="1">
-              <a:defRPr sz="1800" kern="1200">
-                <a:solidFill>
-                  <a:schemeClr val="tx1"/>
-                </a:solidFill>
-                <a:latin typeface="+mn-lt"/>
-                <a:ea typeface="+mn-ea"/>
-                <a:cs typeface="+mn-cs"/>
-              </a:defRPr>
-            </a:lvl2pPr>
-            <a:lvl3pPr marL="914400" algn="l" defTabSz="914400" rtl="0" eaLnBrk="1" latinLnBrk="0" hangingPunct="1">
-              <a:defRPr sz="1800" kern="1200">
-                <a:solidFill>
-                  <a:schemeClr val="tx1"/>
-                </a:solidFill>
-                <a:latin typeface="+mn-lt"/>
-                <a:ea typeface="+mn-ea"/>
-                <a:cs typeface="+mn-cs"/>
-              </a:defRPr>
-            </a:lvl3pPr>
-            <a:lvl4pPr marL="1371600" algn="l" defTabSz="914400" rtl="0" eaLnBrk="1" latinLnBrk="0" hangingPunct="1">
-              <a:defRPr sz="1800" kern="1200">
-                <a:solidFill>
-                  <a:schemeClr val="tx1"/>
-                </a:solidFill>
-                <a:latin typeface="+mn-lt"/>
-                <a:ea typeface="+mn-ea"/>
-                <a:cs typeface="+mn-cs"/>
-              </a:defRPr>
-            </a:lvl4pPr>
-            <a:lvl5pPr marL="1828800" algn="l" defTabSz="914400" rtl="0" eaLnBrk="1" latinLnBrk="0" hangingPunct="1">
-              <a:defRPr sz="1800" kern="1200">
-                <a:solidFill>
-                  <a:schemeClr val="tx1"/>
-                </a:solidFill>
-                <a:latin typeface="+mn-lt"/>
-                <a:ea typeface="+mn-ea"/>
-                <a:cs typeface="+mn-cs"/>
-              </a:defRPr>
-            </a:lvl5pPr>
-            <a:lvl6pPr marL="2286000" algn="l" defTabSz="914400" rtl="0" eaLnBrk="1" latinLnBrk="0" hangingPunct="1">
-              <a:defRPr sz="1800" kern="1200">
-                <a:solidFill>
-                  <a:schemeClr val="tx1"/>
-                </a:solidFill>
-                <a:latin typeface="+mn-lt"/>
-                <a:ea typeface="+mn-ea"/>
-                <a:cs typeface="+mn-cs"/>
-              </a:defRPr>
-            </a:lvl6pPr>
-            <a:lvl7pPr marL="2743200" algn="l" defTabSz="914400" rtl="0" eaLnBrk="1" latinLnBrk="0" hangingPunct="1">
-              <a:defRPr sz="1800" kern="1200">
-                <a:solidFill>
-                  <a:schemeClr val="tx1"/>
-                </a:solidFill>
-                <a:latin typeface="+mn-lt"/>
-                <a:ea typeface="+mn-ea"/>
-                <a:cs typeface="+mn-cs"/>
-              </a:defRPr>
-            </a:lvl7pPr>
-            <a:lvl8pPr marL="3200400" algn="l" defTabSz="914400" rtl="0" eaLnBrk="1" latinLnBrk="0" hangingPunct="1">
-              <a:defRPr sz="1800" kern="1200">
-                <a:solidFill>
-                  <a:schemeClr val="tx1"/>
-                </a:solidFill>
-                <a:latin typeface="+mn-lt"/>
-                <a:ea typeface="+mn-ea"/>
-                <a:cs typeface="+mn-cs"/>
-              </a:defRPr>
-            </a:lvl8pPr>
-            <a:lvl9pPr marL="3657600" algn="l" defTabSz="914400" rtl="0" eaLnBrk="1" latinLnBrk="0" hangingPunct="1">
-              <a:defRPr sz="1800" kern="1200">
-                <a:solidFill>
-                  <a:schemeClr val="tx1"/>
-                </a:solidFill>
-                <a:latin typeface="+mn-lt"/>
-                <a:ea typeface="+mn-ea"/>
-                <a:cs typeface="+mn-cs"/>
-              </a:defRPr>
-            </a:lvl9pPr>
-          </a:lstStyle>
-          <a:p>
-            <a:fld id="{D4328D90-2A6F-4F23-88A8-C5DCC2B5F307}" type="slidenum">
-              <a:rPr lang="zh-TW" altLang="en-US" smtClean="0"/>
-              <a:pPr/>
-              <a:t>‹#›</a:t>
-            </a:fld>
-            <a:endParaRPr lang="zh-TW" altLang="en-US"/>
-          </a:p>
-        </p:txBody>
-      </p:sp>
-      <p:sp>
-        <p:nvSpPr>
-          <p:cNvPr id="9" name="頁尾版面配置區 4">
-            <a:extLst>
-              <a:ext uri="{FF2B5EF4-FFF2-40B4-BE49-F238E27FC236}">
-                <a16:creationId xmlns:a16="http://schemas.microsoft.com/office/drawing/2014/main" id="{605C848C-2FFE-453B-B32A-6EEEAD465B71}"/>
-              </a:ext>
-            </a:extLst>
-          </p:cNvPr>
-          <p:cNvSpPr txBox="1">
-            <a:spLocks/>
-          </p:cNvSpPr>
-          <p:nvPr/>
-        </p:nvSpPr>
-        <p:spPr>
-          <a:xfrm>
-            <a:off x="0" y="6492875"/>
-            <a:ext cx="2743200" cy="365125"/>
-          </a:xfrm>
-          <a:prstGeom prst="rect">
-            <a:avLst/>
-          </a:prstGeom>
-        </p:spPr>
-        <p:txBody>
-          <a:bodyPr vert="horz" lIns="91440" tIns="45720" rIns="91440" bIns="45720" rtlCol="0" anchor="ctr"/>
-          <a:lstStyle>
-            <a:defPPr>
-              <a:defRPr lang="zh-TW"/>
-            </a:defPPr>
-            <a:lvl1pPr marL="0" algn="l" defTabSz="914400" rtl="0" eaLnBrk="1" latinLnBrk="0" hangingPunct="1">
-              <a:defRPr sz="1200" kern="1200">
-                <a:solidFill>
-                  <a:schemeClr val="tx1">
-                    <a:tint val="75000"/>
-                  </a:schemeClr>
-                </a:solidFill>
-                <a:latin typeface="+mn-lt"/>
-                <a:ea typeface="+mn-ea"/>
-                <a:cs typeface="+mn-cs"/>
-              </a:defRPr>
-            </a:lvl1pPr>
-            <a:lvl2pPr marL="457200" algn="l" defTabSz="914400" rtl="0" eaLnBrk="1" latinLnBrk="0" hangingPunct="1">
-              <a:defRPr sz="1800" kern="1200">
-                <a:solidFill>
-                  <a:schemeClr val="tx1"/>
-                </a:solidFill>
-                <a:latin typeface="+mn-lt"/>
-                <a:ea typeface="+mn-ea"/>
-                <a:cs typeface="+mn-cs"/>
-              </a:defRPr>
-            </a:lvl2pPr>
-            <a:lvl3pPr marL="914400" algn="l" defTabSz="914400" rtl="0" eaLnBrk="1" latinLnBrk="0" hangingPunct="1">
-              <a:defRPr sz="1800" kern="1200">
-                <a:solidFill>
-                  <a:schemeClr val="tx1"/>
-                </a:solidFill>
-                <a:latin typeface="+mn-lt"/>
-                <a:ea typeface="+mn-ea"/>
-                <a:cs typeface="+mn-cs"/>
-              </a:defRPr>
-            </a:lvl3pPr>
-            <a:lvl4pPr marL="1371600" algn="l" defTabSz="914400" rtl="0" eaLnBrk="1" latinLnBrk="0" hangingPunct="1">
-              <a:defRPr sz="1800" kern="1200">
-                <a:solidFill>
-                  <a:schemeClr val="tx1"/>
-                </a:solidFill>
-                <a:latin typeface="+mn-lt"/>
-                <a:ea typeface="+mn-ea"/>
-                <a:cs typeface="+mn-cs"/>
-              </a:defRPr>
-            </a:lvl4pPr>
-            <a:lvl5pPr marL="1828800" algn="l" defTabSz="914400" rtl="0" eaLnBrk="1" latinLnBrk="0" hangingPunct="1">
-              <a:defRPr sz="1800" kern="1200">
-                <a:solidFill>
-                  <a:schemeClr val="tx1"/>
-                </a:solidFill>
-                <a:latin typeface="+mn-lt"/>
-                <a:ea typeface="+mn-ea"/>
-                <a:cs typeface="+mn-cs"/>
-              </a:defRPr>
-            </a:lvl5pPr>
-            <a:lvl6pPr marL="2286000" algn="l" defTabSz="914400" rtl="0" eaLnBrk="1" latinLnBrk="0" hangingPunct="1">
-              <a:defRPr sz="1800" kern="1200">
-                <a:solidFill>
-                  <a:schemeClr val="tx1"/>
-                </a:solidFill>
-                <a:latin typeface="+mn-lt"/>
-                <a:ea typeface="+mn-ea"/>
-                <a:cs typeface="+mn-cs"/>
-              </a:defRPr>
-            </a:lvl6pPr>
-            <a:lvl7pPr marL="2743200" algn="l" defTabSz="914400" rtl="0" eaLnBrk="1" latinLnBrk="0" hangingPunct="1">
-              <a:defRPr sz="1800" kern="1200">
-                <a:solidFill>
-                  <a:schemeClr val="tx1"/>
-                </a:solidFill>
-                <a:latin typeface="+mn-lt"/>
-                <a:ea typeface="+mn-ea"/>
-                <a:cs typeface="+mn-cs"/>
-              </a:defRPr>
-            </a:lvl7pPr>
-            <a:lvl8pPr marL="3200400" algn="l" defTabSz="914400" rtl="0" eaLnBrk="1" latinLnBrk="0" hangingPunct="1">
-              <a:defRPr sz="1800" kern="1200">
-                <a:solidFill>
-                  <a:schemeClr val="tx1"/>
-                </a:solidFill>
-                <a:latin typeface="+mn-lt"/>
-                <a:ea typeface="+mn-ea"/>
-                <a:cs typeface="+mn-cs"/>
-              </a:defRPr>
-            </a:lvl8pPr>
-            <a:lvl9pPr marL="3657600" algn="l" defTabSz="914400" rtl="0" eaLnBrk="1" latinLnBrk="0" hangingPunct="1">
-              <a:defRPr sz="1800" kern="1200">
-                <a:solidFill>
-                  <a:schemeClr val="tx1"/>
-                </a:solidFill>
-                <a:latin typeface="+mn-lt"/>
-                <a:ea typeface="+mn-ea"/>
-                <a:cs typeface="+mn-cs"/>
-              </a:defRPr>
-            </a:lvl9pPr>
-          </a:lstStyle>
-          <a:p>
-            <a:r>
-              <a:rPr lang="en-US" altLang="zh-TW" dirty="0"/>
-              <a:t>TYIC</a:t>
-            </a:r>
-            <a:r>
-              <a:rPr lang="zh-TW" altLang="en-US"/>
-              <a:t>桃高資訊社</a:t>
-            </a:r>
-          </a:p>
-        </p:txBody>
-      </p:sp>
-      <p:sp>
-        <p:nvSpPr>
-          <p:cNvPr id="12" name="投影片編號版面配置區 5">
-            <a:extLst>
-              <a:ext uri="{FF2B5EF4-FFF2-40B4-BE49-F238E27FC236}">
-                <a16:creationId xmlns:a16="http://schemas.microsoft.com/office/drawing/2014/main" id="{BA25B8BA-C96A-4CF8-B988-C05CD53A4761}"/>
-              </a:ext>
-            </a:extLst>
-          </p:cNvPr>
-          <p:cNvSpPr txBox="1">
-            <a:spLocks/>
-          </p:cNvSpPr>
-          <p:nvPr/>
-        </p:nvSpPr>
-        <p:spPr>
-          <a:xfrm>
-            <a:off x="9448800" y="6492874"/>
-            <a:ext cx="2743200" cy="365125"/>
-          </a:xfrm>
-          <a:prstGeom prst="rect">
-            <a:avLst/>
-          </a:prstGeom>
-        </p:spPr>
-        <p:txBody>
-          <a:bodyPr vert="horz" lIns="91440" tIns="45720" rIns="91440" bIns="45720" rtlCol="0" anchor="ctr"/>
-          <a:lstStyle>
-            <a:defPPr>
-              <a:defRPr lang="zh-TW"/>
-            </a:defPPr>
-            <a:lvl1pPr marL="0" algn="r" defTabSz="914400" rtl="0" eaLnBrk="1" latinLnBrk="0" hangingPunct="1">
-              <a:defRPr sz="1200" kern="1200">
-                <a:solidFill>
-                  <a:schemeClr val="tx1">
-                    <a:tint val="75000"/>
-                  </a:schemeClr>
-                </a:solidFill>
-                <a:latin typeface="+mn-lt"/>
-                <a:ea typeface="+mn-ea"/>
-                <a:cs typeface="+mn-cs"/>
-              </a:defRPr>
-            </a:lvl1pPr>
-            <a:lvl2pPr marL="457200" algn="l" defTabSz="914400" rtl="0" eaLnBrk="1" latinLnBrk="0" hangingPunct="1">
-              <a:defRPr sz="1800" kern="1200">
-                <a:solidFill>
-                  <a:schemeClr val="tx1"/>
-                </a:solidFill>
-                <a:latin typeface="+mn-lt"/>
-                <a:ea typeface="+mn-ea"/>
-                <a:cs typeface="+mn-cs"/>
-              </a:defRPr>
-            </a:lvl2pPr>
-            <a:lvl3pPr marL="914400" algn="l" defTabSz="914400" rtl="0" eaLnBrk="1" latinLnBrk="0" hangingPunct="1">
-              <a:defRPr sz="1800" kern="1200">
-                <a:solidFill>
-                  <a:schemeClr val="tx1"/>
-                </a:solidFill>
-                <a:latin typeface="+mn-lt"/>
-                <a:ea typeface="+mn-ea"/>
-                <a:cs typeface="+mn-cs"/>
-              </a:defRPr>
-            </a:lvl3pPr>
-            <a:lvl4pPr marL="1371600" algn="l" defTabSz="914400" rtl="0" eaLnBrk="1" latinLnBrk="0" hangingPunct="1">
-              <a:defRPr sz="1800" kern="1200">
-                <a:solidFill>
-                  <a:schemeClr val="tx1"/>
-                </a:solidFill>
-                <a:latin typeface="+mn-lt"/>
-                <a:ea typeface="+mn-ea"/>
-                <a:cs typeface="+mn-cs"/>
-              </a:defRPr>
-            </a:lvl4pPr>
-            <a:lvl5pPr marL="1828800" algn="l" defTabSz="914400" rtl="0" eaLnBrk="1" latinLnBrk="0" hangingPunct="1">
-              <a:defRPr sz="1800" kern="1200">
-                <a:solidFill>
-                  <a:schemeClr val="tx1"/>
-                </a:solidFill>
-                <a:latin typeface="+mn-lt"/>
-                <a:ea typeface="+mn-ea"/>
-                <a:cs typeface="+mn-cs"/>
-              </a:defRPr>
-            </a:lvl5pPr>
-            <a:lvl6pPr marL="2286000" algn="l" defTabSz="914400" rtl="0" eaLnBrk="1" latinLnBrk="0" hangingPunct="1">
-              <a:defRPr sz="1800" kern="1200">
-                <a:solidFill>
-                  <a:schemeClr val="tx1"/>
-                </a:solidFill>
-                <a:latin typeface="+mn-lt"/>
-                <a:ea typeface="+mn-ea"/>
-                <a:cs typeface="+mn-cs"/>
-              </a:defRPr>
-            </a:lvl6pPr>
-            <a:lvl7pPr marL="2743200" algn="l" defTabSz="914400" rtl="0" eaLnBrk="1" latinLnBrk="0" hangingPunct="1">
-              <a:defRPr sz="1800" kern="1200">
-                <a:solidFill>
-                  <a:schemeClr val="tx1"/>
-                </a:solidFill>
-                <a:latin typeface="+mn-lt"/>
-                <a:ea typeface="+mn-ea"/>
-                <a:cs typeface="+mn-cs"/>
-              </a:defRPr>
-            </a:lvl7pPr>
-            <a:lvl8pPr marL="3200400" algn="l" defTabSz="914400" rtl="0" eaLnBrk="1" latinLnBrk="0" hangingPunct="1">
-              <a:defRPr sz="1800" kern="1200">
-                <a:solidFill>
-                  <a:schemeClr val="tx1"/>
-                </a:solidFill>
-                <a:latin typeface="+mn-lt"/>
-                <a:ea typeface="+mn-ea"/>
-                <a:cs typeface="+mn-cs"/>
-              </a:defRPr>
-            </a:lvl8pPr>
-            <a:lvl9pPr marL="3657600" algn="l" defTabSz="914400" rtl="0" eaLnBrk="1" latinLnBrk="0" hangingPunct="1">
-              <a:defRPr sz="1800" kern="1200">
-                <a:solidFill>
-                  <a:schemeClr val="tx1"/>
-                </a:solidFill>
-                <a:latin typeface="+mn-lt"/>
-                <a:ea typeface="+mn-ea"/>
-                <a:cs typeface="+mn-cs"/>
-              </a:defRPr>
-            </a:lvl9pPr>
-          </a:lstStyle>
-          <a:p>
-            <a:fld id="{D4328D90-2A6F-4F23-88A8-C5DCC2B5F307}" type="slidenum">
-              <a:rPr lang="zh-TW" altLang="en-US" smtClean="0"/>
-              <a:pPr/>
-              <a:t>‹#›</a:t>
-            </a:fld>
-            <a:endParaRPr lang="zh-TW" altLang="en-US"/>
-          </a:p>
-        </p:txBody>
-      </p:sp>
-    </p:spTree>
-    <p:extLst>
-      <p:ext uri="{BB962C8B-B14F-4D97-AF65-F5344CB8AC3E}">
-        <p14:creationId xmlns:p14="http://schemas.microsoft.com/office/powerpoint/2010/main" val="2545998704"/>
-      </p:ext>
-    </p:extLst>
-  </p:cSld>
-  <p:clrMapOvr>
-    <a:masterClrMapping/>
-  </p:clrMapOvr>
-  <p:transition spd="slow">
-    <p:push dir="u"/>
-  </p:transition>
-</p:sldLayout>
-</file>
-
-<file path=ppt/slideLayouts/slideLayout6.xml><?xml version="1.0" encoding="utf-8"?>
 <p:sldLayout xmlns:a="http://schemas.openxmlformats.org/drawingml/2006/main" xmlns:r="http://schemas.openxmlformats.org/officeDocument/2006/relationships" xmlns:p="http://schemas.openxmlformats.org/presentationml/2006/main" type="titleOnly" preserve="1">
   <p:cSld name="只有標題">
     <p:spTree>
@@ -5452,7 +1428,7 @@
             </a:r>
             <a:r>
               <a:rPr lang="zh-TW" altLang="en-US"/>
-              <a:t>桃高資訊社</a:t>
+              <a:t> 桃高資訊社</a:t>
             </a:r>
           </a:p>
         </p:txBody>
@@ -5589,276 +1565,10 @@
           </a:p>
         </p:txBody>
       </p:sp>
-      <p:sp>
-        <p:nvSpPr>
-          <p:cNvPr id="5" name="頁尾版面配置區 4">
-            <a:extLst>
-              <a:ext uri="{FF2B5EF4-FFF2-40B4-BE49-F238E27FC236}">
-                <a16:creationId xmlns:a16="http://schemas.microsoft.com/office/drawing/2014/main" id="{D8E74B65-EAF7-495F-B1FC-F79D9D03475E}"/>
-              </a:ext>
-            </a:extLst>
-          </p:cNvPr>
-          <p:cNvSpPr txBox="1">
-            <a:spLocks/>
-          </p:cNvSpPr>
-          <p:nvPr/>
-        </p:nvSpPr>
-        <p:spPr>
-          <a:xfrm>
-            <a:off x="0" y="6492875"/>
-            <a:ext cx="2743200" cy="365125"/>
-          </a:xfrm>
-          <a:prstGeom prst="rect">
-            <a:avLst/>
-          </a:prstGeom>
-        </p:spPr>
-        <p:txBody>
-          <a:bodyPr vert="horz" lIns="91440" tIns="45720" rIns="91440" bIns="45720" rtlCol="0" anchor="ctr"/>
-          <a:lstStyle>
-            <a:defPPr>
-              <a:defRPr lang="zh-TW"/>
-            </a:defPPr>
-            <a:lvl1pPr marL="0" algn="l" defTabSz="914400" rtl="0" eaLnBrk="1" latinLnBrk="0" hangingPunct="1">
-              <a:defRPr sz="1200" kern="1200">
-                <a:solidFill>
-                  <a:schemeClr val="tx1">
-                    <a:tint val="75000"/>
-                  </a:schemeClr>
-                </a:solidFill>
-                <a:latin typeface="+mn-lt"/>
-                <a:ea typeface="+mn-ea"/>
-                <a:cs typeface="+mn-cs"/>
-              </a:defRPr>
-            </a:lvl1pPr>
-            <a:lvl2pPr marL="457200" algn="l" defTabSz="914400" rtl="0" eaLnBrk="1" latinLnBrk="0" hangingPunct="1">
-              <a:defRPr sz="1800" kern="1200">
-                <a:solidFill>
-                  <a:schemeClr val="tx1"/>
-                </a:solidFill>
-                <a:latin typeface="+mn-lt"/>
-                <a:ea typeface="+mn-ea"/>
-                <a:cs typeface="+mn-cs"/>
-              </a:defRPr>
-            </a:lvl2pPr>
-            <a:lvl3pPr marL="914400" algn="l" defTabSz="914400" rtl="0" eaLnBrk="1" latinLnBrk="0" hangingPunct="1">
-              <a:defRPr sz="1800" kern="1200">
-                <a:solidFill>
-                  <a:schemeClr val="tx1"/>
-                </a:solidFill>
-                <a:latin typeface="+mn-lt"/>
-                <a:ea typeface="+mn-ea"/>
-                <a:cs typeface="+mn-cs"/>
-              </a:defRPr>
-            </a:lvl3pPr>
-            <a:lvl4pPr marL="1371600" algn="l" defTabSz="914400" rtl="0" eaLnBrk="1" latinLnBrk="0" hangingPunct="1">
-              <a:defRPr sz="1800" kern="1200">
-                <a:solidFill>
-                  <a:schemeClr val="tx1"/>
-                </a:solidFill>
-                <a:latin typeface="+mn-lt"/>
-                <a:ea typeface="+mn-ea"/>
-                <a:cs typeface="+mn-cs"/>
-              </a:defRPr>
-            </a:lvl4pPr>
-            <a:lvl5pPr marL="1828800" algn="l" defTabSz="914400" rtl="0" eaLnBrk="1" latinLnBrk="0" hangingPunct="1">
-              <a:defRPr sz="1800" kern="1200">
-                <a:solidFill>
-                  <a:schemeClr val="tx1"/>
-                </a:solidFill>
-                <a:latin typeface="+mn-lt"/>
-                <a:ea typeface="+mn-ea"/>
-                <a:cs typeface="+mn-cs"/>
-              </a:defRPr>
-            </a:lvl5pPr>
-            <a:lvl6pPr marL="2286000" algn="l" defTabSz="914400" rtl="0" eaLnBrk="1" latinLnBrk="0" hangingPunct="1">
-              <a:defRPr sz="1800" kern="1200">
-                <a:solidFill>
-                  <a:schemeClr val="tx1"/>
-                </a:solidFill>
-                <a:latin typeface="+mn-lt"/>
-                <a:ea typeface="+mn-ea"/>
-                <a:cs typeface="+mn-cs"/>
-              </a:defRPr>
-            </a:lvl6pPr>
-            <a:lvl7pPr marL="2743200" algn="l" defTabSz="914400" rtl="0" eaLnBrk="1" latinLnBrk="0" hangingPunct="1">
-              <a:defRPr sz="1800" kern="1200">
-                <a:solidFill>
-                  <a:schemeClr val="tx1"/>
-                </a:solidFill>
-                <a:latin typeface="+mn-lt"/>
-                <a:ea typeface="+mn-ea"/>
-                <a:cs typeface="+mn-cs"/>
-              </a:defRPr>
-            </a:lvl7pPr>
-            <a:lvl8pPr marL="3200400" algn="l" defTabSz="914400" rtl="0" eaLnBrk="1" latinLnBrk="0" hangingPunct="1">
-              <a:defRPr sz="1800" kern="1200">
-                <a:solidFill>
-                  <a:schemeClr val="tx1"/>
-                </a:solidFill>
-                <a:latin typeface="+mn-lt"/>
-                <a:ea typeface="+mn-ea"/>
-                <a:cs typeface="+mn-cs"/>
-              </a:defRPr>
-            </a:lvl8pPr>
-            <a:lvl9pPr marL="3657600" algn="l" defTabSz="914400" rtl="0" eaLnBrk="1" latinLnBrk="0" hangingPunct="1">
-              <a:defRPr sz="1800" kern="1200">
-                <a:solidFill>
-                  <a:schemeClr val="tx1"/>
-                </a:solidFill>
-                <a:latin typeface="+mn-lt"/>
-                <a:ea typeface="+mn-ea"/>
-                <a:cs typeface="+mn-cs"/>
-              </a:defRPr>
-            </a:lvl9pPr>
-          </a:lstStyle>
-          <a:p>
-            <a:r>
-              <a:rPr lang="en-US" altLang="zh-TW" dirty="0"/>
-              <a:t>TYIC</a:t>
-            </a:r>
-            <a:r>
-              <a:rPr lang="zh-TW" altLang="en-US"/>
-              <a:t>桃高資訊社</a:t>
-            </a:r>
-          </a:p>
-        </p:txBody>
-      </p:sp>
-      <p:sp>
-        <p:nvSpPr>
-          <p:cNvPr id="8" name="投影片編號版面配置區 5">
-            <a:extLst>
-              <a:ext uri="{FF2B5EF4-FFF2-40B4-BE49-F238E27FC236}">
-                <a16:creationId xmlns:a16="http://schemas.microsoft.com/office/drawing/2014/main" id="{9D527980-0A68-41A1-8AEA-310C2B755958}"/>
-              </a:ext>
-            </a:extLst>
-          </p:cNvPr>
-          <p:cNvSpPr txBox="1">
-            <a:spLocks/>
-          </p:cNvSpPr>
-          <p:nvPr/>
-        </p:nvSpPr>
-        <p:spPr>
-          <a:xfrm>
-            <a:off x="9448800" y="6492874"/>
-            <a:ext cx="2743200" cy="365125"/>
-          </a:xfrm>
-          <a:prstGeom prst="rect">
-            <a:avLst/>
-          </a:prstGeom>
-        </p:spPr>
-        <p:txBody>
-          <a:bodyPr vert="horz" lIns="91440" tIns="45720" rIns="91440" bIns="45720" rtlCol="0" anchor="ctr"/>
-          <a:lstStyle>
-            <a:defPPr>
-              <a:defRPr lang="zh-TW"/>
-            </a:defPPr>
-            <a:lvl1pPr marL="0" algn="r" defTabSz="914400" rtl="0" eaLnBrk="1" latinLnBrk="0" hangingPunct="1">
-              <a:defRPr sz="1200" kern="1200">
-                <a:solidFill>
-                  <a:schemeClr val="tx1">
-                    <a:tint val="75000"/>
-                  </a:schemeClr>
-                </a:solidFill>
-                <a:latin typeface="+mn-lt"/>
-                <a:ea typeface="+mn-ea"/>
-                <a:cs typeface="+mn-cs"/>
-              </a:defRPr>
-            </a:lvl1pPr>
-            <a:lvl2pPr marL="457200" algn="l" defTabSz="914400" rtl="0" eaLnBrk="1" latinLnBrk="0" hangingPunct="1">
-              <a:defRPr sz="1800" kern="1200">
-                <a:solidFill>
-                  <a:schemeClr val="tx1"/>
-                </a:solidFill>
-                <a:latin typeface="+mn-lt"/>
-                <a:ea typeface="+mn-ea"/>
-                <a:cs typeface="+mn-cs"/>
-              </a:defRPr>
-            </a:lvl2pPr>
-            <a:lvl3pPr marL="914400" algn="l" defTabSz="914400" rtl="0" eaLnBrk="1" latinLnBrk="0" hangingPunct="1">
-              <a:defRPr sz="1800" kern="1200">
-                <a:solidFill>
-                  <a:schemeClr val="tx1"/>
-                </a:solidFill>
-                <a:latin typeface="+mn-lt"/>
-                <a:ea typeface="+mn-ea"/>
-                <a:cs typeface="+mn-cs"/>
-              </a:defRPr>
-            </a:lvl3pPr>
-            <a:lvl4pPr marL="1371600" algn="l" defTabSz="914400" rtl="0" eaLnBrk="1" latinLnBrk="0" hangingPunct="1">
-              <a:defRPr sz="1800" kern="1200">
-                <a:solidFill>
-                  <a:schemeClr val="tx1"/>
-                </a:solidFill>
-                <a:latin typeface="+mn-lt"/>
-                <a:ea typeface="+mn-ea"/>
-                <a:cs typeface="+mn-cs"/>
-              </a:defRPr>
-            </a:lvl4pPr>
-            <a:lvl5pPr marL="1828800" algn="l" defTabSz="914400" rtl="0" eaLnBrk="1" latinLnBrk="0" hangingPunct="1">
-              <a:defRPr sz="1800" kern="1200">
-                <a:solidFill>
-                  <a:schemeClr val="tx1"/>
-                </a:solidFill>
-                <a:latin typeface="+mn-lt"/>
-                <a:ea typeface="+mn-ea"/>
-                <a:cs typeface="+mn-cs"/>
-              </a:defRPr>
-            </a:lvl5pPr>
-            <a:lvl6pPr marL="2286000" algn="l" defTabSz="914400" rtl="0" eaLnBrk="1" latinLnBrk="0" hangingPunct="1">
-              <a:defRPr sz="1800" kern="1200">
-                <a:solidFill>
-                  <a:schemeClr val="tx1"/>
-                </a:solidFill>
-                <a:latin typeface="+mn-lt"/>
-                <a:ea typeface="+mn-ea"/>
-                <a:cs typeface="+mn-cs"/>
-              </a:defRPr>
-            </a:lvl6pPr>
-            <a:lvl7pPr marL="2743200" algn="l" defTabSz="914400" rtl="0" eaLnBrk="1" latinLnBrk="0" hangingPunct="1">
-              <a:defRPr sz="1800" kern="1200">
-                <a:solidFill>
-                  <a:schemeClr val="tx1"/>
-                </a:solidFill>
-                <a:latin typeface="+mn-lt"/>
-                <a:ea typeface="+mn-ea"/>
-                <a:cs typeface="+mn-cs"/>
-              </a:defRPr>
-            </a:lvl7pPr>
-            <a:lvl8pPr marL="3200400" algn="l" defTabSz="914400" rtl="0" eaLnBrk="1" latinLnBrk="0" hangingPunct="1">
-              <a:defRPr sz="1800" kern="1200">
-                <a:solidFill>
-                  <a:schemeClr val="tx1"/>
-                </a:solidFill>
-                <a:latin typeface="+mn-lt"/>
-                <a:ea typeface="+mn-ea"/>
-                <a:cs typeface="+mn-cs"/>
-              </a:defRPr>
-            </a:lvl8pPr>
-            <a:lvl9pPr marL="3657600" algn="l" defTabSz="914400" rtl="0" eaLnBrk="1" latinLnBrk="0" hangingPunct="1">
-              <a:defRPr sz="1800" kern="1200">
-                <a:solidFill>
-                  <a:schemeClr val="tx1"/>
-                </a:solidFill>
-                <a:latin typeface="+mn-lt"/>
-                <a:ea typeface="+mn-ea"/>
-                <a:cs typeface="+mn-cs"/>
-              </a:defRPr>
-            </a:lvl9pPr>
-          </a:lstStyle>
-          <a:p>
-            <a:fld id="{D4328D90-2A6F-4F23-88A8-C5DCC2B5F307}" type="slidenum">
-              <a:rPr lang="zh-TW" altLang="en-US" smtClean="0"/>
-              <a:pPr/>
-              <a:t>‹#›</a:t>
-            </a:fld>
-            <a:endParaRPr lang="zh-TW" altLang="en-US"/>
-          </a:p>
-        </p:txBody>
-      </p:sp>
     </p:spTree>
     <p:extLst>
       <p:ext uri="{BB962C8B-B14F-4D97-AF65-F5344CB8AC3E}">
-        <p14:creationId xmlns:p14="http://schemas.microsoft.com/office/powerpoint/2010/main" val="1737658761"/>
+        <p14:creationId xmlns:p14="http://schemas.microsoft.com/office/powerpoint/2010/main" val="2632564257"/>
       </p:ext>
     </p:extLst>
   </p:cSld>
@@ -5871,7 +1581,7 @@
 </p:sldLayout>
 </file>
 
-<file path=ppt/slideLayouts/slideLayout7.xml><?xml version="1.0" encoding="utf-8"?>
+<file path=ppt/slideLayouts/slideLayout4.xml><?xml version="1.0" encoding="utf-8"?>
 <p:sldLayout xmlns:a="http://schemas.openxmlformats.org/drawingml/2006/main" xmlns:r="http://schemas.openxmlformats.org/officeDocument/2006/relationships" xmlns:p="http://schemas.openxmlformats.org/presentationml/2006/main" type="blank" preserve="1">
   <p:cSld name="空白">
     <p:spTree>
@@ -6017,7 +1727,7 @@
             </a:r>
             <a:r>
               <a:rPr lang="zh-TW" altLang="en-US"/>
-              <a:t>桃高資訊社</a:t>
+              <a:t> 桃高資訊社</a:t>
             </a:r>
           </a:p>
         </p:txBody>
@@ -6154,1782 +1864,10 @@
           </a:p>
         </p:txBody>
       </p:sp>
-      <p:sp>
-        <p:nvSpPr>
-          <p:cNvPr id="4" name="頁尾版面配置區 4">
-            <a:extLst>
-              <a:ext uri="{FF2B5EF4-FFF2-40B4-BE49-F238E27FC236}">
-                <a16:creationId xmlns:a16="http://schemas.microsoft.com/office/drawing/2014/main" id="{DE9530A3-8E8B-4035-8447-3C54676CB584}"/>
-              </a:ext>
-            </a:extLst>
-          </p:cNvPr>
-          <p:cNvSpPr txBox="1">
-            <a:spLocks/>
-          </p:cNvSpPr>
-          <p:nvPr/>
-        </p:nvSpPr>
-        <p:spPr>
-          <a:xfrm>
-            <a:off x="0" y="6492875"/>
-            <a:ext cx="2743200" cy="365125"/>
-          </a:xfrm>
-          <a:prstGeom prst="rect">
-            <a:avLst/>
-          </a:prstGeom>
-        </p:spPr>
-        <p:txBody>
-          <a:bodyPr vert="horz" lIns="91440" tIns="45720" rIns="91440" bIns="45720" rtlCol="0" anchor="ctr"/>
-          <a:lstStyle>
-            <a:defPPr>
-              <a:defRPr lang="zh-TW"/>
-            </a:defPPr>
-            <a:lvl1pPr marL="0" algn="l" defTabSz="914400" rtl="0" eaLnBrk="1" latinLnBrk="0" hangingPunct="1">
-              <a:defRPr sz="1200" kern="1200">
-                <a:solidFill>
-                  <a:schemeClr val="tx1">
-                    <a:tint val="75000"/>
-                  </a:schemeClr>
-                </a:solidFill>
-                <a:latin typeface="+mn-lt"/>
-                <a:ea typeface="+mn-ea"/>
-                <a:cs typeface="+mn-cs"/>
-              </a:defRPr>
-            </a:lvl1pPr>
-            <a:lvl2pPr marL="457200" algn="l" defTabSz="914400" rtl="0" eaLnBrk="1" latinLnBrk="0" hangingPunct="1">
-              <a:defRPr sz="1800" kern="1200">
-                <a:solidFill>
-                  <a:schemeClr val="tx1"/>
-                </a:solidFill>
-                <a:latin typeface="+mn-lt"/>
-                <a:ea typeface="+mn-ea"/>
-                <a:cs typeface="+mn-cs"/>
-              </a:defRPr>
-            </a:lvl2pPr>
-            <a:lvl3pPr marL="914400" algn="l" defTabSz="914400" rtl="0" eaLnBrk="1" latinLnBrk="0" hangingPunct="1">
-              <a:defRPr sz="1800" kern="1200">
-                <a:solidFill>
-                  <a:schemeClr val="tx1"/>
-                </a:solidFill>
-                <a:latin typeface="+mn-lt"/>
-                <a:ea typeface="+mn-ea"/>
-                <a:cs typeface="+mn-cs"/>
-              </a:defRPr>
-            </a:lvl3pPr>
-            <a:lvl4pPr marL="1371600" algn="l" defTabSz="914400" rtl="0" eaLnBrk="1" latinLnBrk="0" hangingPunct="1">
-              <a:defRPr sz="1800" kern="1200">
-                <a:solidFill>
-                  <a:schemeClr val="tx1"/>
-                </a:solidFill>
-                <a:latin typeface="+mn-lt"/>
-                <a:ea typeface="+mn-ea"/>
-                <a:cs typeface="+mn-cs"/>
-              </a:defRPr>
-            </a:lvl4pPr>
-            <a:lvl5pPr marL="1828800" algn="l" defTabSz="914400" rtl="0" eaLnBrk="1" latinLnBrk="0" hangingPunct="1">
-              <a:defRPr sz="1800" kern="1200">
-                <a:solidFill>
-                  <a:schemeClr val="tx1"/>
-                </a:solidFill>
-                <a:latin typeface="+mn-lt"/>
-                <a:ea typeface="+mn-ea"/>
-                <a:cs typeface="+mn-cs"/>
-              </a:defRPr>
-            </a:lvl5pPr>
-            <a:lvl6pPr marL="2286000" algn="l" defTabSz="914400" rtl="0" eaLnBrk="1" latinLnBrk="0" hangingPunct="1">
-              <a:defRPr sz="1800" kern="1200">
-                <a:solidFill>
-                  <a:schemeClr val="tx1"/>
-                </a:solidFill>
-                <a:latin typeface="+mn-lt"/>
-                <a:ea typeface="+mn-ea"/>
-                <a:cs typeface="+mn-cs"/>
-              </a:defRPr>
-            </a:lvl6pPr>
-            <a:lvl7pPr marL="2743200" algn="l" defTabSz="914400" rtl="0" eaLnBrk="1" latinLnBrk="0" hangingPunct="1">
-              <a:defRPr sz="1800" kern="1200">
-                <a:solidFill>
-                  <a:schemeClr val="tx1"/>
-                </a:solidFill>
-                <a:latin typeface="+mn-lt"/>
-                <a:ea typeface="+mn-ea"/>
-                <a:cs typeface="+mn-cs"/>
-              </a:defRPr>
-            </a:lvl7pPr>
-            <a:lvl8pPr marL="3200400" algn="l" defTabSz="914400" rtl="0" eaLnBrk="1" latinLnBrk="0" hangingPunct="1">
-              <a:defRPr sz="1800" kern="1200">
-                <a:solidFill>
-                  <a:schemeClr val="tx1"/>
-                </a:solidFill>
-                <a:latin typeface="+mn-lt"/>
-                <a:ea typeface="+mn-ea"/>
-                <a:cs typeface="+mn-cs"/>
-              </a:defRPr>
-            </a:lvl8pPr>
-            <a:lvl9pPr marL="3657600" algn="l" defTabSz="914400" rtl="0" eaLnBrk="1" latinLnBrk="0" hangingPunct="1">
-              <a:defRPr sz="1800" kern="1200">
-                <a:solidFill>
-                  <a:schemeClr val="tx1"/>
-                </a:solidFill>
-                <a:latin typeface="+mn-lt"/>
-                <a:ea typeface="+mn-ea"/>
-                <a:cs typeface="+mn-cs"/>
-              </a:defRPr>
-            </a:lvl9pPr>
-          </a:lstStyle>
-          <a:p>
-            <a:r>
-              <a:rPr lang="en-US" altLang="zh-TW" dirty="0"/>
-              <a:t>TYIC</a:t>
-            </a:r>
-            <a:r>
-              <a:rPr lang="zh-TW" altLang="en-US"/>
-              <a:t>桃高資訊社</a:t>
-            </a:r>
-          </a:p>
-        </p:txBody>
-      </p:sp>
-      <p:sp>
-        <p:nvSpPr>
-          <p:cNvPr id="7" name="投影片編號版面配置區 5">
-            <a:extLst>
-              <a:ext uri="{FF2B5EF4-FFF2-40B4-BE49-F238E27FC236}">
-                <a16:creationId xmlns:a16="http://schemas.microsoft.com/office/drawing/2014/main" id="{A1767755-B60F-4671-8CA1-A778B3D23A26}"/>
-              </a:ext>
-            </a:extLst>
-          </p:cNvPr>
-          <p:cNvSpPr txBox="1">
-            <a:spLocks/>
-          </p:cNvSpPr>
-          <p:nvPr/>
-        </p:nvSpPr>
-        <p:spPr>
-          <a:xfrm>
-            <a:off x="9448800" y="6492874"/>
-            <a:ext cx="2743200" cy="365125"/>
-          </a:xfrm>
-          <a:prstGeom prst="rect">
-            <a:avLst/>
-          </a:prstGeom>
-        </p:spPr>
-        <p:txBody>
-          <a:bodyPr vert="horz" lIns="91440" tIns="45720" rIns="91440" bIns="45720" rtlCol="0" anchor="ctr"/>
-          <a:lstStyle>
-            <a:defPPr>
-              <a:defRPr lang="zh-TW"/>
-            </a:defPPr>
-            <a:lvl1pPr marL="0" algn="r" defTabSz="914400" rtl="0" eaLnBrk="1" latinLnBrk="0" hangingPunct="1">
-              <a:defRPr sz="1200" kern="1200">
-                <a:solidFill>
-                  <a:schemeClr val="tx1">
-                    <a:tint val="75000"/>
-                  </a:schemeClr>
-                </a:solidFill>
-                <a:latin typeface="+mn-lt"/>
-                <a:ea typeface="+mn-ea"/>
-                <a:cs typeface="+mn-cs"/>
-              </a:defRPr>
-            </a:lvl1pPr>
-            <a:lvl2pPr marL="457200" algn="l" defTabSz="914400" rtl="0" eaLnBrk="1" latinLnBrk="0" hangingPunct="1">
-              <a:defRPr sz="1800" kern="1200">
-                <a:solidFill>
-                  <a:schemeClr val="tx1"/>
-                </a:solidFill>
-                <a:latin typeface="+mn-lt"/>
-                <a:ea typeface="+mn-ea"/>
-                <a:cs typeface="+mn-cs"/>
-              </a:defRPr>
-            </a:lvl2pPr>
-            <a:lvl3pPr marL="914400" algn="l" defTabSz="914400" rtl="0" eaLnBrk="1" latinLnBrk="0" hangingPunct="1">
-              <a:defRPr sz="1800" kern="1200">
-                <a:solidFill>
-                  <a:schemeClr val="tx1"/>
-                </a:solidFill>
-                <a:latin typeface="+mn-lt"/>
-                <a:ea typeface="+mn-ea"/>
-                <a:cs typeface="+mn-cs"/>
-              </a:defRPr>
-            </a:lvl3pPr>
-            <a:lvl4pPr marL="1371600" algn="l" defTabSz="914400" rtl="0" eaLnBrk="1" latinLnBrk="0" hangingPunct="1">
-              <a:defRPr sz="1800" kern="1200">
-                <a:solidFill>
-                  <a:schemeClr val="tx1"/>
-                </a:solidFill>
-                <a:latin typeface="+mn-lt"/>
-                <a:ea typeface="+mn-ea"/>
-                <a:cs typeface="+mn-cs"/>
-              </a:defRPr>
-            </a:lvl4pPr>
-            <a:lvl5pPr marL="1828800" algn="l" defTabSz="914400" rtl="0" eaLnBrk="1" latinLnBrk="0" hangingPunct="1">
-              <a:defRPr sz="1800" kern="1200">
-                <a:solidFill>
-                  <a:schemeClr val="tx1"/>
-                </a:solidFill>
-                <a:latin typeface="+mn-lt"/>
-                <a:ea typeface="+mn-ea"/>
-                <a:cs typeface="+mn-cs"/>
-              </a:defRPr>
-            </a:lvl5pPr>
-            <a:lvl6pPr marL="2286000" algn="l" defTabSz="914400" rtl="0" eaLnBrk="1" latinLnBrk="0" hangingPunct="1">
-              <a:defRPr sz="1800" kern="1200">
-                <a:solidFill>
-                  <a:schemeClr val="tx1"/>
-                </a:solidFill>
-                <a:latin typeface="+mn-lt"/>
-                <a:ea typeface="+mn-ea"/>
-                <a:cs typeface="+mn-cs"/>
-              </a:defRPr>
-            </a:lvl6pPr>
-            <a:lvl7pPr marL="2743200" algn="l" defTabSz="914400" rtl="0" eaLnBrk="1" latinLnBrk="0" hangingPunct="1">
-              <a:defRPr sz="1800" kern="1200">
-                <a:solidFill>
-                  <a:schemeClr val="tx1"/>
-                </a:solidFill>
-                <a:latin typeface="+mn-lt"/>
-                <a:ea typeface="+mn-ea"/>
-                <a:cs typeface="+mn-cs"/>
-              </a:defRPr>
-            </a:lvl7pPr>
-            <a:lvl8pPr marL="3200400" algn="l" defTabSz="914400" rtl="0" eaLnBrk="1" latinLnBrk="0" hangingPunct="1">
-              <a:defRPr sz="1800" kern="1200">
-                <a:solidFill>
-                  <a:schemeClr val="tx1"/>
-                </a:solidFill>
-                <a:latin typeface="+mn-lt"/>
-                <a:ea typeface="+mn-ea"/>
-                <a:cs typeface="+mn-cs"/>
-              </a:defRPr>
-            </a:lvl8pPr>
-            <a:lvl9pPr marL="3657600" algn="l" defTabSz="914400" rtl="0" eaLnBrk="1" latinLnBrk="0" hangingPunct="1">
-              <a:defRPr sz="1800" kern="1200">
-                <a:solidFill>
-                  <a:schemeClr val="tx1"/>
-                </a:solidFill>
-                <a:latin typeface="+mn-lt"/>
-                <a:ea typeface="+mn-ea"/>
-                <a:cs typeface="+mn-cs"/>
-              </a:defRPr>
-            </a:lvl9pPr>
-          </a:lstStyle>
-          <a:p>
-            <a:fld id="{D4328D90-2A6F-4F23-88A8-C5DCC2B5F307}" type="slidenum">
-              <a:rPr lang="zh-TW" altLang="en-US" smtClean="0"/>
-              <a:pPr/>
-              <a:t>‹#›</a:t>
-            </a:fld>
-            <a:endParaRPr lang="zh-TW" altLang="en-US"/>
-          </a:p>
-        </p:txBody>
-      </p:sp>
     </p:spTree>
     <p:extLst>
       <p:ext uri="{BB962C8B-B14F-4D97-AF65-F5344CB8AC3E}">
-        <p14:creationId xmlns:p14="http://schemas.microsoft.com/office/powerpoint/2010/main" val="321283312"/>
-      </p:ext>
-    </p:extLst>
-  </p:cSld>
-  <p:clrMapOvr>
-    <a:masterClrMapping/>
-  </p:clrMapOvr>
-  <p:transition spd="slow">
-    <p:push dir="u"/>
-  </p:transition>
-</p:sldLayout>
-</file>
-
-<file path=ppt/slideLayouts/slideLayout8.xml><?xml version="1.0" encoding="utf-8"?>
-<p:sldLayout xmlns:a="http://schemas.openxmlformats.org/drawingml/2006/main" xmlns:r="http://schemas.openxmlformats.org/officeDocument/2006/relationships" xmlns:p="http://schemas.openxmlformats.org/presentationml/2006/main" type="objTx" preserve="1">
-  <p:cSld name="含輔助字幕的內容">
-    <p:spTree>
-      <p:nvGrpSpPr>
-        <p:cNvPr id="1" name=""/>
-        <p:cNvGrpSpPr/>
-        <p:nvPr/>
-      </p:nvGrpSpPr>
-      <p:grpSpPr>
-        <a:xfrm>
-          <a:off x="0" y="0"/>
-          <a:ext cx="0" cy="0"/>
-          <a:chOff x="0" y="0"/>
-          <a:chExt cx="0" cy="0"/>
-        </a:xfrm>
-      </p:grpSpPr>
-      <p:sp>
-        <p:nvSpPr>
-          <p:cNvPr id="2" name="標題 1">
-            <a:extLst>
-              <a:ext uri="{FF2B5EF4-FFF2-40B4-BE49-F238E27FC236}">
-                <a16:creationId xmlns:a16="http://schemas.microsoft.com/office/drawing/2014/main" id="{B3FF8213-F1BD-48FF-9D09-6E26FB79AEA1}"/>
-              </a:ext>
-            </a:extLst>
-          </p:cNvPr>
-          <p:cNvSpPr>
-            <a:spLocks noGrp="1"/>
-          </p:cNvSpPr>
-          <p:nvPr>
-            <p:ph type="title"/>
-          </p:nvPr>
-        </p:nvSpPr>
-        <p:spPr>
-          <a:xfrm>
-            <a:off x="839788" y="457200"/>
-            <a:ext cx="3932237" cy="1600200"/>
-          </a:xfrm>
-        </p:spPr>
-        <p:txBody>
-          <a:bodyPr anchor="b"/>
-          <a:lstStyle>
-            <a:lvl1pPr>
-              <a:defRPr sz="3200"/>
-            </a:lvl1pPr>
-          </a:lstStyle>
-          <a:p>
-            <a:r>
-              <a:rPr lang="zh-TW" altLang="en-US"/>
-              <a:t>按一下以編輯母片標題樣式</a:t>
-            </a:r>
-          </a:p>
-        </p:txBody>
-      </p:sp>
-      <p:sp>
-        <p:nvSpPr>
-          <p:cNvPr id="3" name="內容版面配置區 2">
-            <a:extLst>
-              <a:ext uri="{FF2B5EF4-FFF2-40B4-BE49-F238E27FC236}">
-                <a16:creationId xmlns:a16="http://schemas.microsoft.com/office/drawing/2014/main" id="{86E10944-F816-4D3C-9D55-2000BE13A95A}"/>
-              </a:ext>
-            </a:extLst>
-          </p:cNvPr>
-          <p:cNvSpPr>
-            <a:spLocks noGrp="1"/>
-          </p:cNvSpPr>
-          <p:nvPr>
-            <p:ph idx="1"/>
-          </p:nvPr>
-        </p:nvSpPr>
-        <p:spPr>
-          <a:xfrm>
-            <a:off x="5183188" y="987425"/>
-            <a:ext cx="6172200" cy="4873625"/>
-          </a:xfrm>
-        </p:spPr>
-        <p:txBody>
-          <a:bodyPr/>
-          <a:lstStyle>
-            <a:lvl1pPr>
-              <a:defRPr sz="3200"/>
-            </a:lvl1pPr>
-            <a:lvl2pPr>
-              <a:defRPr sz="2800"/>
-            </a:lvl2pPr>
-            <a:lvl3pPr>
-              <a:defRPr sz="2400"/>
-            </a:lvl3pPr>
-            <a:lvl4pPr>
-              <a:defRPr sz="2000"/>
-            </a:lvl4pPr>
-            <a:lvl5pPr>
-              <a:defRPr sz="2000"/>
-            </a:lvl5pPr>
-            <a:lvl6pPr>
-              <a:defRPr sz="2000"/>
-            </a:lvl6pPr>
-            <a:lvl7pPr>
-              <a:defRPr sz="2000"/>
-            </a:lvl7pPr>
-            <a:lvl8pPr>
-              <a:defRPr sz="2000"/>
-            </a:lvl8pPr>
-            <a:lvl9pPr>
-              <a:defRPr sz="2000"/>
-            </a:lvl9pPr>
-          </a:lstStyle>
-          <a:p>
-            <a:pPr lvl="0"/>
-            <a:r>
-              <a:rPr lang="zh-TW" altLang="en-US"/>
-              <a:t>按一下以編輯母片文字樣式</a:t>
-            </a:r>
-          </a:p>
-          <a:p>
-            <a:pPr lvl="1"/>
-            <a:r>
-              <a:rPr lang="zh-TW" altLang="en-US"/>
-              <a:t>第二層</a:t>
-            </a:r>
-          </a:p>
-          <a:p>
-            <a:pPr lvl="2"/>
-            <a:r>
-              <a:rPr lang="zh-TW" altLang="en-US"/>
-              <a:t>第三層</a:t>
-            </a:r>
-          </a:p>
-          <a:p>
-            <a:pPr lvl="3"/>
-            <a:r>
-              <a:rPr lang="zh-TW" altLang="en-US"/>
-              <a:t>第四層</a:t>
-            </a:r>
-          </a:p>
-          <a:p>
-            <a:pPr lvl="4"/>
-            <a:r>
-              <a:rPr lang="zh-TW" altLang="en-US"/>
-              <a:t>第五層</a:t>
-            </a:r>
-          </a:p>
-        </p:txBody>
-      </p:sp>
-      <p:sp>
-        <p:nvSpPr>
-          <p:cNvPr id="4" name="文字版面配置區 3">
-            <a:extLst>
-              <a:ext uri="{FF2B5EF4-FFF2-40B4-BE49-F238E27FC236}">
-                <a16:creationId xmlns:a16="http://schemas.microsoft.com/office/drawing/2014/main" id="{39490BF7-1244-48E3-92BD-9B7BCFA0C5CD}"/>
-              </a:ext>
-            </a:extLst>
-          </p:cNvPr>
-          <p:cNvSpPr>
-            <a:spLocks noGrp="1"/>
-          </p:cNvSpPr>
-          <p:nvPr>
-            <p:ph type="body" sz="half" idx="2"/>
-          </p:nvPr>
-        </p:nvSpPr>
-        <p:spPr>
-          <a:xfrm>
-            <a:off x="839788" y="2057400"/>
-            <a:ext cx="3932237" cy="3811588"/>
-          </a:xfrm>
-        </p:spPr>
-        <p:txBody>
-          <a:bodyPr/>
-          <a:lstStyle>
-            <a:lvl1pPr marL="0" indent="0">
-              <a:buNone/>
-              <a:defRPr sz="1600"/>
-            </a:lvl1pPr>
-            <a:lvl2pPr marL="457200" indent="0">
-              <a:buNone/>
-              <a:defRPr sz="1400"/>
-            </a:lvl2pPr>
-            <a:lvl3pPr marL="914400" indent="0">
-              <a:buNone/>
-              <a:defRPr sz="1200"/>
-            </a:lvl3pPr>
-            <a:lvl4pPr marL="1371600" indent="0">
-              <a:buNone/>
-              <a:defRPr sz="1000"/>
-            </a:lvl4pPr>
-            <a:lvl5pPr marL="1828800" indent="0">
-              <a:buNone/>
-              <a:defRPr sz="1000"/>
-            </a:lvl5pPr>
-            <a:lvl6pPr marL="2286000" indent="0">
-              <a:buNone/>
-              <a:defRPr sz="1000"/>
-            </a:lvl6pPr>
-            <a:lvl7pPr marL="2743200" indent="0">
-              <a:buNone/>
-              <a:defRPr sz="1000"/>
-            </a:lvl7pPr>
-            <a:lvl8pPr marL="3200400" indent="0">
-              <a:buNone/>
-              <a:defRPr sz="1000"/>
-            </a:lvl8pPr>
-            <a:lvl9pPr marL="3657600" indent="0">
-              <a:buNone/>
-              <a:defRPr sz="1000"/>
-            </a:lvl9pPr>
-          </a:lstStyle>
-          <a:p>
-            <a:pPr lvl="0"/>
-            <a:r>
-              <a:rPr lang="zh-TW" altLang="en-US"/>
-              <a:t>按一下以編輯母片文字樣式</a:t>
-            </a:r>
-          </a:p>
-        </p:txBody>
-      </p:sp>
-      <p:sp>
-        <p:nvSpPr>
-          <p:cNvPr id="8" name="頁尾版面配置區 4">
-            <a:extLst>
-              <a:ext uri="{FF2B5EF4-FFF2-40B4-BE49-F238E27FC236}">
-                <a16:creationId xmlns:a16="http://schemas.microsoft.com/office/drawing/2014/main" id="{62A376CE-D98D-486D-A1FC-0FAA7CB56CB4}"/>
-              </a:ext>
-            </a:extLst>
-          </p:cNvPr>
-          <p:cNvSpPr txBox="1">
-            <a:spLocks/>
-          </p:cNvSpPr>
-          <p:nvPr/>
-        </p:nvSpPr>
-        <p:spPr>
-          <a:xfrm>
-            <a:off x="0" y="6492875"/>
-            <a:ext cx="2743200" cy="365125"/>
-          </a:xfrm>
-          <a:prstGeom prst="rect">
-            <a:avLst/>
-          </a:prstGeom>
-        </p:spPr>
-        <p:txBody>
-          <a:bodyPr vert="horz" lIns="91440" tIns="45720" rIns="91440" bIns="45720" rtlCol="0" anchor="ctr"/>
-          <a:lstStyle>
-            <a:defPPr>
-              <a:defRPr lang="zh-TW"/>
-            </a:defPPr>
-            <a:lvl1pPr marL="0" algn="l" defTabSz="914400" rtl="0" eaLnBrk="1" latinLnBrk="0" hangingPunct="1">
-              <a:defRPr sz="1200" kern="1200">
-                <a:solidFill>
-                  <a:schemeClr val="tx1">
-                    <a:tint val="75000"/>
-                  </a:schemeClr>
-                </a:solidFill>
-                <a:latin typeface="+mn-lt"/>
-                <a:ea typeface="+mn-ea"/>
-                <a:cs typeface="+mn-cs"/>
-              </a:defRPr>
-            </a:lvl1pPr>
-            <a:lvl2pPr marL="457200" algn="l" defTabSz="914400" rtl="0" eaLnBrk="1" latinLnBrk="0" hangingPunct="1">
-              <a:defRPr sz="1800" kern="1200">
-                <a:solidFill>
-                  <a:schemeClr val="tx1"/>
-                </a:solidFill>
-                <a:latin typeface="+mn-lt"/>
-                <a:ea typeface="+mn-ea"/>
-                <a:cs typeface="+mn-cs"/>
-              </a:defRPr>
-            </a:lvl2pPr>
-            <a:lvl3pPr marL="914400" algn="l" defTabSz="914400" rtl="0" eaLnBrk="1" latinLnBrk="0" hangingPunct="1">
-              <a:defRPr sz="1800" kern="1200">
-                <a:solidFill>
-                  <a:schemeClr val="tx1"/>
-                </a:solidFill>
-                <a:latin typeface="+mn-lt"/>
-                <a:ea typeface="+mn-ea"/>
-                <a:cs typeface="+mn-cs"/>
-              </a:defRPr>
-            </a:lvl3pPr>
-            <a:lvl4pPr marL="1371600" algn="l" defTabSz="914400" rtl="0" eaLnBrk="1" latinLnBrk="0" hangingPunct="1">
-              <a:defRPr sz="1800" kern="1200">
-                <a:solidFill>
-                  <a:schemeClr val="tx1"/>
-                </a:solidFill>
-                <a:latin typeface="+mn-lt"/>
-                <a:ea typeface="+mn-ea"/>
-                <a:cs typeface="+mn-cs"/>
-              </a:defRPr>
-            </a:lvl4pPr>
-            <a:lvl5pPr marL="1828800" algn="l" defTabSz="914400" rtl="0" eaLnBrk="1" latinLnBrk="0" hangingPunct="1">
-              <a:defRPr sz="1800" kern="1200">
-                <a:solidFill>
-                  <a:schemeClr val="tx1"/>
-                </a:solidFill>
-                <a:latin typeface="+mn-lt"/>
-                <a:ea typeface="+mn-ea"/>
-                <a:cs typeface="+mn-cs"/>
-              </a:defRPr>
-            </a:lvl5pPr>
-            <a:lvl6pPr marL="2286000" algn="l" defTabSz="914400" rtl="0" eaLnBrk="1" latinLnBrk="0" hangingPunct="1">
-              <a:defRPr sz="1800" kern="1200">
-                <a:solidFill>
-                  <a:schemeClr val="tx1"/>
-                </a:solidFill>
-                <a:latin typeface="+mn-lt"/>
-                <a:ea typeface="+mn-ea"/>
-                <a:cs typeface="+mn-cs"/>
-              </a:defRPr>
-            </a:lvl6pPr>
-            <a:lvl7pPr marL="2743200" algn="l" defTabSz="914400" rtl="0" eaLnBrk="1" latinLnBrk="0" hangingPunct="1">
-              <a:defRPr sz="1800" kern="1200">
-                <a:solidFill>
-                  <a:schemeClr val="tx1"/>
-                </a:solidFill>
-                <a:latin typeface="+mn-lt"/>
-                <a:ea typeface="+mn-ea"/>
-                <a:cs typeface="+mn-cs"/>
-              </a:defRPr>
-            </a:lvl7pPr>
-            <a:lvl8pPr marL="3200400" algn="l" defTabSz="914400" rtl="0" eaLnBrk="1" latinLnBrk="0" hangingPunct="1">
-              <a:defRPr sz="1800" kern="1200">
-                <a:solidFill>
-                  <a:schemeClr val="tx1"/>
-                </a:solidFill>
-                <a:latin typeface="+mn-lt"/>
-                <a:ea typeface="+mn-ea"/>
-                <a:cs typeface="+mn-cs"/>
-              </a:defRPr>
-            </a:lvl8pPr>
-            <a:lvl9pPr marL="3657600" algn="l" defTabSz="914400" rtl="0" eaLnBrk="1" latinLnBrk="0" hangingPunct="1">
-              <a:defRPr sz="1800" kern="1200">
-                <a:solidFill>
-                  <a:schemeClr val="tx1"/>
-                </a:solidFill>
-                <a:latin typeface="+mn-lt"/>
-                <a:ea typeface="+mn-ea"/>
-                <a:cs typeface="+mn-cs"/>
-              </a:defRPr>
-            </a:lvl9pPr>
-          </a:lstStyle>
-          <a:p>
-            <a:r>
-              <a:rPr lang="en-US" altLang="zh-TW"/>
-              <a:t>TYIC</a:t>
-            </a:r>
-            <a:r>
-              <a:rPr lang="zh-TW" altLang="en-US"/>
-              <a:t>桃高資訊社</a:t>
-            </a:r>
-          </a:p>
-        </p:txBody>
-      </p:sp>
-      <p:sp>
-        <p:nvSpPr>
-          <p:cNvPr id="9" name="投影片編號版面配置區 5">
-            <a:extLst>
-              <a:ext uri="{FF2B5EF4-FFF2-40B4-BE49-F238E27FC236}">
-                <a16:creationId xmlns:a16="http://schemas.microsoft.com/office/drawing/2014/main" id="{2DE69523-299D-4C3A-A754-1550C8F5D7F7}"/>
-              </a:ext>
-            </a:extLst>
-          </p:cNvPr>
-          <p:cNvSpPr txBox="1">
-            <a:spLocks/>
-          </p:cNvSpPr>
-          <p:nvPr/>
-        </p:nvSpPr>
-        <p:spPr>
-          <a:xfrm>
-            <a:off x="9448800" y="6492874"/>
-            <a:ext cx="2743200" cy="365125"/>
-          </a:xfrm>
-          <a:prstGeom prst="rect">
-            <a:avLst/>
-          </a:prstGeom>
-        </p:spPr>
-        <p:txBody>
-          <a:bodyPr vert="horz" lIns="91440" tIns="45720" rIns="91440" bIns="45720" rtlCol="0" anchor="ctr"/>
-          <a:lstStyle>
-            <a:defPPr>
-              <a:defRPr lang="zh-TW"/>
-            </a:defPPr>
-            <a:lvl1pPr marL="0" algn="r" defTabSz="914400" rtl="0" eaLnBrk="1" latinLnBrk="0" hangingPunct="1">
-              <a:defRPr sz="1200" kern="1200">
-                <a:solidFill>
-                  <a:schemeClr val="tx1">
-                    <a:tint val="75000"/>
-                  </a:schemeClr>
-                </a:solidFill>
-                <a:latin typeface="+mn-lt"/>
-                <a:ea typeface="+mn-ea"/>
-                <a:cs typeface="+mn-cs"/>
-              </a:defRPr>
-            </a:lvl1pPr>
-            <a:lvl2pPr marL="457200" algn="l" defTabSz="914400" rtl="0" eaLnBrk="1" latinLnBrk="0" hangingPunct="1">
-              <a:defRPr sz="1800" kern="1200">
-                <a:solidFill>
-                  <a:schemeClr val="tx1"/>
-                </a:solidFill>
-                <a:latin typeface="+mn-lt"/>
-                <a:ea typeface="+mn-ea"/>
-                <a:cs typeface="+mn-cs"/>
-              </a:defRPr>
-            </a:lvl2pPr>
-            <a:lvl3pPr marL="914400" algn="l" defTabSz="914400" rtl="0" eaLnBrk="1" latinLnBrk="0" hangingPunct="1">
-              <a:defRPr sz="1800" kern="1200">
-                <a:solidFill>
-                  <a:schemeClr val="tx1"/>
-                </a:solidFill>
-                <a:latin typeface="+mn-lt"/>
-                <a:ea typeface="+mn-ea"/>
-                <a:cs typeface="+mn-cs"/>
-              </a:defRPr>
-            </a:lvl3pPr>
-            <a:lvl4pPr marL="1371600" algn="l" defTabSz="914400" rtl="0" eaLnBrk="1" latinLnBrk="0" hangingPunct="1">
-              <a:defRPr sz="1800" kern="1200">
-                <a:solidFill>
-                  <a:schemeClr val="tx1"/>
-                </a:solidFill>
-                <a:latin typeface="+mn-lt"/>
-                <a:ea typeface="+mn-ea"/>
-                <a:cs typeface="+mn-cs"/>
-              </a:defRPr>
-            </a:lvl4pPr>
-            <a:lvl5pPr marL="1828800" algn="l" defTabSz="914400" rtl="0" eaLnBrk="1" latinLnBrk="0" hangingPunct="1">
-              <a:defRPr sz="1800" kern="1200">
-                <a:solidFill>
-                  <a:schemeClr val="tx1"/>
-                </a:solidFill>
-                <a:latin typeface="+mn-lt"/>
-                <a:ea typeface="+mn-ea"/>
-                <a:cs typeface="+mn-cs"/>
-              </a:defRPr>
-            </a:lvl5pPr>
-            <a:lvl6pPr marL="2286000" algn="l" defTabSz="914400" rtl="0" eaLnBrk="1" latinLnBrk="0" hangingPunct="1">
-              <a:defRPr sz="1800" kern="1200">
-                <a:solidFill>
-                  <a:schemeClr val="tx1"/>
-                </a:solidFill>
-                <a:latin typeface="+mn-lt"/>
-                <a:ea typeface="+mn-ea"/>
-                <a:cs typeface="+mn-cs"/>
-              </a:defRPr>
-            </a:lvl6pPr>
-            <a:lvl7pPr marL="2743200" algn="l" defTabSz="914400" rtl="0" eaLnBrk="1" latinLnBrk="0" hangingPunct="1">
-              <a:defRPr sz="1800" kern="1200">
-                <a:solidFill>
-                  <a:schemeClr val="tx1"/>
-                </a:solidFill>
-                <a:latin typeface="+mn-lt"/>
-                <a:ea typeface="+mn-ea"/>
-                <a:cs typeface="+mn-cs"/>
-              </a:defRPr>
-            </a:lvl7pPr>
-            <a:lvl8pPr marL="3200400" algn="l" defTabSz="914400" rtl="0" eaLnBrk="1" latinLnBrk="0" hangingPunct="1">
-              <a:defRPr sz="1800" kern="1200">
-                <a:solidFill>
-                  <a:schemeClr val="tx1"/>
-                </a:solidFill>
-                <a:latin typeface="+mn-lt"/>
-                <a:ea typeface="+mn-ea"/>
-                <a:cs typeface="+mn-cs"/>
-              </a:defRPr>
-            </a:lvl8pPr>
-            <a:lvl9pPr marL="3657600" algn="l" defTabSz="914400" rtl="0" eaLnBrk="1" latinLnBrk="0" hangingPunct="1">
-              <a:defRPr sz="1800" kern="1200">
-                <a:solidFill>
-                  <a:schemeClr val="tx1"/>
-                </a:solidFill>
-                <a:latin typeface="+mn-lt"/>
-                <a:ea typeface="+mn-ea"/>
-                <a:cs typeface="+mn-cs"/>
-              </a:defRPr>
-            </a:lvl9pPr>
-          </a:lstStyle>
-          <a:p>
-            <a:fld id="{D4328D90-2A6F-4F23-88A8-C5DCC2B5F307}" type="slidenum">
-              <a:rPr lang="zh-TW" altLang="en-US" smtClean="0"/>
-              <a:pPr/>
-              <a:t>‹#›</a:t>
-            </a:fld>
-            <a:endParaRPr lang="zh-TW" altLang="en-US"/>
-          </a:p>
-        </p:txBody>
-      </p:sp>
-      <p:sp>
-        <p:nvSpPr>
-          <p:cNvPr id="7" name="頁尾版面配置區 4">
-            <a:extLst>
-              <a:ext uri="{FF2B5EF4-FFF2-40B4-BE49-F238E27FC236}">
-                <a16:creationId xmlns:a16="http://schemas.microsoft.com/office/drawing/2014/main" id="{5C61AB5E-1760-475F-A1B8-061721352C76}"/>
-              </a:ext>
-            </a:extLst>
-          </p:cNvPr>
-          <p:cNvSpPr txBox="1">
-            <a:spLocks/>
-          </p:cNvSpPr>
-          <p:nvPr/>
-        </p:nvSpPr>
-        <p:spPr>
-          <a:xfrm>
-            <a:off x="0" y="6492875"/>
-            <a:ext cx="2743200" cy="365125"/>
-          </a:xfrm>
-          <a:prstGeom prst="rect">
-            <a:avLst/>
-          </a:prstGeom>
-        </p:spPr>
-        <p:txBody>
-          <a:bodyPr vert="horz" lIns="91440" tIns="45720" rIns="91440" bIns="45720" rtlCol="0" anchor="ctr"/>
-          <a:lstStyle>
-            <a:defPPr>
-              <a:defRPr lang="zh-TW"/>
-            </a:defPPr>
-            <a:lvl1pPr marL="0" algn="l" defTabSz="914400" rtl="0" eaLnBrk="1" latinLnBrk="0" hangingPunct="1">
-              <a:defRPr sz="1200" kern="1200">
-                <a:solidFill>
-                  <a:schemeClr val="tx1">
-                    <a:tint val="75000"/>
-                  </a:schemeClr>
-                </a:solidFill>
-                <a:latin typeface="+mn-lt"/>
-                <a:ea typeface="+mn-ea"/>
-                <a:cs typeface="+mn-cs"/>
-              </a:defRPr>
-            </a:lvl1pPr>
-            <a:lvl2pPr marL="457200" algn="l" defTabSz="914400" rtl="0" eaLnBrk="1" latinLnBrk="0" hangingPunct="1">
-              <a:defRPr sz="1800" kern="1200">
-                <a:solidFill>
-                  <a:schemeClr val="tx1"/>
-                </a:solidFill>
-                <a:latin typeface="+mn-lt"/>
-                <a:ea typeface="+mn-ea"/>
-                <a:cs typeface="+mn-cs"/>
-              </a:defRPr>
-            </a:lvl2pPr>
-            <a:lvl3pPr marL="914400" algn="l" defTabSz="914400" rtl="0" eaLnBrk="1" latinLnBrk="0" hangingPunct="1">
-              <a:defRPr sz="1800" kern="1200">
-                <a:solidFill>
-                  <a:schemeClr val="tx1"/>
-                </a:solidFill>
-                <a:latin typeface="+mn-lt"/>
-                <a:ea typeface="+mn-ea"/>
-                <a:cs typeface="+mn-cs"/>
-              </a:defRPr>
-            </a:lvl3pPr>
-            <a:lvl4pPr marL="1371600" algn="l" defTabSz="914400" rtl="0" eaLnBrk="1" latinLnBrk="0" hangingPunct="1">
-              <a:defRPr sz="1800" kern="1200">
-                <a:solidFill>
-                  <a:schemeClr val="tx1"/>
-                </a:solidFill>
-                <a:latin typeface="+mn-lt"/>
-                <a:ea typeface="+mn-ea"/>
-                <a:cs typeface="+mn-cs"/>
-              </a:defRPr>
-            </a:lvl4pPr>
-            <a:lvl5pPr marL="1828800" algn="l" defTabSz="914400" rtl="0" eaLnBrk="1" latinLnBrk="0" hangingPunct="1">
-              <a:defRPr sz="1800" kern="1200">
-                <a:solidFill>
-                  <a:schemeClr val="tx1"/>
-                </a:solidFill>
-                <a:latin typeface="+mn-lt"/>
-                <a:ea typeface="+mn-ea"/>
-                <a:cs typeface="+mn-cs"/>
-              </a:defRPr>
-            </a:lvl5pPr>
-            <a:lvl6pPr marL="2286000" algn="l" defTabSz="914400" rtl="0" eaLnBrk="1" latinLnBrk="0" hangingPunct="1">
-              <a:defRPr sz="1800" kern="1200">
-                <a:solidFill>
-                  <a:schemeClr val="tx1"/>
-                </a:solidFill>
-                <a:latin typeface="+mn-lt"/>
-                <a:ea typeface="+mn-ea"/>
-                <a:cs typeface="+mn-cs"/>
-              </a:defRPr>
-            </a:lvl6pPr>
-            <a:lvl7pPr marL="2743200" algn="l" defTabSz="914400" rtl="0" eaLnBrk="1" latinLnBrk="0" hangingPunct="1">
-              <a:defRPr sz="1800" kern="1200">
-                <a:solidFill>
-                  <a:schemeClr val="tx1"/>
-                </a:solidFill>
-                <a:latin typeface="+mn-lt"/>
-                <a:ea typeface="+mn-ea"/>
-                <a:cs typeface="+mn-cs"/>
-              </a:defRPr>
-            </a:lvl7pPr>
-            <a:lvl8pPr marL="3200400" algn="l" defTabSz="914400" rtl="0" eaLnBrk="1" latinLnBrk="0" hangingPunct="1">
-              <a:defRPr sz="1800" kern="1200">
-                <a:solidFill>
-                  <a:schemeClr val="tx1"/>
-                </a:solidFill>
-                <a:latin typeface="+mn-lt"/>
-                <a:ea typeface="+mn-ea"/>
-                <a:cs typeface="+mn-cs"/>
-              </a:defRPr>
-            </a:lvl8pPr>
-            <a:lvl9pPr marL="3657600" algn="l" defTabSz="914400" rtl="0" eaLnBrk="1" latinLnBrk="0" hangingPunct="1">
-              <a:defRPr sz="1800" kern="1200">
-                <a:solidFill>
-                  <a:schemeClr val="tx1"/>
-                </a:solidFill>
-                <a:latin typeface="+mn-lt"/>
-                <a:ea typeface="+mn-ea"/>
-                <a:cs typeface="+mn-cs"/>
-              </a:defRPr>
-            </a:lvl9pPr>
-          </a:lstStyle>
-          <a:p>
-            <a:r>
-              <a:rPr lang="en-US" altLang="zh-TW" dirty="0"/>
-              <a:t>TYIC</a:t>
-            </a:r>
-            <a:r>
-              <a:rPr lang="zh-TW" altLang="en-US"/>
-              <a:t>桃高資訊社</a:t>
-            </a:r>
-          </a:p>
-        </p:txBody>
-      </p:sp>
-      <p:sp>
-        <p:nvSpPr>
-          <p:cNvPr id="10" name="投影片編號版面配置區 5">
-            <a:extLst>
-              <a:ext uri="{FF2B5EF4-FFF2-40B4-BE49-F238E27FC236}">
-                <a16:creationId xmlns:a16="http://schemas.microsoft.com/office/drawing/2014/main" id="{9E366190-11AD-4701-810E-B13A72A655B0}"/>
-              </a:ext>
-            </a:extLst>
-          </p:cNvPr>
-          <p:cNvSpPr txBox="1">
-            <a:spLocks/>
-          </p:cNvSpPr>
-          <p:nvPr/>
-        </p:nvSpPr>
-        <p:spPr>
-          <a:xfrm>
-            <a:off x="9448800" y="6492874"/>
-            <a:ext cx="2743200" cy="365125"/>
-          </a:xfrm>
-          <a:prstGeom prst="rect">
-            <a:avLst/>
-          </a:prstGeom>
-        </p:spPr>
-        <p:txBody>
-          <a:bodyPr vert="horz" lIns="91440" tIns="45720" rIns="91440" bIns="45720" rtlCol="0" anchor="ctr"/>
-          <a:lstStyle>
-            <a:defPPr>
-              <a:defRPr lang="zh-TW"/>
-            </a:defPPr>
-            <a:lvl1pPr marL="0" algn="r" defTabSz="914400" rtl="0" eaLnBrk="1" latinLnBrk="0" hangingPunct="1">
-              <a:defRPr sz="1200" kern="1200">
-                <a:solidFill>
-                  <a:schemeClr val="tx1">
-                    <a:tint val="75000"/>
-                  </a:schemeClr>
-                </a:solidFill>
-                <a:latin typeface="+mn-lt"/>
-                <a:ea typeface="+mn-ea"/>
-                <a:cs typeface="+mn-cs"/>
-              </a:defRPr>
-            </a:lvl1pPr>
-            <a:lvl2pPr marL="457200" algn="l" defTabSz="914400" rtl="0" eaLnBrk="1" latinLnBrk="0" hangingPunct="1">
-              <a:defRPr sz="1800" kern="1200">
-                <a:solidFill>
-                  <a:schemeClr val="tx1"/>
-                </a:solidFill>
-                <a:latin typeface="+mn-lt"/>
-                <a:ea typeface="+mn-ea"/>
-                <a:cs typeface="+mn-cs"/>
-              </a:defRPr>
-            </a:lvl2pPr>
-            <a:lvl3pPr marL="914400" algn="l" defTabSz="914400" rtl="0" eaLnBrk="1" latinLnBrk="0" hangingPunct="1">
-              <a:defRPr sz="1800" kern="1200">
-                <a:solidFill>
-                  <a:schemeClr val="tx1"/>
-                </a:solidFill>
-                <a:latin typeface="+mn-lt"/>
-                <a:ea typeface="+mn-ea"/>
-                <a:cs typeface="+mn-cs"/>
-              </a:defRPr>
-            </a:lvl3pPr>
-            <a:lvl4pPr marL="1371600" algn="l" defTabSz="914400" rtl="0" eaLnBrk="1" latinLnBrk="0" hangingPunct="1">
-              <a:defRPr sz="1800" kern="1200">
-                <a:solidFill>
-                  <a:schemeClr val="tx1"/>
-                </a:solidFill>
-                <a:latin typeface="+mn-lt"/>
-                <a:ea typeface="+mn-ea"/>
-                <a:cs typeface="+mn-cs"/>
-              </a:defRPr>
-            </a:lvl4pPr>
-            <a:lvl5pPr marL="1828800" algn="l" defTabSz="914400" rtl="0" eaLnBrk="1" latinLnBrk="0" hangingPunct="1">
-              <a:defRPr sz="1800" kern="1200">
-                <a:solidFill>
-                  <a:schemeClr val="tx1"/>
-                </a:solidFill>
-                <a:latin typeface="+mn-lt"/>
-                <a:ea typeface="+mn-ea"/>
-                <a:cs typeface="+mn-cs"/>
-              </a:defRPr>
-            </a:lvl5pPr>
-            <a:lvl6pPr marL="2286000" algn="l" defTabSz="914400" rtl="0" eaLnBrk="1" latinLnBrk="0" hangingPunct="1">
-              <a:defRPr sz="1800" kern="1200">
-                <a:solidFill>
-                  <a:schemeClr val="tx1"/>
-                </a:solidFill>
-                <a:latin typeface="+mn-lt"/>
-                <a:ea typeface="+mn-ea"/>
-                <a:cs typeface="+mn-cs"/>
-              </a:defRPr>
-            </a:lvl6pPr>
-            <a:lvl7pPr marL="2743200" algn="l" defTabSz="914400" rtl="0" eaLnBrk="1" latinLnBrk="0" hangingPunct="1">
-              <a:defRPr sz="1800" kern="1200">
-                <a:solidFill>
-                  <a:schemeClr val="tx1"/>
-                </a:solidFill>
-                <a:latin typeface="+mn-lt"/>
-                <a:ea typeface="+mn-ea"/>
-                <a:cs typeface="+mn-cs"/>
-              </a:defRPr>
-            </a:lvl7pPr>
-            <a:lvl8pPr marL="3200400" algn="l" defTabSz="914400" rtl="0" eaLnBrk="1" latinLnBrk="0" hangingPunct="1">
-              <a:defRPr sz="1800" kern="1200">
-                <a:solidFill>
-                  <a:schemeClr val="tx1"/>
-                </a:solidFill>
-                <a:latin typeface="+mn-lt"/>
-                <a:ea typeface="+mn-ea"/>
-                <a:cs typeface="+mn-cs"/>
-              </a:defRPr>
-            </a:lvl8pPr>
-            <a:lvl9pPr marL="3657600" algn="l" defTabSz="914400" rtl="0" eaLnBrk="1" latinLnBrk="0" hangingPunct="1">
-              <a:defRPr sz="1800" kern="1200">
-                <a:solidFill>
-                  <a:schemeClr val="tx1"/>
-                </a:solidFill>
-                <a:latin typeface="+mn-lt"/>
-                <a:ea typeface="+mn-ea"/>
-                <a:cs typeface="+mn-cs"/>
-              </a:defRPr>
-            </a:lvl9pPr>
-          </a:lstStyle>
-          <a:p>
-            <a:fld id="{D4328D90-2A6F-4F23-88A8-C5DCC2B5F307}" type="slidenum">
-              <a:rPr lang="zh-TW" altLang="en-US" smtClean="0"/>
-              <a:pPr/>
-              <a:t>‹#›</a:t>
-            </a:fld>
-            <a:endParaRPr lang="zh-TW" altLang="en-US"/>
-          </a:p>
-        </p:txBody>
-      </p:sp>
-    </p:spTree>
-    <p:extLst>
-      <p:ext uri="{BB962C8B-B14F-4D97-AF65-F5344CB8AC3E}">
-        <p14:creationId xmlns:p14="http://schemas.microsoft.com/office/powerpoint/2010/main" val="3696246490"/>
-      </p:ext>
-    </p:extLst>
-  </p:cSld>
-  <p:clrMapOvr>
-    <a:masterClrMapping/>
-  </p:clrMapOvr>
-  <p:transition spd="slow">
-    <p:push dir="u"/>
-  </p:transition>
-</p:sldLayout>
-</file>
-
-<file path=ppt/slideLayouts/slideLayout9.xml><?xml version="1.0" encoding="utf-8"?>
-<p:sldLayout xmlns:a="http://schemas.openxmlformats.org/drawingml/2006/main" xmlns:r="http://schemas.openxmlformats.org/officeDocument/2006/relationships" xmlns:p="http://schemas.openxmlformats.org/presentationml/2006/main" type="picTx" preserve="1">
-  <p:cSld name="含輔助字幕的圖片">
-    <p:spTree>
-      <p:nvGrpSpPr>
-        <p:cNvPr id="1" name=""/>
-        <p:cNvGrpSpPr/>
-        <p:nvPr/>
-      </p:nvGrpSpPr>
-      <p:grpSpPr>
-        <a:xfrm>
-          <a:off x="0" y="0"/>
-          <a:ext cx="0" cy="0"/>
-          <a:chOff x="0" y="0"/>
-          <a:chExt cx="0" cy="0"/>
-        </a:xfrm>
-      </p:grpSpPr>
-      <p:sp>
-        <p:nvSpPr>
-          <p:cNvPr id="2" name="標題 1">
-            <a:extLst>
-              <a:ext uri="{FF2B5EF4-FFF2-40B4-BE49-F238E27FC236}">
-                <a16:creationId xmlns:a16="http://schemas.microsoft.com/office/drawing/2014/main" id="{BE535801-9853-4F81-918E-E55C33357D57}"/>
-              </a:ext>
-            </a:extLst>
-          </p:cNvPr>
-          <p:cNvSpPr>
-            <a:spLocks noGrp="1"/>
-          </p:cNvSpPr>
-          <p:nvPr>
-            <p:ph type="title"/>
-          </p:nvPr>
-        </p:nvSpPr>
-        <p:spPr>
-          <a:xfrm>
-            <a:off x="839788" y="457200"/>
-            <a:ext cx="3932237" cy="1600200"/>
-          </a:xfrm>
-        </p:spPr>
-        <p:txBody>
-          <a:bodyPr anchor="b"/>
-          <a:lstStyle>
-            <a:lvl1pPr>
-              <a:defRPr sz="3200"/>
-            </a:lvl1pPr>
-          </a:lstStyle>
-          <a:p>
-            <a:r>
-              <a:rPr lang="zh-TW" altLang="en-US"/>
-              <a:t>按一下以編輯母片標題樣式</a:t>
-            </a:r>
-          </a:p>
-        </p:txBody>
-      </p:sp>
-      <p:sp>
-        <p:nvSpPr>
-          <p:cNvPr id="3" name="圖片版面配置區 2">
-            <a:extLst>
-              <a:ext uri="{FF2B5EF4-FFF2-40B4-BE49-F238E27FC236}">
-                <a16:creationId xmlns:a16="http://schemas.microsoft.com/office/drawing/2014/main" id="{7CCBC987-FAA7-4264-8CC0-2E6F221D3AB9}"/>
-              </a:ext>
-            </a:extLst>
-          </p:cNvPr>
-          <p:cNvSpPr>
-            <a:spLocks noGrp="1"/>
-          </p:cNvSpPr>
-          <p:nvPr>
-            <p:ph type="pic" idx="1"/>
-          </p:nvPr>
-        </p:nvSpPr>
-        <p:spPr>
-          <a:xfrm>
-            <a:off x="5183188" y="987425"/>
-            <a:ext cx="6172200" cy="4873625"/>
-          </a:xfrm>
-        </p:spPr>
-        <p:txBody>
-          <a:bodyPr/>
-          <a:lstStyle>
-            <a:lvl1pPr marL="0" indent="0">
-              <a:buNone/>
-              <a:defRPr sz="3200"/>
-            </a:lvl1pPr>
-            <a:lvl2pPr marL="457200" indent="0">
-              <a:buNone/>
-              <a:defRPr sz="2800"/>
-            </a:lvl2pPr>
-            <a:lvl3pPr marL="914400" indent="0">
-              <a:buNone/>
-              <a:defRPr sz="2400"/>
-            </a:lvl3pPr>
-            <a:lvl4pPr marL="1371600" indent="0">
-              <a:buNone/>
-              <a:defRPr sz="2000"/>
-            </a:lvl4pPr>
-            <a:lvl5pPr marL="1828800" indent="0">
-              <a:buNone/>
-              <a:defRPr sz="2000"/>
-            </a:lvl5pPr>
-            <a:lvl6pPr marL="2286000" indent="0">
-              <a:buNone/>
-              <a:defRPr sz="2000"/>
-            </a:lvl6pPr>
-            <a:lvl7pPr marL="2743200" indent="0">
-              <a:buNone/>
-              <a:defRPr sz="2000"/>
-            </a:lvl7pPr>
-            <a:lvl8pPr marL="3200400" indent="0">
-              <a:buNone/>
-              <a:defRPr sz="2000"/>
-            </a:lvl8pPr>
-            <a:lvl9pPr marL="3657600" indent="0">
-              <a:buNone/>
-              <a:defRPr sz="2000"/>
-            </a:lvl9pPr>
-          </a:lstStyle>
-          <a:p>
-            <a:r>
-              <a:rPr lang="zh-TW" altLang="en-US"/>
-              <a:t>按一下圖示以新增圖片</a:t>
-            </a:r>
-          </a:p>
-        </p:txBody>
-      </p:sp>
-      <p:sp>
-        <p:nvSpPr>
-          <p:cNvPr id="4" name="文字版面配置區 3">
-            <a:extLst>
-              <a:ext uri="{FF2B5EF4-FFF2-40B4-BE49-F238E27FC236}">
-                <a16:creationId xmlns:a16="http://schemas.microsoft.com/office/drawing/2014/main" id="{6113A0E9-5B1A-476F-B87A-DD123DA8BFDF}"/>
-              </a:ext>
-            </a:extLst>
-          </p:cNvPr>
-          <p:cNvSpPr>
-            <a:spLocks noGrp="1"/>
-          </p:cNvSpPr>
-          <p:nvPr>
-            <p:ph type="body" sz="half" idx="2"/>
-          </p:nvPr>
-        </p:nvSpPr>
-        <p:spPr>
-          <a:xfrm>
-            <a:off x="839788" y="2057400"/>
-            <a:ext cx="3932237" cy="3811588"/>
-          </a:xfrm>
-        </p:spPr>
-        <p:txBody>
-          <a:bodyPr/>
-          <a:lstStyle>
-            <a:lvl1pPr marL="0" indent="0">
-              <a:buNone/>
-              <a:defRPr sz="1600"/>
-            </a:lvl1pPr>
-            <a:lvl2pPr marL="457200" indent="0">
-              <a:buNone/>
-              <a:defRPr sz="1400"/>
-            </a:lvl2pPr>
-            <a:lvl3pPr marL="914400" indent="0">
-              <a:buNone/>
-              <a:defRPr sz="1200"/>
-            </a:lvl3pPr>
-            <a:lvl4pPr marL="1371600" indent="0">
-              <a:buNone/>
-              <a:defRPr sz="1000"/>
-            </a:lvl4pPr>
-            <a:lvl5pPr marL="1828800" indent="0">
-              <a:buNone/>
-              <a:defRPr sz="1000"/>
-            </a:lvl5pPr>
-            <a:lvl6pPr marL="2286000" indent="0">
-              <a:buNone/>
-              <a:defRPr sz="1000"/>
-            </a:lvl6pPr>
-            <a:lvl7pPr marL="2743200" indent="0">
-              <a:buNone/>
-              <a:defRPr sz="1000"/>
-            </a:lvl7pPr>
-            <a:lvl8pPr marL="3200400" indent="0">
-              <a:buNone/>
-              <a:defRPr sz="1000"/>
-            </a:lvl8pPr>
-            <a:lvl9pPr marL="3657600" indent="0">
-              <a:buNone/>
-              <a:defRPr sz="1000"/>
-            </a:lvl9pPr>
-          </a:lstStyle>
-          <a:p>
-            <a:pPr lvl="0"/>
-            <a:r>
-              <a:rPr lang="zh-TW" altLang="en-US"/>
-              <a:t>按一下以編輯母片文字樣式</a:t>
-            </a:r>
-          </a:p>
-        </p:txBody>
-      </p:sp>
-      <p:sp>
-        <p:nvSpPr>
-          <p:cNvPr id="8" name="頁尾版面配置區 4">
-            <a:extLst>
-              <a:ext uri="{FF2B5EF4-FFF2-40B4-BE49-F238E27FC236}">
-                <a16:creationId xmlns:a16="http://schemas.microsoft.com/office/drawing/2014/main" id="{7B7B89AD-AB9E-48F8-B85F-14FF932E8842}"/>
-              </a:ext>
-            </a:extLst>
-          </p:cNvPr>
-          <p:cNvSpPr txBox="1">
-            <a:spLocks/>
-          </p:cNvSpPr>
-          <p:nvPr/>
-        </p:nvSpPr>
-        <p:spPr>
-          <a:xfrm>
-            <a:off x="0" y="6492875"/>
-            <a:ext cx="2743200" cy="365125"/>
-          </a:xfrm>
-          <a:prstGeom prst="rect">
-            <a:avLst/>
-          </a:prstGeom>
-        </p:spPr>
-        <p:txBody>
-          <a:bodyPr vert="horz" lIns="91440" tIns="45720" rIns="91440" bIns="45720" rtlCol="0" anchor="ctr"/>
-          <a:lstStyle>
-            <a:defPPr>
-              <a:defRPr lang="zh-TW"/>
-            </a:defPPr>
-            <a:lvl1pPr marL="0" algn="l" defTabSz="914400" rtl="0" eaLnBrk="1" latinLnBrk="0" hangingPunct="1">
-              <a:defRPr sz="1200" kern="1200">
-                <a:solidFill>
-                  <a:schemeClr val="tx1">
-                    <a:tint val="75000"/>
-                  </a:schemeClr>
-                </a:solidFill>
-                <a:latin typeface="+mn-lt"/>
-                <a:ea typeface="+mn-ea"/>
-                <a:cs typeface="+mn-cs"/>
-              </a:defRPr>
-            </a:lvl1pPr>
-            <a:lvl2pPr marL="457200" algn="l" defTabSz="914400" rtl="0" eaLnBrk="1" latinLnBrk="0" hangingPunct="1">
-              <a:defRPr sz="1800" kern="1200">
-                <a:solidFill>
-                  <a:schemeClr val="tx1"/>
-                </a:solidFill>
-                <a:latin typeface="+mn-lt"/>
-                <a:ea typeface="+mn-ea"/>
-                <a:cs typeface="+mn-cs"/>
-              </a:defRPr>
-            </a:lvl2pPr>
-            <a:lvl3pPr marL="914400" algn="l" defTabSz="914400" rtl="0" eaLnBrk="1" latinLnBrk="0" hangingPunct="1">
-              <a:defRPr sz="1800" kern="1200">
-                <a:solidFill>
-                  <a:schemeClr val="tx1"/>
-                </a:solidFill>
-                <a:latin typeface="+mn-lt"/>
-                <a:ea typeface="+mn-ea"/>
-                <a:cs typeface="+mn-cs"/>
-              </a:defRPr>
-            </a:lvl3pPr>
-            <a:lvl4pPr marL="1371600" algn="l" defTabSz="914400" rtl="0" eaLnBrk="1" latinLnBrk="0" hangingPunct="1">
-              <a:defRPr sz="1800" kern="1200">
-                <a:solidFill>
-                  <a:schemeClr val="tx1"/>
-                </a:solidFill>
-                <a:latin typeface="+mn-lt"/>
-                <a:ea typeface="+mn-ea"/>
-                <a:cs typeface="+mn-cs"/>
-              </a:defRPr>
-            </a:lvl4pPr>
-            <a:lvl5pPr marL="1828800" algn="l" defTabSz="914400" rtl="0" eaLnBrk="1" latinLnBrk="0" hangingPunct="1">
-              <a:defRPr sz="1800" kern="1200">
-                <a:solidFill>
-                  <a:schemeClr val="tx1"/>
-                </a:solidFill>
-                <a:latin typeface="+mn-lt"/>
-                <a:ea typeface="+mn-ea"/>
-                <a:cs typeface="+mn-cs"/>
-              </a:defRPr>
-            </a:lvl5pPr>
-            <a:lvl6pPr marL="2286000" algn="l" defTabSz="914400" rtl="0" eaLnBrk="1" latinLnBrk="0" hangingPunct="1">
-              <a:defRPr sz="1800" kern="1200">
-                <a:solidFill>
-                  <a:schemeClr val="tx1"/>
-                </a:solidFill>
-                <a:latin typeface="+mn-lt"/>
-                <a:ea typeface="+mn-ea"/>
-                <a:cs typeface="+mn-cs"/>
-              </a:defRPr>
-            </a:lvl6pPr>
-            <a:lvl7pPr marL="2743200" algn="l" defTabSz="914400" rtl="0" eaLnBrk="1" latinLnBrk="0" hangingPunct="1">
-              <a:defRPr sz="1800" kern="1200">
-                <a:solidFill>
-                  <a:schemeClr val="tx1"/>
-                </a:solidFill>
-                <a:latin typeface="+mn-lt"/>
-                <a:ea typeface="+mn-ea"/>
-                <a:cs typeface="+mn-cs"/>
-              </a:defRPr>
-            </a:lvl7pPr>
-            <a:lvl8pPr marL="3200400" algn="l" defTabSz="914400" rtl="0" eaLnBrk="1" latinLnBrk="0" hangingPunct="1">
-              <a:defRPr sz="1800" kern="1200">
-                <a:solidFill>
-                  <a:schemeClr val="tx1"/>
-                </a:solidFill>
-                <a:latin typeface="+mn-lt"/>
-                <a:ea typeface="+mn-ea"/>
-                <a:cs typeface="+mn-cs"/>
-              </a:defRPr>
-            </a:lvl8pPr>
-            <a:lvl9pPr marL="3657600" algn="l" defTabSz="914400" rtl="0" eaLnBrk="1" latinLnBrk="0" hangingPunct="1">
-              <a:defRPr sz="1800" kern="1200">
-                <a:solidFill>
-                  <a:schemeClr val="tx1"/>
-                </a:solidFill>
-                <a:latin typeface="+mn-lt"/>
-                <a:ea typeface="+mn-ea"/>
-                <a:cs typeface="+mn-cs"/>
-              </a:defRPr>
-            </a:lvl9pPr>
-          </a:lstStyle>
-          <a:p>
-            <a:r>
-              <a:rPr lang="en-US" altLang="zh-TW"/>
-              <a:t>TYIC</a:t>
-            </a:r>
-            <a:r>
-              <a:rPr lang="zh-TW" altLang="en-US"/>
-              <a:t>桃高資訊社</a:t>
-            </a:r>
-          </a:p>
-        </p:txBody>
-      </p:sp>
-      <p:sp>
-        <p:nvSpPr>
-          <p:cNvPr id="9" name="投影片編號版面配置區 5">
-            <a:extLst>
-              <a:ext uri="{FF2B5EF4-FFF2-40B4-BE49-F238E27FC236}">
-                <a16:creationId xmlns:a16="http://schemas.microsoft.com/office/drawing/2014/main" id="{462D3499-D09D-4E37-BE04-5CFD293C1093}"/>
-              </a:ext>
-            </a:extLst>
-          </p:cNvPr>
-          <p:cNvSpPr txBox="1">
-            <a:spLocks/>
-          </p:cNvSpPr>
-          <p:nvPr/>
-        </p:nvSpPr>
-        <p:spPr>
-          <a:xfrm>
-            <a:off x="9448800" y="6492874"/>
-            <a:ext cx="2743200" cy="365125"/>
-          </a:xfrm>
-          <a:prstGeom prst="rect">
-            <a:avLst/>
-          </a:prstGeom>
-        </p:spPr>
-        <p:txBody>
-          <a:bodyPr vert="horz" lIns="91440" tIns="45720" rIns="91440" bIns="45720" rtlCol="0" anchor="ctr"/>
-          <a:lstStyle>
-            <a:defPPr>
-              <a:defRPr lang="zh-TW"/>
-            </a:defPPr>
-            <a:lvl1pPr marL="0" algn="r" defTabSz="914400" rtl="0" eaLnBrk="1" latinLnBrk="0" hangingPunct="1">
-              <a:defRPr sz="1200" kern="1200">
-                <a:solidFill>
-                  <a:schemeClr val="tx1">
-                    <a:tint val="75000"/>
-                  </a:schemeClr>
-                </a:solidFill>
-                <a:latin typeface="+mn-lt"/>
-                <a:ea typeface="+mn-ea"/>
-                <a:cs typeface="+mn-cs"/>
-              </a:defRPr>
-            </a:lvl1pPr>
-            <a:lvl2pPr marL="457200" algn="l" defTabSz="914400" rtl="0" eaLnBrk="1" latinLnBrk="0" hangingPunct="1">
-              <a:defRPr sz="1800" kern="1200">
-                <a:solidFill>
-                  <a:schemeClr val="tx1"/>
-                </a:solidFill>
-                <a:latin typeface="+mn-lt"/>
-                <a:ea typeface="+mn-ea"/>
-                <a:cs typeface="+mn-cs"/>
-              </a:defRPr>
-            </a:lvl2pPr>
-            <a:lvl3pPr marL="914400" algn="l" defTabSz="914400" rtl="0" eaLnBrk="1" latinLnBrk="0" hangingPunct="1">
-              <a:defRPr sz="1800" kern="1200">
-                <a:solidFill>
-                  <a:schemeClr val="tx1"/>
-                </a:solidFill>
-                <a:latin typeface="+mn-lt"/>
-                <a:ea typeface="+mn-ea"/>
-                <a:cs typeface="+mn-cs"/>
-              </a:defRPr>
-            </a:lvl3pPr>
-            <a:lvl4pPr marL="1371600" algn="l" defTabSz="914400" rtl="0" eaLnBrk="1" latinLnBrk="0" hangingPunct="1">
-              <a:defRPr sz="1800" kern="1200">
-                <a:solidFill>
-                  <a:schemeClr val="tx1"/>
-                </a:solidFill>
-                <a:latin typeface="+mn-lt"/>
-                <a:ea typeface="+mn-ea"/>
-                <a:cs typeface="+mn-cs"/>
-              </a:defRPr>
-            </a:lvl4pPr>
-            <a:lvl5pPr marL="1828800" algn="l" defTabSz="914400" rtl="0" eaLnBrk="1" latinLnBrk="0" hangingPunct="1">
-              <a:defRPr sz="1800" kern="1200">
-                <a:solidFill>
-                  <a:schemeClr val="tx1"/>
-                </a:solidFill>
-                <a:latin typeface="+mn-lt"/>
-                <a:ea typeface="+mn-ea"/>
-                <a:cs typeface="+mn-cs"/>
-              </a:defRPr>
-            </a:lvl5pPr>
-            <a:lvl6pPr marL="2286000" algn="l" defTabSz="914400" rtl="0" eaLnBrk="1" latinLnBrk="0" hangingPunct="1">
-              <a:defRPr sz="1800" kern="1200">
-                <a:solidFill>
-                  <a:schemeClr val="tx1"/>
-                </a:solidFill>
-                <a:latin typeface="+mn-lt"/>
-                <a:ea typeface="+mn-ea"/>
-                <a:cs typeface="+mn-cs"/>
-              </a:defRPr>
-            </a:lvl6pPr>
-            <a:lvl7pPr marL="2743200" algn="l" defTabSz="914400" rtl="0" eaLnBrk="1" latinLnBrk="0" hangingPunct="1">
-              <a:defRPr sz="1800" kern="1200">
-                <a:solidFill>
-                  <a:schemeClr val="tx1"/>
-                </a:solidFill>
-                <a:latin typeface="+mn-lt"/>
-                <a:ea typeface="+mn-ea"/>
-                <a:cs typeface="+mn-cs"/>
-              </a:defRPr>
-            </a:lvl7pPr>
-            <a:lvl8pPr marL="3200400" algn="l" defTabSz="914400" rtl="0" eaLnBrk="1" latinLnBrk="0" hangingPunct="1">
-              <a:defRPr sz="1800" kern="1200">
-                <a:solidFill>
-                  <a:schemeClr val="tx1"/>
-                </a:solidFill>
-                <a:latin typeface="+mn-lt"/>
-                <a:ea typeface="+mn-ea"/>
-                <a:cs typeface="+mn-cs"/>
-              </a:defRPr>
-            </a:lvl8pPr>
-            <a:lvl9pPr marL="3657600" algn="l" defTabSz="914400" rtl="0" eaLnBrk="1" latinLnBrk="0" hangingPunct="1">
-              <a:defRPr sz="1800" kern="1200">
-                <a:solidFill>
-                  <a:schemeClr val="tx1"/>
-                </a:solidFill>
-                <a:latin typeface="+mn-lt"/>
-                <a:ea typeface="+mn-ea"/>
-                <a:cs typeface="+mn-cs"/>
-              </a:defRPr>
-            </a:lvl9pPr>
-          </a:lstStyle>
-          <a:p>
-            <a:fld id="{D4328D90-2A6F-4F23-88A8-C5DCC2B5F307}" type="slidenum">
-              <a:rPr lang="zh-TW" altLang="en-US" smtClean="0"/>
-              <a:pPr/>
-              <a:t>‹#›</a:t>
-            </a:fld>
-            <a:endParaRPr lang="zh-TW" altLang="en-US"/>
-          </a:p>
-        </p:txBody>
-      </p:sp>
-      <p:sp>
-        <p:nvSpPr>
-          <p:cNvPr id="7" name="頁尾版面配置區 4">
-            <a:extLst>
-              <a:ext uri="{FF2B5EF4-FFF2-40B4-BE49-F238E27FC236}">
-                <a16:creationId xmlns:a16="http://schemas.microsoft.com/office/drawing/2014/main" id="{98EB7A71-ECA5-4881-9036-A2C34C4BD790}"/>
-              </a:ext>
-            </a:extLst>
-          </p:cNvPr>
-          <p:cNvSpPr txBox="1">
-            <a:spLocks/>
-          </p:cNvSpPr>
-          <p:nvPr/>
-        </p:nvSpPr>
-        <p:spPr>
-          <a:xfrm>
-            <a:off x="0" y="6492875"/>
-            <a:ext cx="2743200" cy="365125"/>
-          </a:xfrm>
-          <a:prstGeom prst="rect">
-            <a:avLst/>
-          </a:prstGeom>
-        </p:spPr>
-        <p:txBody>
-          <a:bodyPr vert="horz" lIns="91440" tIns="45720" rIns="91440" bIns="45720" rtlCol="0" anchor="ctr"/>
-          <a:lstStyle>
-            <a:defPPr>
-              <a:defRPr lang="zh-TW"/>
-            </a:defPPr>
-            <a:lvl1pPr marL="0" algn="l" defTabSz="914400" rtl="0" eaLnBrk="1" latinLnBrk="0" hangingPunct="1">
-              <a:defRPr sz="1200" kern="1200">
-                <a:solidFill>
-                  <a:schemeClr val="tx1">
-                    <a:tint val="75000"/>
-                  </a:schemeClr>
-                </a:solidFill>
-                <a:latin typeface="+mn-lt"/>
-                <a:ea typeface="+mn-ea"/>
-                <a:cs typeface="+mn-cs"/>
-              </a:defRPr>
-            </a:lvl1pPr>
-            <a:lvl2pPr marL="457200" algn="l" defTabSz="914400" rtl="0" eaLnBrk="1" latinLnBrk="0" hangingPunct="1">
-              <a:defRPr sz="1800" kern="1200">
-                <a:solidFill>
-                  <a:schemeClr val="tx1"/>
-                </a:solidFill>
-                <a:latin typeface="+mn-lt"/>
-                <a:ea typeface="+mn-ea"/>
-                <a:cs typeface="+mn-cs"/>
-              </a:defRPr>
-            </a:lvl2pPr>
-            <a:lvl3pPr marL="914400" algn="l" defTabSz="914400" rtl="0" eaLnBrk="1" latinLnBrk="0" hangingPunct="1">
-              <a:defRPr sz="1800" kern="1200">
-                <a:solidFill>
-                  <a:schemeClr val="tx1"/>
-                </a:solidFill>
-                <a:latin typeface="+mn-lt"/>
-                <a:ea typeface="+mn-ea"/>
-                <a:cs typeface="+mn-cs"/>
-              </a:defRPr>
-            </a:lvl3pPr>
-            <a:lvl4pPr marL="1371600" algn="l" defTabSz="914400" rtl="0" eaLnBrk="1" latinLnBrk="0" hangingPunct="1">
-              <a:defRPr sz="1800" kern="1200">
-                <a:solidFill>
-                  <a:schemeClr val="tx1"/>
-                </a:solidFill>
-                <a:latin typeface="+mn-lt"/>
-                <a:ea typeface="+mn-ea"/>
-                <a:cs typeface="+mn-cs"/>
-              </a:defRPr>
-            </a:lvl4pPr>
-            <a:lvl5pPr marL="1828800" algn="l" defTabSz="914400" rtl="0" eaLnBrk="1" latinLnBrk="0" hangingPunct="1">
-              <a:defRPr sz="1800" kern="1200">
-                <a:solidFill>
-                  <a:schemeClr val="tx1"/>
-                </a:solidFill>
-                <a:latin typeface="+mn-lt"/>
-                <a:ea typeface="+mn-ea"/>
-                <a:cs typeface="+mn-cs"/>
-              </a:defRPr>
-            </a:lvl5pPr>
-            <a:lvl6pPr marL="2286000" algn="l" defTabSz="914400" rtl="0" eaLnBrk="1" latinLnBrk="0" hangingPunct="1">
-              <a:defRPr sz="1800" kern="1200">
-                <a:solidFill>
-                  <a:schemeClr val="tx1"/>
-                </a:solidFill>
-                <a:latin typeface="+mn-lt"/>
-                <a:ea typeface="+mn-ea"/>
-                <a:cs typeface="+mn-cs"/>
-              </a:defRPr>
-            </a:lvl6pPr>
-            <a:lvl7pPr marL="2743200" algn="l" defTabSz="914400" rtl="0" eaLnBrk="1" latinLnBrk="0" hangingPunct="1">
-              <a:defRPr sz="1800" kern="1200">
-                <a:solidFill>
-                  <a:schemeClr val="tx1"/>
-                </a:solidFill>
-                <a:latin typeface="+mn-lt"/>
-                <a:ea typeface="+mn-ea"/>
-                <a:cs typeface="+mn-cs"/>
-              </a:defRPr>
-            </a:lvl7pPr>
-            <a:lvl8pPr marL="3200400" algn="l" defTabSz="914400" rtl="0" eaLnBrk="1" latinLnBrk="0" hangingPunct="1">
-              <a:defRPr sz="1800" kern="1200">
-                <a:solidFill>
-                  <a:schemeClr val="tx1"/>
-                </a:solidFill>
-                <a:latin typeface="+mn-lt"/>
-                <a:ea typeface="+mn-ea"/>
-                <a:cs typeface="+mn-cs"/>
-              </a:defRPr>
-            </a:lvl8pPr>
-            <a:lvl9pPr marL="3657600" algn="l" defTabSz="914400" rtl="0" eaLnBrk="1" latinLnBrk="0" hangingPunct="1">
-              <a:defRPr sz="1800" kern="1200">
-                <a:solidFill>
-                  <a:schemeClr val="tx1"/>
-                </a:solidFill>
-                <a:latin typeface="+mn-lt"/>
-                <a:ea typeface="+mn-ea"/>
-                <a:cs typeface="+mn-cs"/>
-              </a:defRPr>
-            </a:lvl9pPr>
-          </a:lstStyle>
-          <a:p>
-            <a:r>
-              <a:rPr lang="en-US" altLang="zh-TW" dirty="0"/>
-              <a:t>TYIC</a:t>
-            </a:r>
-            <a:r>
-              <a:rPr lang="zh-TW" altLang="en-US"/>
-              <a:t>桃高資訊社</a:t>
-            </a:r>
-          </a:p>
-        </p:txBody>
-      </p:sp>
-      <p:sp>
-        <p:nvSpPr>
-          <p:cNvPr id="10" name="投影片編號版面配置區 5">
-            <a:extLst>
-              <a:ext uri="{FF2B5EF4-FFF2-40B4-BE49-F238E27FC236}">
-                <a16:creationId xmlns:a16="http://schemas.microsoft.com/office/drawing/2014/main" id="{99F2AF6F-1679-4208-AC9D-B2480349397D}"/>
-              </a:ext>
-            </a:extLst>
-          </p:cNvPr>
-          <p:cNvSpPr txBox="1">
-            <a:spLocks/>
-          </p:cNvSpPr>
-          <p:nvPr/>
-        </p:nvSpPr>
-        <p:spPr>
-          <a:xfrm>
-            <a:off x="9448800" y="6492874"/>
-            <a:ext cx="2743200" cy="365125"/>
-          </a:xfrm>
-          <a:prstGeom prst="rect">
-            <a:avLst/>
-          </a:prstGeom>
-        </p:spPr>
-        <p:txBody>
-          <a:bodyPr vert="horz" lIns="91440" tIns="45720" rIns="91440" bIns="45720" rtlCol="0" anchor="ctr"/>
-          <a:lstStyle>
-            <a:defPPr>
-              <a:defRPr lang="zh-TW"/>
-            </a:defPPr>
-            <a:lvl1pPr marL="0" algn="r" defTabSz="914400" rtl="0" eaLnBrk="1" latinLnBrk="0" hangingPunct="1">
-              <a:defRPr sz="1200" kern="1200">
-                <a:solidFill>
-                  <a:schemeClr val="tx1">
-                    <a:tint val="75000"/>
-                  </a:schemeClr>
-                </a:solidFill>
-                <a:latin typeface="+mn-lt"/>
-                <a:ea typeface="+mn-ea"/>
-                <a:cs typeface="+mn-cs"/>
-              </a:defRPr>
-            </a:lvl1pPr>
-            <a:lvl2pPr marL="457200" algn="l" defTabSz="914400" rtl="0" eaLnBrk="1" latinLnBrk="0" hangingPunct="1">
-              <a:defRPr sz="1800" kern="1200">
-                <a:solidFill>
-                  <a:schemeClr val="tx1"/>
-                </a:solidFill>
-                <a:latin typeface="+mn-lt"/>
-                <a:ea typeface="+mn-ea"/>
-                <a:cs typeface="+mn-cs"/>
-              </a:defRPr>
-            </a:lvl2pPr>
-            <a:lvl3pPr marL="914400" algn="l" defTabSz="914400" rtl="0" eaLnBrk="1" latinLnBrk="0" hangingPunct="1">
-              <a:defRPr sz="1800" kern="1200">
-                <a:solidFill>
-                  <a:schemeClr val="tx1"/>
-                </a:solidFill>
-                <a:latin typeface="+mn-lt"/>
-                <a:ea typeface="+mn-ea"/>
-                <a:cs typeface="+mn-cs"/>
-              </a:defRPr>
-            </a:lvl3pPr>
-            <a:lvl4pPr marL="1371600" algn="l" defTabSz="914400" rtl="0" eaLnBrk="1" latinLnBrk="0" hangingPunct="1">
-              <a:defRPr sz="1800" kern="1200">
-                <a:solidFill>
-                  <a:schemeClr val="tx1"/>
-                </a:solidFill>
-                <a:latin typeface="+mn-lt"/>
-                <a:ea typeface="+mn-ea"/>
-                <a:cs typeface="+mn-cs"/>
-              </a:defRPr>
-            </a:lvl4pPr>
-            <a:lvl5pPr marL="1828800" algn="l" defTabSz="914400" rtl="0" eaLnBrk="1" latinLnBrk="0" hangingPunct="1">
-              <a:defRPr sz="1800" kern="1200">
-                <a:solidFill>
-                  <a:schemeClr val="tx1"/>
-                </a:solidFill>
-                <a:latin typeface="+mn-lt"/>
-                <a:ea typeface="+mn-ea"/>
-                <a:cs typeface="+mn-cs"/>
-              </a:defRPr>
-            </a:lvl5pPr>
-            <a:lvl6pPr marL="2286000" algn="l" defTabSz="914400" rtl="0" eaLnBrk="1" latinLnBrk="0" hangingPunct="1">
-              <a:defRPr sz="1800" kern="1200">
-                <a:solidFill>
-                  <a:schemeClr val="tx1"/>
-                </a:solidFill>
-                <a:latin typeface="+mn-lt"/>
-                <a:ea typeface="+mn-ea"/>
-                <a:cs typeface="+mn-cs"/>
-              </a:defRPr>
-            </a:lvl6pPr>
-            <a:lvl7pPr marL="2743200" algn="l" defTabSz="914400" rtl="0" eaLnBrk="1" latinLnBrk="0" hangingPunct="1">
-              <a:defRPr sz="1800" kern="1200">
-                <a:solidFill>
-                  <a:schemeClr val="tx1"/>
-                </a:solidFill>
-                <a:latin typeface="+mn-lt"/>
-                <a:ea typeface="+mn-ea"/>
-                <a:cs typeface="+mn-cs"/>
-              </a:defRPr>
-            </a:lvl7pPr>
-            <a:lvl8pPr marL="3200400" algn="l" defTabSz="914400" rtl="0" eaLnBrk="1" latinLnBrk="0" hangingPunct="1">
-              <a:defRPr sz="1800" kern="1200">
-                <a:solidFill>
-                  <a:schemeClr val="tx1"/>
-                </a:solidFill>
-                <a:latin typeface="+mn-lt"/>
-                <a:ea typeface="+mn-ea"/>
-                <a:cs typeface="+mn-cs"/>
-              </a:defRPr>
-            </a:lvl8pPr>
-            <a:lvl9pPr marL="3657600" algn="l" defTabSz="914400" rtl="0" eaLnBrk="1" latinLnBrk="0" hangingPunct="1">
-              <a:defRPr sz="1800" kern="1200">
-                <a:solidFill>
-                  <a:schemeClr val="tx1"/>
-                </a:solidFill>
-                <a:latin typeface="+mn-lt"/>
-                <a:ea typeface="+mn-ea"/>
-                <a:cs typeface="+mn-cs"/>
-              </a:defRPr>
-            </a:lvl9pPr>
-          </a:lstStyle>
-          <a:p>
-            <a:fld id="{D4328D90-2A6F-4F23-88A8-C5DCC2B5F307}" type="slidenum">
-              <a:rPr lang="zh-TW" altLang="en-US" smtClean="0"/>
-              <a:pPr/>
-              <a:t>‹#›</a:t>
-            </a:fld>
-            <a:endParaRPr lang="zh-TW" altLang="en-US"/>
-          </a:p>
-        </p:txBody>
-      </p:sp>
-    </p:spTree>
-    <p:extLst>
-      <p:ext uri="{BB962C8B-B14F-4D97-AF65-F5344CB8AC3E}">
-        <p14:creationId xmlns:p14="http://schemas.microsoft.com/office/powerpoint/2010/main" val="263652288"/>
+        <p14:creationId xmlns:p14="http://schemas.microsoft.com/office/powerpoint/2010/main" val="3876866989"/>
       </p:ext>
     </p:extLst>
   </p:cSld>
@@ -8162,24 +2100,16 @@
     </p:spTree>
     <p:extLst>
       <p:ext uri="{BB962C8B-B14F-4D97-AF65-F5344CB8AC3E}">
-        <p14:creationId xmlns:p14="http://schemas.microsoft.com/office/powerpoint/2010/main" val="3171747912"/>
+        <p14:creationId xmlns:p14="http://schemas.microsoft.com/office/powerpoint/2010/main" val="761173151"/>
       </p:ext>
     </p:extLst>
   </p:cSld>
   <p:clrMap bg1="dk1" tx1="lt1" bg2="dk2" tx2="lt2" accent1="accent1" accent2="accent2" accent3="accent3" accent4="accent4" accent5="accent5" accent6="accent6" hlink="hlink" folHlink="folHlink"/>
   <p:sldLayoutIdLst>
-    <p:sldLayoutId id="2147483661" r:id="rId1"/>
-    <p:sldLayoutId id="2147483662" r:id="rId2"/>
-    <p:sldLayoutId id="2147483663" r:id="rId3"/>
-    <p:sldLayoutId id="2147483664" r:id="rId4"/>
-    <p:sldLayoutId id="2147483665" r:id="rId5"/>
-    <p:sldLayoutId id="2147483666" r:id="rId6"/>
-    <p:sldLayoutId id="2147483667" r:id="rId7"/>
-    <p:sldLayoutId id="2147483668" r:id="rId8"/>
-    <p:sldLayoutId id="2147483669" r:id="rId9"/>
-    <p:sldLayoutId id="2147483670" r:id="rId10"/>
-    <p:sldLayoutId id="2147483671" r:id="rId11"/>
-    <p:sldLayoutId id="2147483672" r:id="rId12"/>
+    <p:sldLayoutId id="2147483674" r:id="rId1"/>
+    <p:sldLayoutId id="2147483675" r:id="rId2"/>
+    <p:sldLayoutId id="2147483676" r:id="rId3"/>
+    <p:sldLayoutId id="2147483677" r:id="rId4"/>
   </p:sldLayoutIdLst>
   <p:transition spd="slow">
     <p:push dir="u"/>
@@ -8539,7 +2469,7 @@
             </a:r>
             <a:r>
               <a:rPr lang="zh-TW" altLang="en-US"/>
-              <a:t>桃高資訊社</a:t>
+              <a:t> 桃高資訊社</a:t>
             </a:r>
           </a:p>
         </p:txBody>
@@ -8695,8 +2625,8 @@
         </p:nvSpPr>
         <p:spPr>
           <a:xfrm>
-            <a:off x="1882588" y="2578822"/>
-            <a:ext cx="8426824" cy="2544286"/>
+            <a:off x="1882588" y="2318792"/>
+            <a:ext cx="8426824" cy="3060325"/>
           </a:xfrm>
           <a:prstGeom prst="rect">
             <a:avLst/>
@@ -8940,22 +2870,78 @@
                 <a:ea typeface="微軟正黑體 Light"/>
                 <a:cs typeface="Times New Roman" panose="02020603050405020304" pitchFamily="18" charset="0"/>
               </a:rPr>
-              <a:t>那麼無論如何你瘋了，並且你需要修復你的程式</a:t>
-            </a:r>
-            <a:endParaRPr kumimoji="0" lang="en-US" altLang="zh-TW" sz="2800" b="0" i="1" u="none" strike="noStrike" kern="1200" cap="none" spc="0" normalizeH="0" baseline="0" noProof="0">
-              <a:ln>
-                <a:noFill/>
-              </a:ln>
-              <a:solidFill>
-                <a:srgbClr val="FFFFFF"/>
-              </a:solidFill>
-              <a:effectLst/>
-              <a:uLnTx/>
-              <a:uFillTx/>
-              <a:latin typeface="Times New Roman" panose="02020603050405020304" pitchFamily="18" charset="0"/>
-              <a:ea typeface="微軟正黑體 Light"/>
-              <a:cs typeface="Times New Roman" panose="02020603050405020304" pitchFamily="18" charset="0"/>
-            </a:endParaRPr>
+              <a:t>那麼無論如何你瘋了，並且你需要修復你的程式。</a:t>
+            </a:r>
+          </a:p>
+          <a:p>
+            <a:pPr marL="0" marR="0" lvl="0" indent="0" algn="r" defTabSz="914400" rtl="0" eaLnBrk="1" fontAlgn="auto" latinLnBrk="0" hangingPunct="1">
+              <a:lnSpc>
+                <a:spcPct val="90000"/>
+              </a:lnSpc>
+              <a:spcBef>
+                <a:spcPts val="1000"/>
+              </a:spcBef>
+              <a:spcAft>
+                <a:spcPts val="0"/>
+              </a:spcAft>
+              <a:buClrTx/>
+              <a:buSzTx/>
+              <a:buFont typeface="Arial" panose="020B0604020202020204" pitchFamily="34" charset="0"/>
+              <a:buNone/>
+              <a:tabLst/>
+              <a:defRPr/>
+            </a:pPr>
+            <a:r>
+              <a:rPr kumimoji="0" lang="en-US" altLang="zh-TW" sz="2800" b="0" u="none" strike="noStrike" kern="1200" cap="none" spc="0" normalizeH="0" baseline="0" noProof="0">
+                <a:ln>
+                  <a:noFill/>
+                </a:ln>
+                <a:solidFill>
+                  <a:srgbClr val="FFFFFF"/>
+                </a:solidFill>
+                <a:effectLst/>
+                <a:uLnTx/>
+                <a:uFillTx/>
+                <a:latin typeface="Times New Roman" panose="02020603050405020304" pitchFamily="18" charset="0"/>
+                <a:ea typeface="微軟正黑體 Light"/>
+                <a:cs typeface="Times New Roman" panose="02020603050405020304" pitchFamily="18" charset="0"/>
+              </a:rPr>
+              <a:t>-</a:t>
+            </a:r>
+            <a:r>
+              <a:rPr kumimoji="0" lang="zh-TW" altLang="en-US" sz="2800" b="0" u="none" strike="noStrike" kern="1200" cap="none" spc="0" normalizeH="0" baseline="0" noProof="0">
+                <a:ln>
+                  <a:noFill/>
+                </a:ln>
+                <a:solidFill>
+                  <a:srgbClr val="FFFFFF"/>
+                </a:solidFill>
+                <a:effectLst/>
+                <a:uLnTx/>
+                <a:uFillTx/>
+                <a:latin typeface="Times New Roman" panose="02020603050405020304" pitchFamily="18" charset="0"/>
+                <a:ea typeface="微軟正黑體 Light"/>
+                <a:cs typeface="Times New Roman" panose="02020603050405020304" pitchFamily="18" charset="0"/>
+              </a:rPr>
+              <a:t> </a:t>
+            </a:r>
+            <a:r>
+              <a:rPr kumimoji="0" lang="en-US" altLang="zh-TW" sz="2800" b="0" u="none" strike="noStrike" kern="1200" cap="none" spc="0" normalizeH="0" baseline="0" noProof="0">
+                <a:ln>
+                  <a:noFill/>
+                </a:ln>
+                <a:solidFill>
+                  <a:srgbClr val="FFFFFF"/>
+                </a:solidFill>
+                <a:effectLst/>
+                <a:uLnTx/>
+                <a:uFillTx/>
+                <a:latin typeface="Times New Roman" panose="02020603050405020304" pitchFamily="18" charset="0"/>
+                <a:ea typeface="微軟正黑體 Light"/>
+                <a:cs typeface="Times New Roman" panose="02020603050405020304" pitchFamily="18" charset="0"/>
+              </a:rPr>
+              <a:t>Linus Torvalds</a:t>
+            </a:r>
           </a:p>
         </p:txBody>
       </p:sp>
@@ -8975,7 +2961,7 @@
         </p:nvSpPr>
         <p:spPr>
           <a:xfrm>
-            <a:off x="838200" y="5383139"/>
+            <a:off x="838200" y="5595203"/>
             <a:ext cx="10515600" cy="520061"/>
           </a:xfrm>
           <a:prstGeom prst="rect">
@@ -21585,7 +15571,7 @@
         </p:nvSpPr>
         <p:spPr>
           <a:xfrm>
-            <a:off x="520139" y="365125"/>
+            <a:off x="520139" y="81930"/>
             <a:ext cx="4980851" cy="1325563"/>
           </a:xfrm>
         </p:spPr>
@@ -21618,13 +15604,150 @@
         </p:nvSpPr>
         <p:spPr>
           <a:xfrm>
-            <a:off x="520139" y="2211107"/>
-            <a:ext cx="4980851" cy="514163"/>
+            <a:off x="520138" y="1361026"/>
+            <a:ext cx="5014025" cy="2585323"/>
           </a:xfrm>
         </p:spPr>
         <p:txBody>
-          <a:bodyPr/>
+          <a:bodyPr>
+            <a:normAutofit/>
+          </a:bodyPr>
           <a:lstStyle/>
+          <a:p>
+            <a:r>
+              <a:rPr lang="zh-TW" altLang="en-US"/>
+              <a:t>若</a:t>
+            </a:r>
+            <a:r>
+              <a:rPr lang="zh-TW" altLang="en-US">
+                <a:solidFill>
+                  <a:srgbClr val="00B0F0"/>
+                </a:solidFill>
+              </a:rPr>
+              <a:t>欄位</a:t>
+            </a:r>
+            <a:r>
+              <a:rPr lang="zh-TW" altLang="en-US"/>
+              <a:t>在使用前沒有</a:t>
+            </a:r>
+            <a:r>
+              <a:rPr lang="zh-TW" altLang="en-US">
+                <a:solidFill>
+                  <a:srgbClr val="FFC000"/>
+                </a:solidFill>
+              </a:rPr>
+              <a:t>初始化</a:t>
+            </a:r>
+            <a:endParaRPr lang="en-US" altLang="zh-TW">
+              <a:solidFill>
+                <a:srgbClr val="FFC000"/>
+              </a:solidFill>
+            </a:endParaRPr>
+          </a:p>
+          <a:p>
+            <a:r>
+              <a:rPr lang="zh-TW" altLang="en-US"/>
+              <a:t>則</a:t>
+            </a:r>
+            <a:r>
+              <a:rPr lang="zh-TW" altLang="en-US">
+                <a:solidFill>
+                  <a:srgbClr val="FFC000"/>
+                </a:solidFill>
+              </a:rPr>
+              <a:t>初始化</a:t>
+            </a:r>
+            <a:r>
+              <a:rPr lang="zh-TW" altLang="en-US"/>
+              <a:t>為</a:t>
+            </a:r>
+            <a:r>
+              <a:rPr lang="zh-TW" altLang="en-US">
+                <a:solidFill>
+                  <a:srgbClr val="00B0F0"/>
+                </a:solidFill>
+              </a:rPr>
+              <a:t>預設值</a:t>
+            </a:r>
+            <a:endParaRPr lang="en-US" altLang="zh-TW">
+              <a:solidFill>
+                <a:srgbClr val="00B0F0"/>
+              </a:solidFill>
+            </a:endParaRPr>
+          </a:p>
+          <a:p>
+            <a:r>
+              <a:rPr lang="en-US" altLang="zh-TW">
+                <a:solidFill>
+                  <a:srgbClr val="00B0F0"/>
+                </a:solidFill>
+              </a:rPr>
+              <a:t>(</a:t>
+            </a:r>
+            <a:r>
+              <a:rPr lang="zh-TW" altLang="en-US">
+                <a:solidFill>
+                  <a:srgbClr val="00B0F0"/>
+                </a:solidFill>
+              </a:rPr>
+              <a:t>數字為 </a:t>
+            </a:r>
+            <a:r>
+              <a:rPr lang="en-US" altLang="zh-TW">
+                <a:solidFill>
+                  <a:srgbClr val="00B0F0"/>
+                </a:solidFill>
+              </a:rPr>
+              <a:t>0</a:t>
+            </a:r>
+            <a:r>
+              <a:rPr lang="zh-TW" altLang="en-US">
+                <a:solidFill>
+                  <a:srgbClr val="00B0F0"/>
+                </a:solidFill>
+              </a:rPr>
+              <a:t>、布林為 </a:t>
+            </a:r>
+            <a:r>
+              <a:rPr lang="en-US" altLang="zh-TW">
+                <a:solidFill>
+                  <a:srgbClr val="CF8E6D"/>
+                </a:solidFill>
+              </a:rPr>
+              <a:t>false</a:t>
+            </a:r>
+          </a:p>
+          <a:p>
+            <a:r>
+              <a:rPr lang="zh-TW" altLang="en-US">
+                <a:solidFill>
+                  <a:srgbClr val="00B0F0"/>
+                </a:solidFill>
+              </a:rPr>
+              <a:t>物件為 </a:t>
+            </a:r>
+            <a:r>
+              <a:rPr lang="en-US" altLang="zh-TW">
+                <a:solidFill>
+                  <a:srgbClr val="CF8E6D"/>
+                </a:solidFill>
+              </a:rPr>
+              <a:t>null</a:t>
+            </a:r>
+            <a:r>
+              <a:rPr lang="en-US" altLang="zh-TW">
+                <a:solidFill>
+                  <a:srgbClr val="00B0F0"/>
+                </a:solidFill>
+              </a:rPr>
+              <a:t>)</a:t>
+            </a:r>
+            <a:endParaRPr lang="en-US" altLang="zh-TW">
+              <a:solidFill>
+                <a:srgbClr val="FFC000"/>
+              </a:solidFill>
+            </a:endParaRPr>
+          </a:p>
           <a:p>
             <a:r>
               <a:rPr lang="zh-TW" altLang="en-US">
@@ -21671,10 +15794,10 @@
         </p:nvGrpSpPr>
         <p:grpSpPr>
           <a:xfrm>
-            <a:off x="520139" y="2864224"/>
-            <a:ext cx="4980851" cy="2862322"/>
-            <a:chOff x="362812" y="1997839"/>
-            <a:chExt cx="4980851" cy="2862322"/>
+            <a:off x="520139" y="3946349"/>
+            <a:ext cx="5014024" cy="2585323"/>
+            <a:chOff x="362812" y="2384571"/>
+            <a:chExt cx="5014024" cy="2585323"/>
           </a:xfrm>
         </p:grpSpPr>
         <p:sp>
@@ -21693,8 +15816,8 @@
           </p:nvSpPr>
           <p:spPr bwMode="auto">
             <a:xfrm>
-              <a:off x="362812" y="1997839"/>
-              <a:ext cx="4980851" cy="2862322"/>
+              <a:off x="362812" y="2384571"/>
+              <a:ext cx="5014024" cy="2585323"/>
             </a:xfrm>
             <a:prstGeom prst="rect">
               <a:avLst/>
@@ -21729,7 +15852,7 @@
             </a:extLst>
           </p:spPr>
           <p:txBody>
-            <a:bodyPr vert="horz" wrap="none" lIns="91440" tIns="45720" rIns="91440" bIns="45720" numCol="1" anchor="ctr" anchorCtr="0" compatLnSpc="1">
+            <a:bodyPr vert="horz" wrap="square" lIns="91440" tIns="45720" rIns="91440" bIns="45720" numCol="1" anchor="ctr" anchorCtr="0" compatLnSpc="1">
               <a:prstTxWarp prst="textNoShape">
                 <a:avLst/>
               </a:prstTxWarp>
@@ -21754,7 +15877,7 @@
                 <a:tabLst/>
               </a:pPr>
               <a:r>
-                <a:rPr kumimoji="0" lang="en-US" altLang="zh-TW" sz="2000" b="0" i="0" u="none" strike="noStrike" cap="none" normalizeH="0" baseline="0">
+                <a:rPr kumimoji="0" lang="en-US" altLang="zh-TW" b="0" i="0" u="none" strike="noStrike" cap="none" normalizeH="0" baseline="0">
                   <a:ln>
                     <a:noFill/>
                   </a:ln>
@@ -21786,7 +15909,7 @@
                 <a:tabLst/>
               </a:pPr>
               <a:r>
-                <a:rPr kumimoji="0" lang="en-US" altLang="zh-TW" sz="2000" b="0" i="0" u="none" strike="noStrike" cap="none" normalizeH="0" baseline="0">
+                <a:rPr kumimoji="0" lang="en-US" altLang="zh-TW" b="0" i="0" u="none" strike="noStrike" cap="none" normalizeH="0" baseline="0">
                   <a:ln>
                     <a:noFill/>
                   </a:ln>
@@ -21818,7 +15941,7 @@
                 <a:tabLst/>
               </a:pPr>
               <a:r>
-                <a:rPr kumimoji="0" lang="en-US" altLang="zh-TW" sz="2000" b="0" i="0" u="none" strike="noStrike" cap="none" normalizeH="0" baseline="0">
+                <a:rPr kumimoji="0" lang="en-US" altLang="zh-TW" b="0" i="0" u="none" strike="noStrike" cap="none" normalizeH="0" baseline="0">
                   <a:ln>
                     <a:noFill/>
                   </a:ln>
@@ -21850,7 +15973,7 @@
                 <a:tabLst/>
               </a:pPr>
               <a:r>
-                <a:rPr kumimoji="0" lang="en-US" altLang="zh-TW" sz="2000" b="0" i="0" u="none" strike="noStrike" cap="none" normalizeH="0" baseline="0">
+                <a:rPr kumimoji="0" lang="en-US" altLang="zh-TW" b="0" i="0" u="none" strike="noStrike" cap="none" normalizeH="0" baseline="0">
                   <a:ln>
                     <a:noFill/>
                   </a:ln>
@@ -21882,7 +16005,7 @@
                 <a:tabLst/>
               </a:pPr>
               <a:r>
-                <a:rPr kumimoji="0" lang="en-US" altLang="zh-TW" sz="2000" b="0" i="0" u="none" strike="noStrike" cap="none" normalizeH="0" baseline="0">
+                <a:rPr kumimoji="0" lang="en-US" altLang="zh-TW" b="0" i="0" u="none" strike="noStrike" cap="none" normalizeH="0" baseline="0">
                   <a:ln>
                     <a:noFill/>
                   </a:ln>
@@ -21914,7 +16037,7 @@
                 <a:tabLst/>
               </a:pPr>
               <a:r>
-                <a:rPr kumimoji="0" lang="en-US" altLang="zh-TW" sz="2000" b="0" i="0" u="none" strike="noStrike" cap="none" normalizeH="0" baseline="0">
+                <a:rPr kumimoji="0" lang="en-US" altLang="zh-TW" b="0" i="0" u="none" strike="noStrike" cap="none" normalizeH="0" baseline="0">
                   <a:ln>
                     <a:noFill/>
                   </a:ln>
@@ -21946,7 +16069,7 @@
                 <a:tabLst/>
               </a:pPr>
               <a:r>
-                <a:rPr kumimoji="0" lang="en-US" altLang="zh-TW" sz="2000" b="0" i="0" u="none" strike="noStrike" cap="none" normalizeH="0" baseline="0">
+                <a:rPr kumimoji="0" lang="en-US" altLang="zh-TW" b="0" i="0" u="none" strike="noStrike" cap="none" normalizeH="0" baseline="0">
                   <a:ln>
                     <a:noFill/>
                   </a:ln>
@@ -21978,7 +16101,7 @@
                 <a:tabLst/>
               </a:pPr>
               <a:r>
-                <a:rPr kumimoji="0" lang="en-US" altLang="zh-TW" sz="2000" b="0" i="0" u="none" strike="noStrike" cap="none" normalizeH="0" baseline="0">
+                <a:rPr kumimoji="0" lang="en-US" altLang="zh-TW" b="0" i="0" u="none" strike="noStrike" cap="none" normalizeH="0" baseline="0">
                   <a:ln>
                     <a:noFill/>
                   </a:ln>
@@ -22009,7 +16132,7 @@
                 <a:buNone/>
                 <a:tabLst/>
               </a:pPr>
-              <a:endParaRPr kumimoji="0" lang="zh-TW" altLang="zh-TW" sz="2000" b="0" i="0" u="none" strike="noStrike" cap="none" normalizeH="0" baseline="0">
+              <a:endParaRPr kumimoji="0" lang="zh-TW" altLang="zh-TW" b="0" i="0" u="none" strike="noStrike" cap="none" normalizeH="0" baseline="0">
                 <a:ln>
                   <a:noFill/>
                 </a:ln>
@@ -22036,7 +16159,7 @@
           </p:nvSpPr>
           <p:spPr>
             <a:xfrm>
-              <a:off x="4652448" y="4490829"/>
+              <a:off x="4685621" y="4600562"/>
               <a:ext cx="691215" cy="369332"/>
             </a:xfrm>
             <a:prstGeom prst="rect">
@@ -22435,35 +16558,7 @@
                       <a:latin typeface="+mj-lt"/>
                       <a:cs typeface="JetBrains Mono" panose="02000009000000000000" pitchFamily="49" charset="0"/>
                     </a:rPr>
-                    <a:t>composite_count </a:t>
-                  </a:r>
-                  <a:r>
-                    <a:rPr kumimoji="0" lang="zh-TW" altLang="zh-TW" sz="1300" b="0" i="0" u="none" strike="noStrike" cap="none" normalizeH="0" baseline="0">
-                      <a:ln>
-                        <a:noFill/>
-                      </a:ln>
-                      <a:solidFill>
-                        <a:srgbClr val="BCBEC4"/>
-                      </a:solidFill>
-                      <a:effectLst/>
-                      <a:latin typeface="+mj-lt"/>
-                      <a:cs typeface="JetBrains Mono" panose="02000009000000000000" pitchFamily="49" charset="0"/>
-                    </a:rPr>
-                    <a:t>= </a:t>
-                  </a:r>
-                  <a:r>
-                    <a:rPr kumimoji="0" lang="zh-TW" altLang="zh-TW" sz="1300" b="0" i="0" u="none" strike="noStrike" cap="none" normalizeH="0" baseline="0">
-                      <a:ln>
-                        <a:noFill/>
-                      </a:ln>
-                      <a:solidFill>
-                        <a:srgbClr val="2AACB8"/>
-                      </a:solidFill>
-                      <a:effectLst/>
-                      <a:latin typeface="+mj-lt"/>
-                      <a:cs typeface="JetBrains Mono" panose="02000009000000000000" pitchFamily="49" charset="0"/>
-                    </a:rPr>
-                    <a:t>0</a:t>
+                    <a:t>composite_count</a:t>
                   </a:r>
                   <a:r>
                     <a:rPr kumimoji="0" lang="zh-TW" altLang="zh-TW" sz="1300" b="0" i="0" u="none" strike="noStrike" cap="none" normalizeH="0" baseline="0">
@@ -24210,8 +18305,8 @@
               </p:nvSpPr>
               <p:spPr>
                 <a:xfrm>
-                  <a:off x="3929717" y="1443425"/>
-                  <a:ext cx="2830993" cy="177801"/>
+                  <a:off x="3929718" y="1443425"/>
+                  <a:ext cx="2489994" cy="177801"/>
                 </a:xfrm>
                 <a:prstGeom prst="roundRect">
                   <a:avLst/>
@@ -35980,12 +30075,7 @@
             <p:ph type="title"/>
           </p:nvPr>
         </p:nvSpPr>
-        <p:spPr>
-          <a:xfrm>
-            <a:off x="838200" y="365125"/>
-            <a:ext cx="10515600" cy="1325563"/>
-          </a:xfrm>
-        </p:spPr>
+        <p:spPr/>
         <p:txBody>
           <a:bodyPr/>
           <a:lstStyle/>
@@ -43213,7 +37303,7 @@
   <a:extraClrSchemeLst/>
   <a:extLst>
     <a:ext uri="{05A4C25C-085E-4340-85A3-A5531E510DB2}">
-      <thm15:themeFamily xmlns:thm15="http://schemas.microsoft.com/office/thememl/2012/main" name="TYIC" id="{E2D9765B-27E6-4F7D-BDAB-2CD480706C35}" vid="{D1D4527B-6C29-4E80-850E-305C16F473BE}"/>
+      <thm15:themeFamily xmlns:thm15="http://schemas.microsoft.com/office/thememl/2012/main" name="TYIC" id="{1CBE48E2-41FD-4EDA-8801-606A138B7FC3}" vid="{F6EAACDE-0833-4468-B256-0551E0034979}"/>
     </a:ext>
   </a:extLst>
 </a:theme>
